--- a/03 commandset.pptx
+++ b/03 commandset.pptx
@@ -11,20 +11,20 @@
     <p:handoutMasterId r:id="rId18"/>
   </p:handoutMasterIdLst>
   <p:sldIdLst>
-    <p:sldId id="257" r:id="rId3"/>
-    <p:sldId id="263" r:id="rId4"/>
-    <p:sldId id="1557" r:id="rId5"/>
-    <p:sldId id="1559" r:id="rId6"/>
+    <p:sldId id="1582" r:id="rId3"/>
+    <p:sldId id="1583" r:id="rId4"/>
+    <p:sldId id="1584" r:id="rId5"/>
+    <p:sldId id="1585" r:id="rId6"/>
     <p:sldId id="1561" r:id="rId7"/>
-    <p:sldId id="1552" r:id="rId8"/>
+    <p:sldId id="1586" r:id="rId8"/>
     <p:sldId id="1560" r:id="rId9"/>
-    <p:sldId id="1556" r:id="rId10"/>
-    <p:sldId id="1555" r:id="rId11"/>
-    <p:sldId id="265" r:id="rId12"/>
-    <p:sldId id="283" r:id="rId13"/>
-    <p:sldId id="279" r:id="rId14"/>
-    <p:sldId id="261" r:id="rId15"/>
-    <p:sldId id="260" r:id="rId16"/>
+    <p:sldId id="1587" r:id="rId10"/>
+    <p:sldId id="1588" r:id="rId11"/>
+    <p:sldId id="1589" r:id="rId12"/>
+    <p:sldId id="1590" r:id="rId13"/>
+    <p:sldId id="1591" r:id="rId14"/>
+    <p:sldId id="1592" r:id="rId15"/>
+    <p:sldId id="1593" r:id="rId16"/>
   </p:sldIdLst>
   <p:sldSz cx="12436475" cy="6994525"/>
   <p:notesSz cx="6858000" cy="9144000"/>
@@ -128,32 +128,32 @@
       <p14:sectionLst xmlns:p14="http://schemas.microsoft.com/office/powerpoint/2010/main">
         <p14:section name="intro" id="{E1FBED56-7E21-C94D-8049-451270E8C32A}">
           <p14:sldIdLst>
-            <p14:sldId id="257"/>
-            <p14:sldId id="263"/>
+            <p14:sldId id="1582"/>
+            <p14:sldId id="1583"/>
           </p14:sldIdLst>
         </p14:section>
-        <p14:section name="overview" id="{3A7429EF-79F1-A44F-B2E7-33EA665B892A}">
+        <p14:section name="overview" id="{7AD6C352-0A45-444E-B8F9-8D2038BF74CA}">
           <p14:sldIdLst>
-            <p14:sldId id="1557"/>
-            <p14:sldId id="1559"/>
+            <p14:sldId id="1584"/>
+            <p14:sldId id="1585"/>
             <p14:sldId id="1561"/>
           </p14:sldIdLst>
         </p14:section>
-        <p14:section name="testing" id="{93F69F9F-77AE-7843-8802-6B2271D20D68}">
+        <p14:section name="testing" id="{8E3AA920-E048-4638-9677-E7ABDDCA76E7}">
           <p14:sldIdLst>
-            <p14:sldId id="1552"/>
+            <p14:sldId id="1586"/>
             <p14:sldId id="1560"/>
-            <p14:sldId id="1556"/>
-            <p14:sldId id="1555"/>
-            <p14:sldId id="265"/>
+            <p14:sldId id="1587"/>
+            <p14:sldId id="1588"/>
+            <p14:sldId id="1589"/>
           </p14:sldIdLst>
         </p14:section>
-        <p14:section name="outro" id="{E93196B6-EFE2-3242-B776-C77C0FCFFEF1}">
+        <p14:section name="outro" id="{BF29E249-6E71-4BBE-B175-E1751A1C0B1C}">
           <p14:sldIdLst>
-            <p14:sldId id="283"/>
-            <p14:sldId id="279"/>
-            <p14:sldId id="261"/>
-            <p14:sldId id="260"/>
+            <p14:sldId id="1590"/>
+            <p14:sldId id="1591"/>
+            <p14:sldId id="1592"/>
+            <p14:sldId id="1593"/>
           </p14:sldIdLst>
         </p14:section>
       </p14:sectionLst>
@@ -234,9 +234,12 @@
             </a:lvl1pPr>
           </a:lstStyle>
           <a:p>
-            <a:endParaRPr lang="en-US" dirty="0">
-              <a:latin typeface="Segoe UI" pitchFamily="34" charset="0"/>
-            </a:endParaRPr>
+            <a:r>
+              <a:rPr lang="en-US" dirty="0">
+                <a:latin typeface="Segoe UI" pitchFamily="34" charset="0"/>
+              </a:rPr>
+              <a:t>SharePoint Framework</a:t>
+            </a:r>
           </a:p>
         </p:txBody>
       </p:sp>
@@ -271,7 +274,7 @@
               <a:rPr lang="en-US" smtClean="0">
                 <a:latin typeface="Segoe UI" pitchFamily="34" charset="0"/>
               </a:rPr>
-              <a:t>12/11/18 11:23 AM</a:t>
+              <a:t>12/20/2018 4:06 PM</a:t>
             </a:fld>
             <a:endParaRPr lang="en-US" dirty="0">
               <a:latin typeface="Segoe UI" pitchFamily="34" charset="0"/>
@@ -431,7 +434,10 @@
             </a:lvl1pPr>
           </a:lstStyle>
           <a:p>
-            <a:endParaRPr lang="en-US" dirty="0"/>
+            <a:r>
+              <a:rPr lang="en-US" dirty="0"/>
+              <a:t>SharePoint Framework</a:t>
+            </a:r>
           </a:p>
         </p:txBody>
       </p:sp>
@@ -565,7 +571,7 @@
           <a:p>
             <a:fld id="{D18B56EA-E28F-4F92-9F16-7A6F2501B303}" type="datetime8">
               <a:rPr lang="en-US" smtClean="0"/>
-              <a:t>12/11/18 11:23 AM</a:t>
+              <a:t>12/20/2018 4:04 PM</a:t>
             </a:fld>
             <a:endParaRPr lang="en-US" dirty="0"/>
           </a:p>
@@ -948,7 +954,7 @@
           <a:p>
             <a:fld id="{D18B56EA-E28F-4F92-9F16-7A6F2501B303}" type="datetime8">
               <a:rPr lang="en-US" smtClean="0"/>
-              <a:t>12/11/18 1:23 PM</a:t>
+              <a:t>12/20/2018 4:04 PM</a:t>
             </a:fld>
             <a:endParaRPr lang="en-US" dirty="0"/>
           </a:p>
@@ -1129,7 +1135,7 @@
           <a:p>
             <a:fld id="{D18B56EA-E28F-4F92-9F16-7A6F2501B303}" type="datetime8">
               <a:rPr lang="en-US" smtClean="0"/>
-              <a:t>12/11/18 1:23 PM</a:t>
+              <a:t>12/20/2018 4:04 PM</a:t>
             </a:fld>
             <a:endParaRPr lang="en-US" dirty="0"/>
           </a:p>
@@ -1310,7 +1316,7 @@
           <a:p>
             <a:fld id="{D18B56EA-E28F-4F92-9F16-7A6F2501B303}" type="datetime8">
               <a:rPr lang="en-US" smtClean="0"/>
-              <a:t>12/11/18 1:24 PM</a:t>
+              <a:t>12/20/2018 4:05 PM</a:t>
             </a:fld>
             <a:endParaRPr lang="en-US" dirty="0"/>
           </a:p>
@@ -1491,7 +1497,7 @@
           <a:p>
             <a:fld id="{D18B56EA-E28F-4F92-9F16-7A6F2501B303}" type="datetime8">
               <a:rPr lang="en-US" smtClean="0"/>
-              <a:t>12/11/18 1:24 PM</a:t>
+              <a:t>12/20/2018 4:07 PM</a:t>
             </a:fld>
             <a:endParaRPr lang="en-US" dirty="0"/>
           </a:p>
@@ -1672,7 +1678,7 @@
           <a:p>
             <a:fld id="{D18B56EA-E28F-4F92-9F16-7A6F2501B303}" type="datetime8">
               <a:rPr lang="en-US" smtClean="0"/>
-              <a:t>12/11/18 11:23 AM</a:t>
+              <a:t>12/20/2018 4:05 PM</a:t>
             </a:fld>
             <a:endParaRPr lang="en-US" dirty="0"/>
           </a:p>
@@ -1853,7 +1859,7 @@
           <a:p>
             <a:fld id="{D18B56EA-E28F-4F92-9F16-7A6F2501B303}" type="datetime8">
               <a:rPr lang="en-US" smtClean="0"/>
-              <a:t>12/11/18 11:23 AM</a:t>
+              <a:t>12/20/2018 4:05 PM</a:t>
             </a:fld>
             <a:endParaRPr lang="en-US" dirty="0"/>
           </a:p>
@@ -6132,7 +6138,7 @@
           <a:lstStyle/>
           <a:p>
             <a:r>
-              <a:rPr lang="en-US"/>
+              <a:rPr lang="en-US" dirty="0"/>
               <a:t>Click icon to add table</a:t>
             </a:r>
           </a:p>
@@ -6554,299 +6560,6 @@
 
 <file path=ppt/slideLayouts/slideLayout26.xml><?xml version="1.0" encoding="utf-8"?>
 <p:sldLayout xmlns:a="http://schemas.openxmlformats.org/drawingml/2006/main" xmlns:r="http://schemas.openxmlformats.org/officeDocument/2006/relationships" xmlns:p="http://schemas.openxmlformats.org/presentationml/2006/main" userDrawn="1">
-  <p:cSld name="Title &amp; 2-color Non-bulleted text">
-    <p:spTree>
-      <p:nvGrpSpPr>
-        <p:cNvPr id="1" name=""/>
-        <p:cNvGrpSpPr/>
-        <p:nvPr/>
-      </p:nvGrpSpPr>
-      <p:grpSpPr>
-        <a:xfrm>
-          <a:off x="0" y="0"/>
-          <a:ext cx="0" cy="0"/>
-          <a:chOff x="0" y="0"/>
-          <a:chExt cx="0" cy="0"/>
-        </a:xfrm>
-      </p:grpSpPr>
-      <p:pic>
-        <p:nvPicPr>
-          <p:cNvPr id="7" name="Picture 6"/>
-          <p:cNvPicPr>
-            <a:picLocks noChangeAspect="1"/>
-          </p:cNvPicPr>
-          <p:nvPr userDrawn="1"/>
-        </p:nvPicPr>
-        <p:blipFill>
-          <a:blip r:embed="rId2" cstate="screen">
-            <a:extLst>
-              <a:ext uri="{28A0092B-C50C-407E-A947-70E740481C1C}">
-                <a14:useLocalDpi xmlns:a14="http://schemas.microsoft.com/office/drawing/2010/main"/>
-              </a:ext>
-            </a:extLst>
-          </a:blip>
-          <a:stretch>
-            <a:fillRect/>
-          </a:stretch>
-        </p:blipFill>
-        <p:spPr>
-          <a:xfrm>
-            <a:off x="10933639" y="6533467"/>
-            <a:ext cx="1501954" cy="477297"/>
-          </a:xfrm>
-          <a:prstGeom prst="rect">
-            <a:avLst/>
-          </a:prstGeom>
-        </p:spPr>
-      </p:pic>
-      <p:sp>
-        <p:nvSpPr>
-          <p:cNvPr id="2" name="Title 1"/>
-          <p:cNvSpPr>
-            <a:spLocks noGrp="1"/>
-          </p:cNvSpPr>
-          <p:nvPr>
-            <p:ph type="title"/>
-          </p:nvPr>
-        </p:nvSpPr>
-        <p:spPr/>
-        <p:txBody>
-          <a:bodyPr/>
-          <a:lstStyle/>
-          <a:p>
-            <a:r>
-              <a:rPr lang="en-US"/>
-              <a:t>Click to edit Master title style</a:t>
-            </a:r>
-            <a:endParaRPr lang="en-US" dirty="0"/>
-          </a:p>
-        </p:txBody>
-      </p:sp>
-      <p:sp>
-        <p:nvSpPr>
-          <p:cNvPr id="6" name="Text Placeholder 5"/>
-          <p:cNvSpPr>
-            <a:spLocks noGrp="1"/>
-          </p:cNvSpPr>
-          <p:nvPr>
-            <p:ph type="body" sz="quarter" idx="10"/>
-          </p:nvPr>
-        </p:nvSpPr>
-        <p:spPr>
-          <a:xfrm>
-            <a:off x="274638" y="1212850"/>
-            <a:ext cx="11887200" cy="1889748"/>
-          </a:xfrm>
-        </p:spPr>
-        <p:txBody>
-          <a:bodyPr/>
-          <a:lstStyle>
-            <a:lvl1pPr marL="0" indent="0">
-              <a:buNone/>
-              <a:defRPr>
-                <a:solidFill>
-                  <a:schemeClr val="tx2"/>
-                </a:solidFill>
-              </a:defRPr>
-            </a:lvl1pPr>
-            <a:lvl2pPr marL="0" indent="0">
-              <a:buFontTx/>
-              <a:buNone/>
-              <a:defRPr sz="2000"/>
-            </a:lvl2pPr>
-            <a:lvl3pPr marL="228600" indent="0">
-              <a:buNone/>
-              <a:defRPr sz="1800"/>
-            </a:lvl3pPr>
-            <a:lvl4pPr marL="457200" indent="0">
-              <a:buNone/>
-              <a:defRPr sz="1600"/>
-            </a:lvl4pPr>
-            <a:lvl5pPr marL="685800" indent="0">
-              <a:buNone/>
-              <a:defRPr sz="1400"/>
-            </a:lvl5pPr>
-          </a:lstStyle>
-          <a:p>
-            <a:pPr lvl="0"/>
-            <a:r>
-              <a:rPr lang="en-US"/>
-              <a:t>Edit Master text styles</a:t>
-            </a:r>
-          </a:p>
-          <a:p>
-            <a:pPr lvl="1"/>
-            <a:r>
-              <a:rPr lang="en-US"/>
-              <a:t>Second level</a:t>
-            </a:r>
-          </a:p>
-          <a:p>
-            <a:pPr lvl="2"/>
-            <a:r>
-              <a:rPr lang="en-US"/>
-              <a:t>Third level</a:t>
-            </a:r>
-          </a:p>
-          <a:p>
-            <a:pPr lvl="3"/>
-            <a:r>
-              <a:rPr lang="en-US"/>
-              <a:t>Fourth level</a:t>
-            </a:r>
-          </a:p>
-          <a:p>
-            <a:pPr lvl="4"/>
-            <a:r>
-              <a:rPr lang="en-US"/>
-              <a:t>Fifth level</a:t>
-            </a:r>
-            <a:endParaRPr lang="en-US" dirty="0"/>
-          </a:p>
-        </p:txBody>
-      </p:sp>
-    </p:spTree>
-    <p:extLst>
-      <p:ext uri="{BB962C8B-B14F-4D97-AF65-F5344CB8AC3E}">
-        <p14:creationId xmlns:p14="http://schemas.microsoft.com/office/powerpoint/2010/main" val="3845859015"/>
-      </p:ext>
-    </p:extLst>
-  </p:cSld>
-  <p:clrMapOvr>
-    <a:masterClrMapping/>
-  </p:clrMapOvr>
-  <p:transition>
-    <p:fade/>
-  </p:transition>
-</p:sldLayout>
-</file>
-
-<file path=ppt/slideLayouts/slideLayout27.xml><?xml version="1.0" encoding="utf-8"?>
-<p:sldLayout xmlns:a="http://schemas.openxmlformats.org/drawingml/2006/main" xmlns:r="http://schemas.openxmlformats.org/officeDocument/2006/relationships" xmlns:p="http://schemas.openxmlformats.org/presentationml/2006/main" userDrawn="1">
-  <p:cSld name="Title and Content">
-    <p:spTree>
-      <p:nvGrpSpPr>
-        <p:cNvPr id="1" name=""/>
-        <p:cNvGrpSpPr/>
-        <p:nvPr/>
-      </p:nvGrpSpPr>
-      <p:grpSpPr>
-        <a:xfrm>
-          <a:off x="0" y="0"/>
-          <a:ext cx="0" cy="0"/>
-          <a:chOff x="0" y="0"/>
-          <a:chExt cx="0" cy="0"/>
-        </a:xfrm>
-      </p:grpSpPr>
-      <p:sp>
-        <p:nvSpPr>
-          <p:cNvPr id="4" name="Text Placeholder 3"/>
-          <p:cNvSpPr>
-            <a:spLocks noGrp="1"/>
-          </p:cNvSpPr>
-          <p:nvPr>
-            <p:ph type="body" sz="quarter" idx="10"/>
-          </p:nvPr>
-        </p:nvSpPr>
-        <p:spPr>
-          <a:xfrm>
-            <a:off x="274638" y="1212850"/>
-            <a:ext cx="11887200" cy="2240229"/>
-          </a:xfrm>
-        </p:spPr>
-        <p:txBody>
-          <a:bodyPr>
-            <a:spAutoFit/>
-          </a:bodyPr>
-          <a:lstStyle>
-            <a:lvl3pPr>
-              <a:defRPr sz="2399"/>
-            </a:lvl3pPr>
-            <a:lvl4pPr>
-              <a:defRPr sz="1999"/>
-            </a:lvl4pPr>
-            <a:lvl5pPr>
-              <a:defRPr sz="1999"/>
-            </a:lvl5pPr>
-          </a:lstStyle>
-          <a:p>
-            <a:pPr lvl="0"/>
-            <a:r>
-              <a:rPr lang="en-US"/>
-              <a:t>Edit Master text styles</a:t>
-            </a:r>
-          </a:p>
-          <a:p>
-            <a:pPr lvl="1"/>
-            <a:r>
-              <a:rPr lang="en-US"/>
-              <a:t>Second level</a:t>
-            </a:r>
-          </a:p>
-          <a:p>
-            <a:pPr lvl="2"/>
-            <a:r>
-              <a:rPr lang="en-US"/>
-              <a:t>Third level</a:t>
-            </a:r>
-          </a:p>
-          <a:p>
-            <a:pPr lvl="3"/>
-            <a:r>
-              <a:rPr lang="en-US"/>
-              <a:t>Fourth level</a:t>
-            </a:r>
-          </a:p>
-          <a:p>
-            <a:pPr lvl="4"/>
-            <a:r>
-              <a:rPr lang="en-US"/>
-              <a:t>Fifth level</a:t>
-            </a:r>
-            <a:endParaRPr lang="en-US" dirty="0"/>
-          </a:p>
-        </p:txBody>
-      </p:sp>
-      <p:sp>
-        <p:nvSpPr>
-          <p:cNvPr id="6" name="Title 5"/>
-          <p:cNvSpPr>
-            <a:spLocks noGrp="1"/>
-          </p:cNvSpPr>
-          <p:nvPr>
-            <p:ph type="title"/>
-          </p:nvPr>
-        </p:nvSpPr>
-        <p:spPr/>
-        <p:txBody>
-          <a:bodyPr/>
-          <a:lstStyle/>
-          <a:p>
-            <a:r>
-              <a:rPr lang="en-US"/>
-              <a:t>Click to edit Master title style</a:t>
-            </a:r>
-          </a:p>
-        </p:txBody>
-      </p:sp>
-    </p:spTree>
-    <p:extLst>
-      <p:ext uri="{BB962C8B-B14F-4D97-AF65-F5344CB8AC3E}">
-        <p14:creationId xmlns:p14="http://schemas.microsoft.com/office/powerpoint/2010/main" val="3733558018"/>
-      </p:ext>
-    </p:extLst>
-  </p:cSld>
-  <p:clrMapOvr>
-    <a:masterClrMapping/>
-  </p:clrMapOvr>
-  <p:transition>
-    <p:fade/>
-  </p:transition>
-</p:sldLayout>
-</file>
-
-<file path=ppt/slideLayouts/slideLayout28.xml><?xml version="1.0" encoding="utf-8"?>
-<p:sldLayout xmlns:a="http://schemas.openxmlformats.org/drawingml/2006/main" xmlns:r="http://schemas.openxmlformats.org/officeDocument/2006/relationships" xmlns:p="http://schemas.openxmlformats.org/presentationml/2006/main" userDrawn="1">
   <p:cSld name="Developer Code Layout">
     <p:spTree>
       <p:nvGrpSpPr>
@@ -6872,27 +6585,31 @@
             <p:ph type="title" hasCustomPrompt="1"/>
           </p:nvPr>
         </p:nvSpPr>
-        <p:spPr/>
+        <p:spPr>
+          <a:xfrm>
+            <a:off x="464400" y="633600"/>
+            <a:ext cx="11575200" cy="410369"/>
+          </a:xfrm>
+        </p:spPr>
         <p:txBody>
-          <a:bodyPr/>
+          <a:bodyPr vert="horz" wrap="square" lIns="0" tIns="0" rIns="0" bIns="0" rtlCol="0" anchor="t">
+            <a:spAutoFit/>
+          </a:bodyPr>
           <a:lstStyle>
             <a:lvl1pPr>
-              <a:defRPr>
-                <a:gradFill>
-                  <a:gsLst>
-                    <a:gs pos="1250">
-                      <a:schemeClr val="tx2"/>
-                    </a:gs>
-                    <a:gs pos="100000">
-                      <a:schemeClr val="tx2"/>
-                    </a:gs>
-                  </a:gsLst>
-                  <a:lin ang="5400000" scaled="0"/>
-                </a:gradFill>
+              <a:defRPr lang="en-US" sz="2800" dirty="0">
+                <a:solidFill>
+                  <a:srgbClr val="2F2F2F"/>
+                </a:solidFill>
               </a:defRPr>
             </a:lvl1pPr>
           </a:lstStyle>
           <a:p>
+            <a:pPr lvl="0">
+              <a:lnSpc>
+                <a:spcPts val="3200"/>
+              </a:lnSpc>
+            </a:pPr>
             <a:r>
               <a:rPr lang="en-US" dirty="0"/>
               <a:t>Slide for Developer Code</a:t>
@@ -6985,8 +6702,8 @@
         </p:nvSpPr>
         <p:spPr>
           <a:xfrm>
-            <a:off x="528849" y="1476622"/>
-            <a:ext cx="11378776" cy="2360774"/>
+            <a:off x="464400" y="1178952"/>
+            <a:ext cx="11575200" cy="2658444"/>
           </a:xfrm>
         </p:spPr>
         <p:txBody>
@@ -7101,45 +6818,350 @@
           <a:p>
             <a:pPr lvl="0"/>
             <a:r>
-              <a:rPr lang="en-US"/>
+              <a:rPr lang="en-US" dirty="0"/>
               <a:t>Click to edit Master text styles</a:t>
             </a:r>
           </a:p>
           <a:p>
             <a:pPr lvl="1"/>
             <a:r>
-              <a:rPr lang="en-US"/>
+              <a:rPr lang="en-US" dirty="0"/>
               <a:t>Second level</a:t>
             </a:r>
           </a:p>
           <a:p>
             <a:pPr lvl="2"/>
             <a:r>
-              <a:rPr lang="en-US"/>
+              <a:rPr lang="en-US" dirty="0"/>
               <a:t>Third level</a:t>
             </a:r>
           </a:p>
           <a:p>
             <a:pPr lvl="3"/>
             <a:r>
-              <a:rPr lang="en-US"/>
+              <a:rPr lang="en-US" dirty="0"/>
               <a:t>Fourth level</a:t>
             </a:r>
           </a:p>
           <a:p>
             <a:pPr lvl="4"/>
             <a:r>
-              <a:rPr lang="en-US"/>
+              <a:rPr lang="en-US" dirty="0"/>
               <a:t>Fifth level</a:t>
             </a:r>
-            <a:endParaRPr lang="en-US" dirty="0"/>
           </a:p>
         </p:txBody>
       </p:sp>
     </p:spTree>
     <p:extLst>
       <p:ext uri="{BB962C8B-B14F-4D97-AF65-F5344CB8AC3E}">
-        <p14:creationId xmlns:p14="http://schemas.microsoft.com/office/powerpoint/2010/main" val="1783738663"/>
+        <p14:creationId xmlns:p14="http://schemas.microsoft.com/office/powerpoint/2010/main" val="2517332202"/>
+      </p:ext>
+    </p:extLst>
+  </p:cSld>
+  <p:clrMapOvr>
+    <a:masterClrMapping/>
+  </p:clrMapOvr>
+  <p:transition>
+    <p:fade/>
+  </p:transition>
+</p:sldLayout>
+</file>
+
+<file path=ppt/slideLayouts/slideLayout27.xml><?xml version="1.0" encoding="utf-8"?>
+<p:sldLayout xmlns:a="http://schemas.openxmlformats.org/drawingml/2006/main" xmlns:r="http://schemas.openxmlformats.org/officeDocument/2006/relationships" xmlns:p="http://schemas.openxmlformats.org/presentationml/2006/main" userDrawn="1">
+  <p:cSld name="Title &amp; 2-color Non-bulleted text">
+    <p:spTree>
+      <p:nvGrpSpPr>
+        <p:cNvPr id="1" name=""/>
+        <p:cNvGrpSpPr/>
+        <p:nvPr/>
+      </p:nvGrpSpPr>
+      <p:grpSpPr>
+        <a:xfrm>
+          <a:off x="0" y="0"/>
+          <a:ext cx="0" cy="0"/>
+          <a:chOff x="0" y="0"/>
+          <a:chExt cx="0" cy="0"/>
+        </a:xfrm>
+      </p:grpSpPr>
+      <p:sp>
+        <p:nvSpPr>
+          <p:cNvPr id="2" name="Title 1"/>
+          <p:cNvSpPr>
+            <a:spLocks noGrp="1"/>
+          </p:cNvSpPr>
+          <p:nvPr>
+            <p:ph type="title"/>
+          </p:nvPr>
+        </p:nvSpPr>
+        <p:spPr>
+          <a:xfrm>
+            <a:off x="464400" y="633600"/>
+            <a:ext cx="11574000" cy="410369"/>
+          </a:xfrm>
+        </p:spPr>
+        <p:txBody>
+          <a:bodyPr vert="horz" wrap="square" lIns="0" tIns="0" rIns="0" bIns="0" rtlCol="0" anchor="t">
+            <a:spAutoFit/>
+          </a:bodyPr>
+          <a:lstStyle>
+            <a:lvl1pPr>
+              <a:defRPr lang="en-US" sz="2800" dirty="0">
+                <a:solidFill>
+                  <a:srgbClr val="2F2F2F"/>
+                </a:solidFill>
+              </a:defRPr>
+            </a:lvl1pPr>
+          </a:lstStyle>
+          <a:p>
+            <a:pPr lvl="0">
+              <a:lnSpc>
+                <a:spcPts val="3200"/>
+              </a:lnSpc>
+            </a:pPr>
+            <a:r>
+              <a:rPr lang="en-US" dirty="0"/>
+              <a:t>Click to edit Master title style</a:t>
+            </a:r>
+          </a:p>
+        </p:txBody>
+      </p:sp>
+      <p:sp>
+        <p:nvSpPr>
+          <p:cNvPr id="6" name="Text Placeholder 5"/>
+          <p:cNvSpPr>
+            <a:spLocks noGrp="1"/>
+          </p:cNvSpPr>
+          <p:nvPr>
+            <p:ph type="body" sz="quarter" idx="10"/>
+          </p:nvPr>
+        </p:nvSpPr>
+        <p:spPr>
+          <a:xfrm>
+            <a:off x="464400" y="1212850"/>
+            <a:ext cx="11574000" cy="1346522"/>
+          </a:xfrm>
+        </p:spPr>
+        <p:txBody>
+          <a:bodyPr/>
+          <a:lstStyle>
+            <a:lvl1pPr marL="0" indent="0">
+              <a:buNone/>
+              <a:defRPr sz="2400">
+                <a:solidFill>
+                  <a:schemeClr val="tx2"/>
+                </a:solidFill>
+              </a:defRPr>
+            </a:lvl1pPr>
+            <a:lvl2pPr marL="0" indent="0">
+              <a:buFontTx/>
+              <a:buNone/>
+              <a:defRPr sz="1400"/>
+            </a:lvl2pPr>
+            <a:lvl3pPr marL="228600" indent="0">
+              <a:buNone/>
+              <a:defRPr sz="1200"/>
+            </a:lvl3pPr>
+            <a:lvl4pPr marL="457200" indent="0">
+              <a:buNone/>
+              <a:defRPr sz="1100"/>
+            </a:lvl4pPr>
+            <a:lvl5pPr marL="685800" indent="0">
+              <a:buNone/>
+              <a:defRPr sz="1050"/>
+            </a:lvl5pPr>
+          </a:lstStyle>
+          <a:p>
+            <a:pPr lvl="0"/>
+            <a:r>
+              <a:rPr lang="en-US" dirty="0"/>
+              <a:t>Edit Master text styles</a:t>
+            </a:r>
+          </a:p>
+          <a:p>
+            <a:pPr lvl="1"/>
+            <a:r>
+              <a:rPr lang="en-US" dirty="0"/>
+              <a:t>Second level</a:t>
+            </a:r>
+          </a:p>
+          <a:p>
+            <a:pPr lvl="2"/>
+            <a:r>
+              <a:rPr lang="en-US" dirty="0"/>
+              <a:t>Third level</a:t>
+            </a:r>
+          </a:p>
+          <a:p>
+            <a:pPr lvl="3"/>
+            <a:r>
+              <a:rPr lang="en-US" dirty="0"/>
+              <a:t>Fourth level</a:t>
+            </a:r>
+          </a:p>
+          <a:p>
+            <a:pPr lvl="4"/>
+            <a:r>
+              <a:rPr lang="en-US" dirty="0"/>
+              <a:t>Fifth level</a:t>
+            </a:r>
+          </a:p>
+        </p:txBody>
+      </p:sp>
+    </p:spTree>
+    <p:extLst>
+      <p:ext uri="{BB962C8B-B14F-4D97-AF65-F5344CB8AC3E}">
+        <p14:creationId xmlns:p14="http://schemas.microsoft.com/office/powerpoint/2010/main" val="3845859015"/>
+      </p:ext>
+    </p:extLst>
+  </p:cSld>
+  <p:clrMapOvr>
+    <a:masterClrMapping/>
+  </p:clrMapOvr>
+  <p:transition>
+    <p:fade/>
+  </p:transition>
+</p:sldLayout>
+</file>
+
+<file path=ppt/slideLayouts/slideLayout28.xml><?xml version="1.0" encoding="utf-8"?>
+<p:sldLayout xmlns:a="http://schemas.openxmlformats.org/drawingml/2006/main" xmlns:r="http://schemas.openxmlformats.org/officeDocument/2006/relationships" xmlns:p="http://schemas.openxmlformats.org/presentationml/2006/main" userDrawn="1">
+  <p:cSld name="Title and Content">
+    <p:spTree>
+      <p:nvGrpSpPr>
+        <p:cNvPr id="1" name=""/>
+        <p:cNvGrpSpPr/>
+        <p:nvPr/>
+      </p:nvGrpSpPr>
+      <p:grpSpPr>
+        <a:xfrm>
+          <a:off x="0" y="0"/>
+          <a:ext cx="0" cy="0"/>
+          <a:chOff x="0" y="0"/>
+          <a:chExt cx="0" cy="0"/>
+        </a:xfrm>
+      </p:grpSpPr>
+      <p:sp>
+        <p:nvSpPr>
+          <p:cNvPr id="4" name="Text Placeholder 3"/>
+          <p:cNvSpPr>
+            <a:spLocks noGrp="1"/>
+          </p:cNvSpPr>
+          <p:nvPr>
+            <p:ph type="body" sz="quarter" idx="10"/>
+          </p:nvPr>
+        </p:nvSpPr>
+        <p:spPr>
+          <a:xfrm>
+            <a:off x="464400" y="1212850"/>
+            <a:ext cx="11574000" cy="1566583"/>
+          </a:xfrm>
+        </p:spPr>
+        <p:txBody>
+          <a:bodyPr>
+            <a:spAutoFit/>
+          </a:bodyPr>
+          <a:lstStyle>
+            <a:lvl1pPr>
+              <a:defRPr sz="2400"/>
+            </a:lvl1pPr>
+            <a:lvl2pPr>
+              <a:defRPr sz="1800"/>
+            </a:lvl2pPr>
+            <a:lvl3pPr>
+              <a:defRPr sz="1600"/>
+            </a:lvl3pPr>
+            <a:lvl4pPr>
+              <a:defRPr sz="1400"/>
+            </a:lvl4pPr>
+            <a:lvl5pPr>
+              <a:defRPr sz="1400"/>
+            </a:lvl5pPr>
+          </a:lstStyle>
+          <a:p>
+            <a:pPr lvl="0"/>
+            <a:r>
+              <a:rPr lang="en-US" dirty="0"/>
+              <a:t>Edit Master text styles</a:t>
+            </a:r>
+          </a:p>
+          <a:p>
+            <a:pPr lvl="1"/>
+            <a:r>
+              <a:rPr lang="en-US" dirty="0"/>
+              <a:t>Second level</a:t>
+            </a:r>
+          </a:p>
+          <a:p>
+            <a:pPr lvl="2"/>
+            <a:r>
+              <a:rPr lang="en-US" dirty="0"/>
+              <a:t>Third level</a:t>
+            </a:r>
+          </a:p>
+          <a:p>
+            <a:pPr lvl="3"/>
+            <a:r>
+              <a:rPr lang="en-US" dirty="0"/>
+              <a:t>Fourth level</a:t>
+            </a:r>
+          </a:p>
+          <a:p>
+            <a:pPr lvl="4"/>
+            <a:r>
+              <a:rPr lang="en-US" dirty="0"/>
+              <a:t>Fifth level</a:t>
+            </a:r>
+          </a:p>
+        </p:txBody>
+      </p:sp>
+      <p:sp>
+        <p:nvSpPr>
+          <p:cNvPr id="6" name="Title 5"/>
+          <p:cNvSpPr>
+            <a:spLocks noGrp="1"/>
+          </p:cNvSpPr>
+          <p:nvPr>
+            <p:ph type="title"/>
+          </p:nvPr>
+        </p:nvSpPr>
+        <p:spPr>
+          <a:xfrm>
+            <a:off x="464400" y="633600"/>
+            <a:ext cx="11574000" cy="410369"/>
+          </a:xfrm>
+        </p:spPr>
+        <p:txBody>
+          <a:bodyPr vert="horz" wrap="square" lIns="0" tIns="0" rIns="0" bIns="0" rtlCol="0" anchor="t">
+            <a:spAutoFit/>
+          </a:bodyPr>
+          <a:lstStyle>
+            <a:lvl1pPr>
+              <a:defRPr lang="en-US" sz="2800">
+                <a:solidFill>
+                  <a:srgbClr val="2F2F2F"/>
+                </a:solidFill>
+              </a:defRPr>
+            </a:lvl1pPr>
+          </a:lstStyle>
+          <a:p>
+            <a:pPr lvl="0">
+              <a:lnSpc>
+                <a:spcPts val="3200"/>
+              </a:lnSpc>
+            </a:pPr>
+            <a:r>
+              <a:rPr lang="en-US" dirty="0"/>
+              <a:t>Click to edit Master title style</a:t>
+            </a:r>
+          </a:p>
+        </p:txBody>
+      </p:sp>
+    </p:spTree>
+    <p:extLst>
+      <p:ext uri="{BB962C8B-B14F-4D97-AF65-F5344CB8AC3E}">
+        <p14:creationId xmlns:p14="http://schemas.microsoft.com/office/powerpoint/2010/main" val="2439250095"/>
       </p:ext>
     </p:extLst>
   </p:cSld>
@@ -14048,8 +14070,8 @@
     <p:sldLayoutId id="2147484545" r:id="rId23"/>
     <p:sldLayoutId id="2147484546" r:id="rId24"/>
     <p:sldLayoutId id="2147484299" r:id="rId25"/>
-    <p:sldLayoutId id="2147484556" r:id="rId26"/>
-    <p:sldLayoutId id="2147484558" r:id="rId27"/>
+    <p:sldLayoutId id="2147484552" r:id="rId26"/>
+    <p:sldLayoutId id="2147484556" r:id="rId27"/>
     <p:sldLayoutId id="2147484559" r:id="rId28"/>
   </p:sldLayoutIdLst>
   <p:transition>
@@ -14606,7 +14628,7 @@
     </p:spTree>
     <p:extLst>
       <p:ext uri="{BB962C8B-B14F-4D97-AF65-F5344CB8AC3E}">
-        <p14:creationId xmlns:p14="http://schemas.microsoft.com/office/powerpoint/2010/main" val="699719167"/>
+        <p14:creationId xmlns:p14="http://schemas.microsoft.com/office/powerpoint/2010/main" val="882425677"/>
       </p:ext>
     </p:extLst>
   </p:cSld>
@@ -14678,7 +14700,7 @@
     </p:spTree>
     <p:extLst>
       <p:ext uri="{BB962C8B-B14F-4D97-AF65-F5344CB8AC3E}">
-        <p14:creationId xmlns:p14="http://schemas.microsoft.com/office/powerpoint/2010/main" val="1100556697"/>
+        <p14:creationId xmlns:p14="http://schemas.microsoft.com/office/powerpoint/2010/main" val="136376238"/>
       </p:ext>
     </p:extLst>
   </p:cSld>
@@ -15169,7 +15191,7 @@
     </p:spTree>
     <p:extLst>
       <p:ext uri="{BB962C8B-B14F-4D97-AF65-F5344CB8AC3E}">
-        <p14:creationId xmlns:p14="http://schemas.microsoft.com/office/powerpoint/2010/main" val="2509242320"/>
+        <p14:creationId xmlns:p14="http://schemas.microsoft.com/office/powerpoint/2010/main" val="2897804118"/>
       </p:ext>
     </p:extLst>
   </p:cSld>
@@ -15214,7 +15236,7 @@
         <p:spPr bwMode="auto">
           <a:xfrm>
             <a:off x="0" y="1504710"/>
-            <a:ext cx="12436475" cy="4591290"/>
+            <a:ext cx="12436475" cy="4857036"/>
           </a:xfrm>
           <a:prstGeom prst="rect">
             <a:avLst/>
@@ -15318,7 +15340,7 @@
         <p:spPr>
           <a:xfrm>
             <a:off x="465138" y="1930734"/>
-            <a:ext cx="11533187" cy="2754600"/>
+            <a:ext cx="11533187" cy="3031599"/>
           </a:xfrm>
         </p:spPr>
         <p:txBody>
@@ -15466,7 +15488,19 @@
               <a:rPr lang="en-US" sz="1800" dirty="0">
                 <a:latin typeface="+mj-lt"/>
               </a:rPr>
-              <a:t>Build your First Field Customizer Extension</a:t>
+              <a:t>Build your First  </a:t>
+            </a:r>
+            <a:r>
+              <a:rPr lang="en-US" sz="1800" dirty="0" err="1">
+                <a:latin typeface="+mj-lt"/>
+              </a:rPr>
+              <a:t>ListView</a:t>
+            </a:r>
+            <a:r>
+              <a:rPr lang="en-US" sz="1800" dirty="0">
+                <a:latin typeface="+mj-lt"/>
+              </a:rPr>
+              <a:t> Command Set extension</a:t>
             </a:r>
           </a:p>
           <a:p>
@@ -15485,7 +15519,7 @@
                 <a:latin typeface="+mj-lt"/>
                 <a:hlinkClick r:id="rId5"/>
               </a:rPr>
-              <a:t>https://docs.microsoft.com/sharepoint/dev/spfx/extensions/get-started/building-simple-field-customizer</a:t>
+              <a:t>https://docs.microsoft.com/en-us/sharepoint/dev/spfx/extensions/get-started/building-simple-cmdset-with-dialog-api</a:t>
             </a:r>
             <a:r>
               <a:rPr lang="en-US" sz="1800" dirty="0">
@@ -15554,7 +15588,7 @@
     </p:spTree>
     <p:extLst>
       <p:ext uri="{BB962C8B-B14F-4D97-AF65-F5344CB8AC3E}">
-        <p14:creationId xmlns:p14="http://schemas.microsoft.com/office/powerpoint/2010/main" val="3724015835"/>
+        <p14:creationId xmlns:p14="http://schemas.microsoft.com/office/powerpoint/2010/main" val="4059081612"/>
       </p:ext>
     </p:extLst>
   </p:cSld>
@@ -15596,7 +15630,7 @@
     </p:spTree>
     <p:extLst>
       <p:ext uri="{BB962C8B-B14F-4D97-AF65-F5344CB8AC3E}">
-        <p14:creationId xmlns:p14="http://schemas.microsoft.com/office/powerpoint/2010/main" val="3660847957"/>
+        <p14:creationId xmlns:p14="http://schemas.microsoft.com/office/powerpoint/2010/main" val="817321644"/>
       </p:ext>
     </p:extLst>
   </p:cSld>
@@ -15845,7 +15879,7 @@
     </p:spTree>
     <p:extLst>
       <p:ext uri="{BB962C8B-B14F-4D97-AF65-F5344CB8AC3E}">
-        <p14:creationId xmlns:p14="http://schemas.microsoft.com/office/powerpoint/2010/main" val="60090990"/>
+        <p14:creationId xmlns:p14="http://schemas.microsoft.com/office/powerpoint/2010/main" val="1363797957"/>
       </p:ext>
     </p:extLst>
   </p:cSld>
@@ -15900,12 +15934,7 @@
             <p:ph type="body" sz="quarter" idx="10"/>
           </p:nvPr>
         </p:nvSpPr>
-        <p:spPr>
-          <a:xfrm>
-            <a:off x="274638" y="1212850"/>
-            <a:ext cx="11887200" cy="5355312"/>
-          </a:xfrm>
-        </p:spPr>
+        <p:spPr/>
         <p:txBody>
           <a:bodyPr/>
           <a:lstStyle/>
@@ -16013,6 +16042,60 @@
           </a:p>
         </p:txBody>
       </p:sp>
+      <p:pic>
+        <p:nvPicPr>
+          <p:cNvPr id="1026" name="Picture 2" descr="Selecting one document to get Command One button visible">
+            <a:extLst>
+              <a:ext uri="{FF2B5EF4-FFF2-40B4-BE49-F238E27FC236}">
+                <a16:creationId xmlns:a16="http://schemas.microsoft.com/office/drawing/2014/main" id="{76388C4E-EA6B-481E-8A88-85AF90EBCE82}"/>
+              </a:ext>
+            </a:extLst>
+          </p:cNvPr>
+          <p:cNvPicPr>
+            <a:picLocks noChangeAspect="1" noChangeArrowheads="1"/>
+          </p:cNvPicPr>
+          <p:nvPr/>
+        </p:nvPicPr>
+        <p:blipFill>
+          <a:blip r:embed="rId2">
+            <a:extLst>
+              <a:ext uri="{28A0092B-C50C-407E-A947-70E740481C1C}">
+                <a14:useLocalDpi xmlns:a14="http://schemas.microsoft.com/office/drawing/2010/main" val="0"/>
+              </a:ext>
+            </a:extLst>
+          </a:blip>
+          <a:srcRect/>
+          <a:stretch>
+            <a:fillRect/>
+          </a:stretch>
+        </p:blipFill>
+        <p:spPr bwMode="auto">
+          <a:xfrm>
+            <a:off x="5728758" y="3704713"/>
+            <a:ext cx="6309642" cy="2450989"/>
+          </a:xfrm>
+          <a:prstGeom prst="rect">
+            <a:avLst/>
+          </a:prstGeom>
+          <a:noFill/>
+          <a:ln>
+            <a:solidFill>
+              <a:schemeClr val="bg1">
+                <a:lumMod val="90000"/>
+              </a:schemeClr>
+            </a:solidFill>
+          </a:ln>
+          <a:extLst>
+            <a:ext uri="{909E8E84-426E-40DD-AFC4-6F175D3DCCD1}">
+              <a14:hiddenFill xmlns:a14="http://schemas.microsoft.com/office/drawing/2010/main">
+                <a:solidFill>
+                  <a:srgbClr val="FFFFFF"/>
+                </a:solidFill>
+              </a14:hiddenFill>
+            </a:ext>
+          </a:extLst>
+        </p:spPr>
+      </p:pic>
     </p:spTree>
     <p:extLst>
       <p:ext uri="{BB962C8B-B14F-4D97-AF65-F5344CB8AC3E}">
@@ -16579,12 +16662,7 @@
             <p:ph type="body" sz="quarter" idx="10"/>
           </p:nvPr>
         </p:nvSpPr>
-        <p:spPr>
-          <a:xfrm>
-            <a:off x="274638" y="1212850"/>
-            <a:ext cx="11887200" cy="4259628"/>
-          </a:xfrm>
-        </p:spPr>
+        <p:spPr/>
         <p:txBody>
           <a:bodyPr/>
           <a:lstStyle/>
@@ -16653,7 +16731,7 @@
           <a:p>
             <a:r>
               <a:rPr lang="en-US" dirty="0"/>
-              <a:t>Debugging &amp; Testing Field Customizers</a:t>
+              <a:t>Debugging &amp; Testing Command Sets</a:t>
             </a:r>
           </a:p>
         </p:txBody>
@@ -16661,7 +16739,7 @@
     </p:spTree>
     <p:extLst>
       <p:ext uri="{BB962C8B-B14F-4D97-AF65-F5344CB8AC3E}">
-        <p14:creationId xmlns:p14="http://schemas.microsoft.com/office/powerpoint/2010/main" val="2219438280"/>
+        <p14:creationId xmlns:p14="http://schemas.microsoft.com/office/powerpoint/2010/main" val="3223836915"/>
       </p:ext>
     </p:extLst>
   </p:cSld>
@@ -16997,18 +17075,13 @@
             <p:ph type="body" sz="quarter" idx="10"/>
           </p:nvPr>
         </p:nvSpPr>
-        <p:spPr>
-          <a:xfrm>
-            <a:off x="274638" y="1212850"/>
-            <a:ext cx="11887200" cy="627864"/>
-          </a:xfrm>
-        </p:spPr>
+        <p:spPr/>
         <p:txBody>
           <a:bodyPr/>
           <a:lstStyle/>
           <a:p>
             <a:r>
-              <a:rPr lang="en-US" sz="3200" dirty="0"/>
+              <a:rPr lang="en-US" dirty="0"/>
               <a:t>Control tenant wide deployments with this app catalog list</a:t>
             </a:r>
           </a:p>
@@ -17055,11 +17128,15 @@
             <a:graphicFrameLocks/>
           </p:cNvGraphicFramePr>
           <p:nvPr>
-            <p:extLst/>
+            <p:extLst>
+              <p:ext uri="{D42A27DB-BD31-4B8C-83A1-F6EECF244321}">
+                <p14:modId xmlns:p14="http://schemas.microsoft.com/office/powerpoint/2010/main" val="467923779"/>
+              </p:ext>
+            </p:extLst>
           </p:nvPr>
         </p:nvGraphicFramePr>
         <p:xfrm>
-          <a:off x="1129779" y="1880873"/>
+          <a:off x="1110925" y="1814886"/>
           <a:ext cx="10002369" cy="4990505"/>
         </p:xfrm>
         <a:graphic>

--- a/03 commandset.pptx
+++ b/03 commandset.pptx
@@ -274,7 +274,7 @@
               <a:rPr lang="en-US" smtClean="0">
                 <a:latin typeface="Segoe UI" pitchFamily="34" charset="0"/>
               </a:rPr>
-              <a:t>12/20/2018 4:06 PM</a:t>
+              <a:t>1/7/19 3:26 PM</a:t>
             </a:fld>
             <a:endParaRPr lang="en-US" dirty="0">
               <a:latin typeface="Segoe UI" pitchFamily="34" charset="0"/>
@@ -571,7 +571,7 @@
           <a:p>
             <a:fld id="{D18B56EA-E28F-4F92-9F16-7A6F2501B303}" type="datetime8">
               <a:rPr lang="en-US" smtClean="0"/>
-              <a:t>12/20/2018 4:04 PM</a:t>
+              <a:t>1/7/19 3:24 PM</a:t>
             </a:fld>
             <a:endParaRPr lang="en-US" dirty="0"/>
           </a:p>
@@ -954,7 +954,7 @@
           <a:p>
             <a:fld id="{D18B56EA-E28F-4F92-9F16-7A6F2501B303}" type="datetime8">
               <a:rPr lang="en-US" smtClean="0"/>
-              <a:t>12/20/2018 4:04 PM</a:t>
+              <a:t>1/7/19 3:24 PM</a:t>
             </a:fld>
             <a:endParaRPr lang="en-US" dirty="0"/>
           </a:p>
@@ -1135,7 +1135,7 @@
           <a:p>
             <a:fld id="{D18B56EA-E28F-4F92-9F16-7A6F2501B303}" type="datetime8">
               <a:rPr lang="en-US" smtClean="0"/>
-              <a:t>12/20/2018 4:04 PM</a:t>
+              <a:t>1/7/19 3:24 PM</a:t>
             </a:fld>
             <a:endParaRPr lang="en-US" dirty="0"/>
           </a:p>
@@ -1222,7 +1222,7 @@
           <a:bodyPr/>
           <a:lstStyle/>
           <a:p>
-            <a:endParaRPr lang="en-US"/>
+            <a:endParaRPr lang="en-US" dirty="0"/>
           </a:p>
         </p:txBody>
       </p:sp>
@@ -1233,7 +1233,7 @@
             <a:spLocks noGrp="1"/>
           </p:cNvSpPr>
           <p:nvPr>
-            <p:ph type="hdr" sz="quarter" idx="10"/>
+            <p:ph type="hdr" sz="quarter"/>
           </p:nvPr>
         </p:nvSpPr>
         <p:spPr/>
@@ -1241,6 +1241,10 @@
           <a:bodyPr/>
           <a:lstStyle/>
           <a:p>
+            <a:r>
+              <a:rPr lang="en-US"/>
+              <a:t>SharePoint Framework</a:t>
+            </a:r>
             <a:endParaRPr lang="en-US" dirty="0"/>
           </a:p>
         </p:txBody>
@@ -1252,7 +1256,7 @@
             <a:spLocks noGrp="1"/>
           </p:cNvSpPr>
           <p:nvPr>
-            <p:ph type="ftr" sz="quarter" idx="11"/>
+            <p:ph type="ftr" sz="quarter" idx="4"/>
           </p:nvPr>
         </p:nvSpPr>
         <p:spPr/>
@@ -1306,7 +1310,7 @@
             <a:spLocks noGrp="1"/>
           </p:cNvSpPr>
           <p:nvPr>
-            <p:ph type="dt" idx="12"/>
+            <p:ph type="dt" idx="1"/>
           </p:nvPr>
         </p:nvSpPr>
         <p:spPr/>
@@ -1316,7 +1320,7 @@
           <a:p>
             <a:fld id="{D18B56EA-E28F-4F92-9F16-7A6F2501B303}" type="datetime8">
               <a:rPr lang="en-US" smtClean="0"/>
-              <a:t>12/20/2018 4:05 PM</a:t>
+              <a:t>1/7/19 3:29 PM</a:t>
             </a:fld>
             <a:endParaRPr lang="en-US" dirty="0"/>
           </a:p>
@@ -1329,7 +1333,7 @@
             <a:spLocks noGrp="1"/>
           </p:cNvSpPr>
           <p:nvPr>
-            <p:ph type="sldNum" sz="quarter" idx="13"/>
+            <p:ph type="sldNum" sz="quarter" idx="5"/>
           </p:nvPr>
         </p:nvSpPr>
         <p:spPr/>
@@ -1340,7 +1344,7 @@
             <a:fld id="{B4008EB6-D09E-4580-8CD6-DDB14511944F}" type="slidenum">
               <a:rPr lang="en-US" smtClean="0"/>
               <a:pPr/>
-              <a:t>10</a:t>
+              <a:t>8</a:t>
             </a:fld>
             <a:endParaRPr lang="en-US" dirty="0"/>
           </a:p>
@@ -1349,7 +1353,7 @@
     </p:spTree>
     <p:extLst>
       <p:ext uri="{BB962C8B-B14F-4D97-AF65-F5344CB8AC3E}">
-        <p14:creationId xmlns:p14="http://schemas.microsoft.com/office/powerpoint/2010/main" val="2593812498"/>
+        <p14:creationId xmlns:p14="http://schemas.microsoft.com/office/powerpoint/2010/main" val="2977055406"/>
       </p:ext>
     </p:extLst>
   </p:cSld>
@@ -1403,7 +1407,7 @@
           <a:bodyPr/>
           <a:lstStyle/>
           <a:p>
-            <a:endParaRPr lang="en-US" dirty="0"/>
+            <a:endParaRPr lang="en-US"/>
           </a:p>
         </p:txBody>
       </p:sp>
@@ -1497,7 +1501,7 @@
           <a:p>
             <a:fld id="{D18B56EA-E28F-4F92-9F16-7A6F2501B303}" type="datetime8">
               <a:rPr lang="en-US" smtClean="0"/>
-              <a:t>12/20/2018 4:07 PM</a:t>
+              <a:t>1/7/19 3:26 PM</a:t>
             </a:fld>
             <a:endParaRPr lang="en-US" dirty="0"/>
           </a:p>
@@ -1521,7 +1525,7 @@
             <a:fld id="{B4008EB6-D09E-4580-8CD6-DDB14511944F}" type="slidenum">
               <a:rPr lang="en-US" smtClean="0"/>
               <a:pPr/>
-              <a:t>12</a:t>
+              <a:t>10</a:t>
             </a:fld>
             <a:endParaRPr lang="en-US" dirty="0"/>
           </a:p>
@@ -1530,7 +1534,7 @@
     </p:spTree>
     <p:extLst>
       <p:ext uri="{BB962C8B-B14F-4D97-AF65-F5344CB8AC3E}">
-        <p14:creationId xmlns:p14="http://schemas.microsoft.com/office/powerpoint/2010/main" val="3282806226"/>
+        <p14:creationId xmlns:p14="http://schemas.microsoft.com/office/powerpoint/2010/main" val="2593812498"/>
       </p:ext>
     </p:extLst>
   </p:cSld>
@@ -1584,7 +1588,7 @@
           <a:bodyPr/>
           <a:lstStyle/>
           <a:p>
-            <a:endParaRPr lang="en-US"/>
+            <a:endParaRPr lang="en-US" dirty="0"/>
           </a:p>
         </p:txBody>
       </p:sp>
@@ -1678,7 +1682,7 @@
           <a:p>
             <a:fld id="{D18B56EA-E28F-4F92-9F16-7A6F2501B303}" type="datetime8">
               <a:rPr lang="en-US" smtClean="0"/>
-              <a:t>12/20/2018 4:05 PM</a:t>
+              <a:t>1/7/19 3:26 PM</a:t>
             </a:fld>
             <a:endParaRPr lang="en-US" dirty="0"/>
           </a:p>
@@ -1702,7 +1706,7 @@
             <a:fld id="{B4008EB6-D09E-4580-8CD6-DDB14511944F}" type="slidenum">
               <a:rPr lang="en-US" smtClean="0"/>
               <a:pPr/>
-              <a:t>13</a:t>
+              <a:t>12</a:t>
             </a:fld>
             <a:endParaRPr lang="en-US" dirty="0"/>
           </a:p>
@@ -1711,7 +1715,7 @@
     </p:spTree>
     <p:extLst>
       <p:ext uri="{BB962C8B-B14F-4D97-AF65-F5344CB8AC3E}">
-        <p14:creationId xmlns:p14="http://schemas.microsoft.com/office/powerpoint/2010/main" val="2510823477"/>
+        <p14:creationId xmlns:p14="http://schemas.microsoft.com/office/powerpoint/2010/main" val="3282806226"/>
       </p:ext>
     </p:extLst>
   </p:cSld>
@@ -1859,7 +1863,188 @@
           <a:p>
             <a:fld id="{D18B56EA-E28F-4F92-9F16-7A6F2501B303}" type="datetime8">
               <a:rPr lang="en-US" smtClean="0"/>
-              <a:t>12/20/2018 4:05 PM</a:t>
+              <a:t>1/7/19 3:26 PM</a:t>
+            </a:fld>
+            <a:endParaRPr lang="en-US" dirty="0"/>
+          </a:p>
+        </p:txBody>
+      </p:sp>
+      <p:sp>
+        <p:nvSpPr>
+          <p:cNvPr id="7" name="Slide Number Placeholder 6"/>
+          <p:cNvSpPr>
+            <a:spLocks noGrp="1"/>
+          </p:cNvSpPr>
+          <p:nvPr>
+            <p:ph type="sldNum" sz="quarter" idx="13"/>
+          </p:nvPr>
+        </p:nvSpPr>
+        <p:spPr/>
+        <p:txBody>
+          <a:bodyPr/>
+          <a:lstStyle/>
+          <a:p>
+            <a:fld id="{B4008EB6-D09E-4580-8CD6-DDB14511944F}" type="slidenum">
+              <a:rPr lang="en-US" smtClean="0"/>
+              <a:pPr/>
+              <a:t>13</a:t>
+            </a:fld>
+            <a:endParaRPr lang="en-US" dirty="0"/>
+          </a:p>
+        </p:txBody>
+      </p:sp>
+    </p:spTree>
+    <p:extLst>
+      <p:ext uri="{BB962C8B-B14F-4D97-AF65-F5344CB8AC3E}">
+        <p14:creationId xmlns:p14="http://schemas.microsoft.com/office/powerpoint/2010/main" val="2510823477"/>
+      </p:ext>
+    </p:extLst>
+  </p:cSld>
+  <p:clrMapOvr>
+    <a:masterClrMapping/>
+  </p:clrMapOvr>
+</p:notes>
+</file>
+
+<file path=ppt/notesSlides/notesSlide7.xml><?xml version="1.0" encoding="utf-8"?>
+<p:notes xmlns:a="http://schemas.openxmlformats.org/drawingml/2006/main" xmlns:r="http://schemas.openxmlformats.org/officeDocument/2006/relationships" xmlns:p="http://schemas.openxmlformats.org/presentationml/2006/main">
+  <p:cSld>
+    <p:spTree>
+      <p:nvGrpSpPr>
+        <p:cNvPr id="1" name=""/>
+        <p:cNvGrpSpPr/>
+        <p:nvPr/>
+      </p:nvGrpSpPr>
+      <p:grpSpPr>
+        <a:xfrm>
+          <a:off x="0" y="0"/>
+          <a:ext cx="0" cy="0"/>
+          <a:chOff x="0" y="0"/>
+          <a:chExt cx="0" cy="0"/>
+        </a:xfrm>
+      </p:grpSpPr>
+      <p:sp>
+        <p:nvSpPr>
+          <p:cNvPr id="2" name="Slide Image Placeholder 1"/>
+          <p:cNvSpPr>
+            <a:spLocks noGrp="1" noRot="1" noChangeAspect="1"/>
+          </p:cNvSpPr>
+          <p:nvPr>
+            <p:ph type="sldImg"/>
+          </p:nvPr>
+        </p:nvSpPr>
+        <p:spPr/>
+      </p:sp>
+      <p:sp>
+        <p:nvSpPr>
+          <p:cNvPr id="3" name="Notes Placeholder 2"/>
+          <p:cNvSpPr>
+            <a:spLocks noGrp="1"/>
+          </p:cNvSpPr>
+          <p:nvPr>
+            <p:ph type="body" idx="1"/>
+          </p:nvPr>
+        </p:nvSpPr>
+        <p:spPr/>
+        <p:txBody>
+          <a:bodyPr/>
+          <a:lstStyle/>
+          <a:p>
+            <a:endParaRPr lang="en-US"/>
+          </a:p>
+        </p:txBody>
+      </p:sp>
+      <p:sp>
+        <p:nvSpPr>
+          <p:cNvPr id="4" name="Header Placeholder 3"/>
+          <p:cNvSpPr>
+            <a:spLocks noGrp="1"/>
+          </p:cNvSpPr>
+          <p:nvPr>
+            <p:ph type="hdr" sz="quarter" idx="10"/>
+          </p:nvPr>
+        </p:nvSpPr>
+        <p:spPr/>
+        <p:txBody>
+          <a:bodyPr/>
+          <a:lstStyle/>
+          <a:p>
+            <a:endParaRPr lang="en-US" dirty="0"/>
+          </a:p>
+        </p:txBody>
+      </p:sp>
+      <p:sp>
+        <p:nvSpPr>
+          <p:cNvPr id="5" name="Footer Placeholder 4"/>
+          <p:cNvSpPr>
+            <a:spLocks noGrp="1"/>
+          </p:cNvSpPr>
+          <p:nvPr>
+            <p:ph type="ftr" sz="quarter" idx="11"/>
+          </p:nvPr>
+        </p:nvSpPr>
+        <p:spPr/>
+        <p:txBody>
+          <a:bodyPr/>
+          <a:lstStyle/>
+          <a:p>
+            <a:pPr defTabSz="914099" eaLnBrk="0" hangingPunct="0"/>
+            <a:r>
+              <a:rPr lang="en-US" sz="400">
+                <a:gradFill>
+                  <a:gsLst>
+                    <a:gs pos="0">
+                      <a:prstClr val="black"/>
+                    </a:gs>
+                    <a:gs pos="100000">
+                      <a:prstClr val="black"/>
+                    </a:gs>
+                  </a:gsLst>
+                  <a:lin ang="5400000" scaled="0"/>
+                </a:gradFill>
+                <a:latin typeface="Segoe UI" pitchFamily="34" charset="0"/>
+                <a:ea typeface="Segoe UI" pitchFamily="34" charset="0"/>
+                <a:cs typeface="Segoe UI" pitchFamily="34" charset="0"/>
+              </a:rPr>
+              <a:t>© Microsoft Corporation. All rights reserved. MICROSOFT MAKES NO WARRANTIES, EXPRESS, IMPLIED OR STATUTORY, AS TO THE INFORMATION IN THIS PRESENTATION.</a:t>
+            </a:r>
+            <a:endParaRPr lang="en-US" sz="400" dirty="0">
+              <a:gradFill>
+                <a:gsLst>
+                  <a:gs pos="0">
+                    <a:prstClr val="black"/>
+                  </a:gs>
+                  <a:gs pos="100000">
+                    <a:prstClr val="black"/>
+                  </a:gs>
+                </a:gsLst>
+                <a:lin ang="5400000" scaled="0"/>
+              </a:gradFill>
+              <a:latin typeface="Segoe UI" pitchFamily="34" charset="0"/>
+              <a:ea typeface="Segoe UI" pitchFamily="34" charset="0"/>
+              <a:cs typeface="Segoe UI" pitchFamily="34" charset="0"/>
+            </a:endParaRPr>
+          </a:p>
+        </p:txBody>
+      </p:sp>
+      <p:sp>
+        <p:nvSpPr>
+          <p:cNvPr id="6" name="Date Placeholder 5"/>
+          <p:cNvSpPr>
+            <a:spLocks noGrp="1"/>
+          </p:cNvSpPr>
+          <p:nvPr>
+            <p:ph type="dt" idx="12"/>
+          </p:nvPr>
+        </p:nvSpPr>
+        <p:spPr/>
+        <p:txBody>
+          <a:bodyPr/>
+          <a:lstStyle/>
+          <a:p>
+            <a:fld id="{D18B56EA-E28F-4F92-9F16-7A6F2501B303}" type="datetime8">
+              <a:rPr lang="en-US" smtClean="0"/>
+              <a:t>1/7/19 3:26 PM</a:t>
             </a:fld>
             <a:endParaRPr lang="en-US" dirty="0"/>
           </a:p>
@@ -16662,7 +16847,12 @@
             <p:ph type="body" sz="quarter" idx="10"/>
           </p:nvPr>
         </p:nvSpPr>
-        <p:spPr/>
+        <p:spPr>
+          <a:xfrm>
+            <a:off x="464400" y="1212850"/>
+            <a:ext cx="11574000" cy="3360920"/>
+          </a:xfrm>
+        </p:spPr>
         <p:txBody>
           <a:bodyPr/>
           <a:lstStyle/>
@@ -16673,6 +16863,9 @@
             </a:r>
           </a:p>
           <a:p>
+            <a:endParaRPr lang="en-US" dirty="0"/>
+          </a:p>
+          <a:p>
             <a:r>
               <a:rPr lang="en-US" dirty="0"/>
               <a:t>Can still build and host extension project locally while testing in a remote SharePoint site</a:t>
@@ -16691,6 +16884,9 @@
               <a:rPr lang="en-US" dirty="0"/>
               <a:t>web part development, testing &amp; debugging</a:t>
             </a:r>
+          </a:p>
+          <a:p>
+            <a:endParaRPr lang="en-US" dirty="0"/>
           </a:p>
           <a:p>
             <a:r>
@@ -16788,7 +16984,7 @@
         <p:spPr>
           <a:xfrm>
             <a:off x="274638" y="1212850"/>
-            <a:ext cx="11887200" cy="5539978"/>
+            <a:ext cx="11887200" cy="3056221"/>
           </a:xfrm>
         </p:spPr>
         <p:txBody>
@@ -16804,14 +17000,27 @@
             <a:pPr lvl="1"/>
             <a:r>
               <a:rPr lang="en-US" dirty="0"/>
-              <a:t>Command set: &lt;</a:t>
-            </a:r>
-            <a:r>
-              <a:rPr lang="en-US" dirty="0" err="1"/>
+              <a:t>Command set: </a:t>
+            </a:r>
+            <a:r>
+              <a:rPr lang="en-US" dirty="0">
+                <a:latin typeface="Courier New" panose="02070309020205020404" pitchFamily="49" charset="0"/>
+                <a:cs typeface="Courier New" panose="02070309020205020404" pitchFamily="49" charset="0"/>
+              </a:rPr>
+              <a:t>&lt;</a:t>
+            </a:r>
+            <a:r>
+              <a:rPr lang="en-US" dirty="0" err="1">
+                <a:latin typeface="Courier New" panose="02070309020205020404" pitchFamily="49" charset="0"/>
+                <a:cs typeface="Courier New" panose="02070309020205020404" pitchFamily="49" charset="0"/>
+              </a:rPr>
               <a:t>CustomAction</a:t>
             </a:r>
             <a:r>
-              <a:rPr lang="en-US" dirty="0"/>
+              <a:rPr lang="en-US" dirty="0">
+                <a:latin typeface="Courier New" panose="02070309020205020404" pitchFamily="49" charset="0"/>
+                <a:cs typeface="Courier New" panose="02070309020205020404" pitchFamily="49" charset="0"/>
+              </a:rPr>
               <a:t>&gt;</a:t>
             </a:r>
           </a:p>
@@ -16828,7 +17037,7 @@
             <a:pPr lvl="1"/>
             <a:r>
               <a:rPr lang="en-US" dirty="0"/>
-              <a:t>Upload SharePoint Package to tenant | site collection app catalog</a:t>
+              <a:t>Upload SharePoint Package to tenant / site collection app catalog</a:t>
             </a:r>
           </a:p>
           <a:p>
@@ -16929,7 +17138,7 @@
         <p:spPr>
           <a:xfrm>
             <a:off x="274638" y="1212850"/>
-            <a:ext cx="11887200" cy="4456605"/>
+            <a:ext cx="11887200" cy="3564053"/>
           </a:xfrm>
         </p:spPr>
         <p:txBody>
@@ -16949,16 +17158,25 @@
             </a:r>
           </a:p>
           <a:p>
+            <a:endParaRPr lang="en-US" dirty="0"/>
+          </a:p>
+          <a:p>
             <a:r>
               <a:rPr lang="en-US" dirty="0"/>
               <a:t>Make available for specific web or list templates</a:t>
             </a:r>
           </a:p>
           <a:p>
+            <a:endParaRPr lang="en-US" dirty="0"/>
+          </a:p>
+          <a:p>
             <a:r>
               <a:rPr lang="en-US" dirty="0"/>
               <a:t>Specify public properties on extension across all sites</a:t>
             </a:r>
+          </a:p>
+          <a:p>
+            <a:endParaRPr lang="en-US" dirty="0"/>
           </a:p>
           <a:p>
             <a:r>

--- a/03 commandset.pptx
+++ b/03 commandset.pptx
@@ -274,7 +274,7 @@
               <a:rPr lang="en-US" smtClean="0">
                 <a:latin typeface="Segoe UI" pitchFamily="34" charset="0"/>
               </a:rPr>
-              <a:t>1/7/19 3:26 PM</a:t>
+              <a:t>3/3/2019 9:45 AM</a:t>
             </a:fld>
             <a:endParaRPr lang="en-US" dirty="0">
               <a:latin typeface="Segoe UI" pitchFamily="34" charset="0"/>
@@ -571,7 +571,7 @@
           <a:p>
             <a:fld id="{D18B56EA-E28F-4F92-9F16-7A6F2501B303}" type="datetime8">
               <a:rPr lang="en-US" smtClean="0"/>
-              <a:t>1/7/19 3:24 PM</a:t>
+              <a:t>3/3/2019 9:45 AM</a:t>
             </a:fld>
             <a:endParaRPr lang="en-US" dirty="0"/>
           </a:p>
@@ -954,7 +954,7 @@
           <a:p>
             <a:fld id="{D18B56EA-E28F-4F92-9F16-7A6F2501B303}" type="datetime8">
               <a:rPr lang="en-US" smtClean="0"/>
-              <a:t>1/7/19 3:24 PM</a:t>
+              <a:t>3/3/2019 9:45 AM</a:t>
             </a:fld>
             <a:endParaRPr lang="en-US" dirty="0"/>
           </a:p>
@@ -1135,7 +1135,7 @@
           <a:p>
             <a:fld id="{D18B56EA-E28F-4F92-9F16-7A6F2501B303}" type="datetime8">
               <a:rPr lang="en-US" smtClean="0"/>
-              <a:t>1/7/19 3:24 PM</a:t>
+              <a:t>3/3/2019 9:45 AM</a:t>
             </a:fld>
             <a:endParaRPr lang="en-US" dirty="0"/>
           </a:p>
@@ -1320,7 +1320,7 @@
           <a:p>
             <a:fld id="{D18B56EA-E28F-4F92-9F16-7A6F2501B303}" type="datetime8">
               <a:rPr lang="en-US" smtClean="0"/>
-              <a:t>1/7/19 3:29 PM</a:t>
+              <a:t>3/3/2019 9:45 AM</a:t>
             </a:fld>
             <a:endParaRPr lang="en-US" dirty="0"/>
           </a:p>
@@ -1501,7 +1501,7 @@
           <a:p>
             <a:fld id="{D18B56EA-E28F-4F92-9F16-7A6F2501B303}" type="datetime8">
               <a:rPr lang="en-US" smtClean="0"/>
-              <a:t>1/7/19 3:26 PM</a:t>
+              <a:t>3/3/2019 9:45 AM</a:t>
             </a:fld>
             <a:endParaRPr lang="en-US" dirty="0"/>
           </a:p>
@@ -1682,7 +1682,7 @@
           <a:p>
             <a:fld id="{D18B56EA-E28F-4F92-9F16-7A6F2501B303}" type="datetime8">
               <a:rPr lang="en-US" smtClean="0"/>
-              <a:t>1/7/19 3:26 PM</a:t>
+              <a:t>3/3/2019 9:45 AM</a:t>
             </a:fld>
             <a:endParaRPr lang="en-US" dirty="0"/>
           </a:p>
@@ -1863,7 +1863,7 @@
           <a:p>
             <a:fld id="{D18B56EA-E28F-4F92-9F16-7A6F2501B303}" type="datetime8">
               <a:rPr lang="en-US" smtClean="0"/>
-              <a:t>1/7/19 3:26 PM</a:t>
+              <a:t>3/3/2019 9:45 AM</a:t>
             </a:fld>
             <a:endParaRPr lang="en-US" dirty="0"/>
           </a:p>
@@ -2044,7 +2044,7 @@
           <a:p>
             <a:fld id="{D18B56EA-E28F-4F92-9F16-7A6F2501B303}" type="datetime8">
               <a:rPr lang="en-US" smtClean="0"/>
-              <a:t>1/7/19 3:26 PM</a:t>
+              <a:t>3/3/2019 9:45 AM</a:t>
             </a:fld>
             <a:endParaRPr lang="en-US" dirty="0"/>
           </a:p>
@@ -15553,7 +15553,7 @@
               <a:rPr lang="en-US" sz="1800" dirty="0">
                 <a:latin typeface="+mj-lt"/>
               </a:rPr>
-              <a:t>SharePoint Framework</a:t>
+              <a:t>Overview of the SharePoint Framework</a:t>
             </a:r>
           </a:p>
           <a:p>
@@ -15572,7 +15572,7 @@
                 <a:latin typeface="+mj-lt"/>
                 <a:hlinkClick r:id="rId3"/>
               </a:rPr>
-              <a:t>https://docs.microsoft.com/sharepoint/dev/spfx</a:t>
+              <a:t>https://docs.microsoft.com/sharepoint/dev/spfx/sharepoint-framework-overview</a:t>
             </a:r>
             <a:endParaRPr lang="en-US" sz="1800" dirty="0">
               <a:latin typeface="+mj-lt"/>

--- a/03 commandset.pptx
+++ b/03 commandset.pptx
@@ -274,7 +274,7 @@
               <a:rPr lang="en-US" smtClean="0">
                 <a:latin typeface="Segoe UI" pitchFamily="34" charset="0"/>
               </a:rPr>
-              <a:t>3/3/2019 9:45 AM</a:t>
+              <a:t>12/1/2019 5:24 PM</a:t>
             </a:fld>
             <a:endParaRPr lang="en-US" dirty="0">
               <a:latin typeface="Segoe UI" pitchFamily="34" charset="0"/>
@@ -571,7 +571,7 @@
           <a:p>
             <a:fld id="{D18B56EA-E28F-4F92-9F16-7A6F2501B303}" type="datetime8">
               <a:rPr lang="en-US" smtClean="0"/>
-              <a:t>3/3/2019 9:45 AM</a:t>
+              <a:t>12/1/2019 5:24 PM</a:t>
             </a:fld>
             <a:endParaRPr lang="en-US" dirty="0"/>
           </a:p>
@@ -954,7 +954,7 @@
           <a:p>
             <a:fld id="{D18B56EA-E28F-4F92-9F16-7A6F2501B303}" type="datetime8">
               <a:rPr lang="en-US" smtClean="0"/>
-              <a:t>3/3/2019 9:45 AM</a:t>
+              <a:t>12/1/2019 5:24 PM</a:t>
             </a:fld>
             <a:endParaRPr lang="en-US" dirty="0"/>
           </a:p>
@@ -1135,7 +1135,7 @@
           <a:p>
             <a:fld id="{D18B56EA-E28F-4F92-9F16-7A6F2501B303}" type="datetime8">
               <a:rPr lang="en-US" smtClean="0"/>
-              <a:t>3/3/2019 9:45 AM</a:t>
+              <a:t>12/1/2019 5:24 PM</a:t>
             </a:fld>
             <a:endParaRPr lang="en-US" dirty="0"/>
           </a:p>
@@ -1320,7 +1320,7 @@
           <a:p>
             <a:fld id="{D18B56EA-E28F-4F92-9F16-7A6F2501B303}" type="datetime8">
               <a:rPr lang="en-US" smtClean="0"/>
-              <a:t>3/3/2019 9:45 AM</a:t>
+              <a:t>12/1/2019 5:24 PM</a:t>
             </a:fld>
             <a:endParaRPr lang="en-US" dirty="0"/>
           </a:p>
@@ -1501,7 +1501,7 @@
           <a:p>
             <a:fld id="{D18B56EA-E28F-4F92-9F16-7A6F2501B303}" type="datetime8">
               <a:rPr lang="en-US" smtClean="0"/>
-              <a:t>3/3/2019 9:45 AM</a:t>
+              <a:t>12/1/2019 5:24 PM</a:t>
             </a:fld>
             <a:endParaRPr lang="en-US" dirty="0"/>
           </a:p>
@@ -1682,7 +1682,7 @@
           <a:p>
             <a:fld id="{D18B56EA-E28F-4F92-9F16-7A6F2501B303}" type="datetime8">
               <a:rPr lang="en-US" smtClean="0"/>
-              <a:t>3/3/2019 9:45 AM</a:t>
+              <a:t>12/1/2019 5:24 PM</a:t>
             </a:fld>
             <a:endParaRPr lang="en-US" dirty="0"/>
           </a:p>
@@ -1863,7 +1863,7 @@
           <a:p>
             <a:fld id="{D18B56EA-E28F-4F92-9F16-7A6F2501B303}" type="datetime8">
               <a:rPr lang="en-US" smtClean="0"/>
-              <a:t>3/3/2019 9:45 AM</a:t>
+              <a:t>12/1/2019 5:24 PM</a:t>
             </a:fld>
             <a:endParaRPr lang="en-US" dirty="0"/>
           </a:p>
@@ -2044,7 +2044,7 @@
           <a:p>
             <a:fld id="{D18B56EA-E28F-4F92-9F16-7A6F2501B303}" type="datetime8">
               <a:rPr lang="en-US" smtClean="0"/>
-              <a:t>3/3/2019 9:45 AM</a:t>
+              <a:t>12/1/2019 5:24 PM</a:t>
             </a:fld>
             <a:endParaRPr lang="en-US" dirty="0"/>
           </a:p>
@@ -15673,13 +15673,13 @@
               <a:rPr lang="en-US" sz="1800" dirty="0">
                 <a:latin typeface="+mj-lt"/>
               </a:rPr>
-              <a:t>Build your First  </a:t>
-            </a:r>
-            <a:r>
-              <a:rPr lang="en-US" sz="1800" dirty="0" err="1">
+              <a:t>Build your </a:t>
+            </a:r>
+            <a:r>
+              <a:rPr lang="en-US" sz="1800">
                 <a:latin typeface="+mj-lt"/>
               </a:rPr>
-              <a:t>ListView</a:t>
+              <a:t>First ListView</a:t>
             </a:r>
             <a:r>
               <a:rPr lang="en-US" sz="1800" dirty="0">

--- a/03 commandset.pptx
+++ b/03 commandset.pptx
@@ -5,10 +5,10 @@
     <p:sldMasterId id="2147484229" r:id="rId2"/>
   </p:sldMasterIdLst>
   <p:notesMasterIdLst>
-    <p:notesMasterId r:id="rId17"/>
+    <p:notesMasterId r:id="rId15"/>
   </p:notesMasterIdLst>
   <p:handoutMasterIdLst>
-    <p:handoutMasterId r:id="rId18"/>
+    <p:handoutMasterId r:id="rId16"/>
   </p:handoutMasterIdLst>
   <p:sldIdLst>
     <p:sldId id="1582" r:id="rId3"/>
@@ -18,13 +18,11 @@
     <p:sldId id="1561" r:id="rId7"/>
     <p:sldId id="1586" r:id="rId8"/>
     <p:sldId id="1560" r:id="rId9"/>
-    <p:sldId id="1587" r:id="rId10"/>
-    <p:sldId id="1588" r:id="rId11"/>
-    <p:sldId id="1589" r:id="rId12"/>
-    <p:sldId id="1590" r:id="rId13"/>
-    <p:sldId id="1591" r:id="rId14"/>
-    <p:sldId id="1592" r:id="rId15"/>
-    <p:sldId id="1593" r:id="rId16"/>
+    <p:sldId id="1589" r:id="rId10"/>
+    <p:sldId id="1590" r:id="rId11"/>
+    <p:sldId id="1591" r:id="rId12"/>
+    <p:sldId id="1592" r:id="rId13"/>
+    <p:sldId id="1593" r:id="rId14"/>
   </p:sldIdLst>
   <p:sldSz cx="12436475" cy="6994525"/>
   <p:notesSz cx="6858000" cy="9144000"/>
@@ -143,8 +141,6 @@
           <p14:sldIdLst>
             <p14:sldId id="1586"/>
             <p14:sldId id="1560"/>
-            <p14:sldId id="1587"/>
-            <p14:sldId id="1588"/>
             <p14:sldId id="1589"/>
           </p14:sldIdLst>
         </p14:section>
@@ -274,7 +270,7 @@
               <a:rPr lang="en-US" smtClean="0">
                 <a:latin typeface="Segoe UI" pitchFamily="34" charset="0"/>
               </a:rPr>
-              <a:t>12/1/2019 5:24 PM</a:t>
+              <a:t>3/2/20 6:56 AM</a:t>
             </a:fld>
             <a:endParaRPr lang="en-US" dirty="0">
               <a:latin typeface="Segoe UI" pitchFamily="34" charset="0"/>
@@ -571,7 +567,7 @@
           <a:p>
             <a:fld id="{D18B56EA-E28F-4F92-9F16-7A6F2501B303}" type="datetime8">
               <a:rPr lang="en-US" smtClean="0"/>
-              <a:t>12/1/2019 5:24 PM</a:t>
+              <a:t>3/2/20 6:56 AM</a:t>
             </a:fld>
             <a:endParaRPr lang="en-US" dirty="0"/>
           </a:p>
@@ -860,7 +856,7 @@
           <a:bodyPr/>
           <a:lstStyle/>
           <a:p>
-            <a:endParaRPr lang="en-US"/>
+            <a:endParaRPr lang="en-US" dirty="0"/>
           </a:p>
         </p:txBody>
       </p:sp>
@@ -954,7 +950,7 @@
           <a:p>
             <a:fld id="{D18B56EA-E28F-4F92-9F16-7A6F2501B303}" type="datetime8">
               <a:rPr lang="en-US" smtClean="0"/>
-              <a:t>12/1/2019 5:24 PM</a:t>
+              <a:t>3/2/20 8:36 AM</a:t>
             </a:fld>
             <a:endParaRPr lang="en-US" dirty="0"/>
           </a:p>
@@ -988,6 +984,368 @@
     <p:extLst>
       <p:ext uri="{BB962C8B-B14F-4D97-AF65-F5344CB8AC3E}">
         <p14:creationId xmlns:p14="http://schemas.microsoft.com/office/powerpoint/2010/main" val="909857904"/>
+      </p:ext>
+    </p:extLst>
+  </p:cSld>
+  <p:clrMapOvr>
+    <a:masterClrMapping/>
+  </p:clrMapOvr>
+</p:notes>
+</file>
+
+<file path=ppt/notesSlides/notesSlide10.xml><?xml version="1.0" encoding="utf-8"?>
+<p:notes xmlns:a="http://schemas.openxmlformats.org/drawingml/2006/main" xmlns:r="http://schemas.openxmlformats.org/officeDocument/2006/relationships" xmlns:p="http://schemas.openxmlformats.org/presentationml/2006/main">
+  <p:cSld>
+    <p:spTree>
+      <p:nvGrpSpPr>
+        <p:cNvPr id="1" name=""/>
+        <p:cNvGrpSpPr/>
+        <p:nvPr/>
+      </p:nvGrpSpPr>
+      <p:grpSpPr>
+        <a:xfrm>
+          <a:off x="0" y="0"/>
+          <a:ext cx="0" cy="0"/>
+          <a:chOff x="0" y="0"/>
+          <a:chExt cx="0" cy="0"/>
+        </a:xfrm>
+      </p:grpSpPr>
+      <p:sp>
+        <p:nvSpPr>
+          <p:cNvPr id="2" name="Slide Image Placeholder 1"/>
+          <p:cNvSpPr>
+            <a:spLocks noGrp="1" noRot="1" noChangeAspect="1"/>
+          </p:cNvSpPr>
+          <p:nvPr>
+            <p:ph type="sldImg"/>
+          </p:nvPr>
+        </p:nvSpPr>
+        <p:spPr/>
+      </p:sp>
+      <p:sp>
+        <p:nvSpPr>
+          <p:cNvPr id="3" name="Notes Placeholder 2"/>
+          <p:cNvSpPr>
+            <a:spLocks noGrp="1"/>
+          </p:cNvSpPr>
+          <p:nvPr>
+            <p:ph type="body" idx="1"/>
+          </p:nvPr>
+        </p:nvSpPr>
+        <p:spPr/>
+        <p:txBody>
+          <a:bodyPr/>
+          <a:lstStyle/>
+          <a:p>
+            <a:endParaRPr lang="en-US"/>
+          </a:p>
+        </p:txBody>
+      </p:sp>
+      <p:sp>
+        <p:nvSpPr>
+          <p:cNvPr id="4" name="Header Placeholder 3"/>
+          <p:cNvSpPr>
+            <a:spLocks noGrp="1"/>
+          </p:cNvSpPr>
+          <p:nvPr>
+            <p:ph type="hdr" sz="quarter" idx="10"/>
+          </p:nvPr>
+        </p:nvSpPr>
+        <p:spPr/>
+        <p:txBody>
+          <a:bodyPr/>
+          <a:lstStyle/>
+          <a:p>
+            <a:endParaRPr lang="en-US" dirty="0"/>
+          </a:p>
+        </p:txBody>
+      </p:sp>
+      <p:sp>
+        <p:nvSpPr>
+          <p:cNvPr id="5" name="Footer Placeholder 4"/>
+          <p:cNvSpPr>
+            <a:spLocks noGrp="1"/>
+          </p:cNvSpPr>
+          <p:nvPr>
+            <p:ph type="ftr" sz="quarter" idx="11"/>
+          </p:nvPr>
+        </p:nvSpPr>
+        <p:spPr/>
+        <p:txBody>
+          <a:bodyPr/>
+          <a:lstStyle/>
+          <a:p>
+            <a:pPr defTabSz="914099" eaLnBrk="0" hangingPunct="0"/>
+            <a:r>
+              <a:rPr lang="en-US" sz="400">
+                <a:gradFill>
+                  <a:gsLst>
+                    <a:gs pos="0">
+                      <a:prstClr val="black"/>
+                    </a:gs>
+                    <a:gs pos="100000">
+                      <a:prstClr val="black"/>
+                    </a:gs>
+                  </a:gsLst>
+                  <a:lin ang="5400000" scaled="0"/>
+                </a:gradFill>
+                <a:latin typeface="Segoe UI" pitchFamily="34" charset="0"/>
+                <a:ea typeface="Segoe UI" pitchFamily="34" charset="0"/>
+                <a:cs typeface="Segoe UI" pitchFamily="34" charset="0"/>
+              </a:rPr>
+              <a:t>© Microsoft Corporation. All rights reserved. MICROSOFT MAKES NO WARRANTIES, EXPRESS, IMPLIED OR STATUTORY, AS TO THE INFORMATION IN THIS PRESENTATION.</a:t>
+            </a:r>
+            <a:endParaRPr lang="en-US" sz="400" dirty="0">
+              <a:gradFill>
+                <a:gsLst>
+                  <a:gs pos="0">
+                    <a:prstClr val="black"/>
+                  </a:gs>
+                  <a:gs pos="100000">
+                    <a:prstClr val="black"/>
+                  </a:gs>
+                </a:gsLst>
+                <a:lin ang="5400000" scaled="0"/>
+              </a:gradFill>
+              <a:latin typeface="Segoe UI" pitchFamily="34" charset="0"/>
+              <a:ea typeface="Segoe UI" pitchFamily="34" charset="0"/>
+              <a:cs typeface="Segoe UI" pitchFamily="34" charset="0"/>
+            </a:endParaRPr>
+          </a:p>
+        </p:txBody>
+      </p:sp>
+      <p:sp>
+        <p:nvSpPr>
+          <p:cNvPr id="6" name="Date Placeholder 5"/>
+          <p:cNvSpPr>
+            <a:spLocks noGrp="1"/>
+          </p:cNvSpPr>
+          <p:nvPr>
+            <p:ph type="dt" idx="12"/>
+          </p:nvPr>
+        </p:nvSpPr>
+        <p:spPr/>
+        <p:txBody>
+          <a:bodyPr/>
+          <a:lstStyle/>
+          <a:p>
+            <a:fld id="{D18B56EA-E28F-4F92-9F16-7A6F2501B303}" type="datetime8">
+              <a:rPr lang="en-US" smtClean="0"/>
+              <a:t>3/2/20 6:56 AM</a:t>
+            </a:fld>
+            <a:endParaRPr lang="en-US" dirty="0"/>
+          </a:p>
+        </p:txBody>
+      </p:sp>
+      <p:sp>
+        <p:nvSpPr>
+          <p:cNvPr id="7" name="Slide Number Placeholder 6"/>
+          <p:cNvSpPr>
+            <a:spLocks noGrp="1"/>
+          </p:cNvSpPr>
+          <p:nvPr>
+            <p:ph type="sldNum" sz="quarter" idx="13"/>
+          </p:nvPr>
+        </p:nvSpPr>
+        <p:spPr/>
+        <p:txBody>
+          <a:bodyPr/>
+          <a:lstStyle/>
+          <a:p>
+            <a:fld id="{B4008EB6-D09E-4580-8CD6-DDB14511944F}" type="slidenum">
+              <a:rPr lang="en-US" smtClean="0"/>
+              <a:pPr/>
+              <a:t>11</a:t>
+            </a:fld>
+            <a:endParaRPr lang="en-US" dirty="0"/>
+          </a:p>
+        </p:txBody>
+      </p:sp>
+    </p:spTree>
+    <p:extLst>
+      <p:ext uri="{BB962C8B-B14F-4D97-AF65-F5344CB8AC3E}">
+        <p14:creationId xmlns:p14="http://schemas.microsoft.com/office/powerpoint/2010/main" val="2510823477"/>
+      </p:ext>
+    </p:extLst>
+  </p:cSld>
+  <p:clrMapOvr>
+    <a:masterClrMapping/>
+  </p:clrMapOvr>
+</p:notes>
+</file>
+
+<file path=ppt/notesSlides/notesSlide11.xml><?xml version="1.0" encoding="utf-8"?>
+<p:notes xmlns:a="http://schemas.openxmlformats.org/drawingml/2006/main" xmlns:r="http://schemas.openxmlformats.org/officeDocument/2006/relationships" xmlns:p="http://schemas.openxmlformats.org/presentationml/2006/main">
+  <p:cSld>
+    <p:spTree>
+      <p:nvGrpSpPr>
+        <p:cNvPr id="1" name=""/>
+        <p:cNvGrpSpPr/>
+        <p:nvPr/>
+      </p:nvGrpSpPr>
+      <p:grpSpPr>
+        <a:xfrm>
+          <a:off x="0" y="0"/>
+          <a:ext cx="0" cy="0"/>
+          <a:chOff x="0" y="0"/>
+          <a:chExt cx="0" cy="0"/>
+        </a:xfrm>
+      </p:grpSpPr>
+      <p:sp>
+        <p:nvSpPr>
+          <p:cNvPr id="2" name="Slide Image Placeholder 1"/>
+          <p:cNvSpPr>
+            <a:spLocks noGrp="1" noRot="1" noChangeAspect="1"/>
+          </p:cNvSpPr>
+          <p:nvPr>
+            <p:ph type="sldImg"/>
+          </p:nvPr>
+        </p:nvSpPr>
+        <p:spPr/>
+      </p:sp>
+      <p:sp>
+        <p:nvSpPr>
+          <p:cNvPr id="3" name="Notes Placeholder 2"/>
+          <p:cNvSpPr>
+            <a:spLocks noGrp="1"/>
+          </p:cNvSpPr>
+          <p:nvPr>
+            <p:ph type="body" idx="1"/>
+          </p:nvPr>
+        </p:nvSpPr>
+        <p:spPr/>
+        <p:txBody>
+          <a:bodyPr/>
+          <a:lstStyle/>
+          <a:p>
+            <a:endParaRPr lang="en-US"/>
+          </a:p>
+        </p:txBody>
+      </p:sp>
+      <p:sp>
+        <p:nvSpPr>
+          <p:cNvPr id="4" name="Header Placeholder 3"/>
+          <p:cNvSpPr>
+            <a:spLocks noGrp="1"/>
+          </p:cNvSpPr>
+          <p:nvPr>
+            <p:ph type="hdr" sz="quarter" idx="10"/>
+          </p:nvPr>
+        </p:nvSpPr>
+        <p:spPr/>
+        <p:txBody>
+          <a:bodyPr/>
+          <a:lstStyle/>
+          <a:p>
+            <a:endParaRPr lang="en-US" dirty="0"/>
+          </a:p>
+        </p:txBody>
+      </p:sp>
+      <p:sp>
+        <p:nvSpPr>
+          <p:cNvPr id="5" name="Footer Placeholder 4"/>
+          <p:cNvSpPr>
+            <a:spLocks noGrp="1"/>
+          </p:cNvSpPr>
+          <p:nvPr>
+            <p:ph type="ftr" sz="quarter" idx="11"/>
+          </p:nvPr>
+        </p:nvSpPr>
+        <p:spPr/>
+        <p:txBody>
+          <a:bodyPr/>
+          <a:lstStyle/>
+          <a:p>
+            <a:pPr defTabSz="914099" eaLnBrk="0" hangingPunct="0"/>
+            <a:r>
+              <a:rPr lang="en-US" sz="400">
+                <a:gradFill>
+                  <a:gsLst>
+                    <a:gs pos="0">
+                      <a:prstClr val="black"/>
+                    </a:gs>
+                    <a:gs pos="100000">
+                      <a:prstClr val="black"/>
+                    </a:gs>
+                  </a:gsLst>
+                  <a:lin ang="5400000" scaled="0"/>
+                </a:gradFill>
+                <a:latin typeface="Segoe UI" pitchFamily="34" charset="0"/>
+                <a:ea typeface="Segoe UI" pitchFamily="34" charset="0"/>
+                <a:cs typeface="Segoe UI" pitchFamily="34" charset="0"/>
+              </a:rPr>
+              <a:t>© Microsoft Corporation. All rights reserved. MICROSOFT MAKES NO WARRANTIES, EXPRESS, IMPLIED OR STATUTORY, AS TO THE INFORMATION IN THIS PRESENTATION.</a:t>
+            </a:r>
+            <a:endParaRPr lang="en-US" sz="400" dirty="0">
+              <a:gradFill>
+                <a:gsLst>
+                  <a:gs pos="0">
+                    <a:prstClr val="black"/>
+                  </a:gs>
+                  <a:gs pos="100000">
+                    <a:prstClr val="black"/>
+                  </a:gs>
+                </a:gsLst>
+                <a:lin ang="5400000" scaled="0"/>
+              </a:gradFill>
+              <a:latin typeface="Segoe UI" pitchFamily="34" charset="0"/>
+              <a:ea typeface="Segoe UI" pitchFamily="34" charset="0"/>
+              <a:cs typeface="Segoe UI" pitchFamily="34" charset="0"/>
+            </a:endParaRPr>
+          </a:p>
+        </p:txBody>
+      </p:sp>
+      <p:sp>
+        <p:nvSpPr>
+          <p:cNvPr id="6" name="Date Placeholder 5"/>
+          <p:cNvSpPr>
+            <a:spLocks noGrp="1"/>
+          </p:cNvSpPr>
+          <p:nvPr>
+            <p:ph type="dt" idx="12"/>
+          </p:nvPr>
+        </p:nvSpPr>
+        <p:spPr/>
+        <p:txBody>
+          <a:bodyPr/>
+          <a:lstStyle/>
+          <a:p>
+            <a:fld id="{D18B56EA-E28F-4F92-9F16-7A6F2501B303}" type="datetime8">
+              <a:rPr lang="en-US" smtClean="0"/>
+              <a:t>3/2/20 6:56 AM</a:t>
+            </a:fld>
+            <a:endParaRPr lang="en-US" dirty="0"/>
+          </a:p>
+        </p:txBody>
+      </p:sp>
+      <p:sp>
+        <p:nvSpPr>
+          <p:cNvPr id="7" name="Slide Number Placeholder 6"/>
+          <p:cNvSpPr>
+            <a:spLocks noGrp="1"/>
+          </p:cNvSpPr>
+          <p:nvPr>
+            <p:ph type="sldNum" sz="quarter" idx="13"/>
+          </p:nvPr>
+        </p:nvSpPr>
+        <p:spPr/>
+        <p:txBody>
+          <a:bodyPr/>
+          <a:lstStyle/>
+          <a:p>
+            <a:fld id="{B4008EB6-D09E-4580-8CD6-DDB14511944F}" type="slidenum">
+              <a:rPr lang="en-US" smtClean="0"/>
+              <a:pPr/>
+              <a:t>12</a:t>
+            </a:fld>
+            <a:endParaRPr lang="en-US" dirty="0"/>
+          </a:p>
+        </p:txBody>
+      </p:sp>
+    </p:spTree>
+    <p:extLst>
+      <p:ext uri="{BB962C8B-B14F-4D97-AF65-F5344CB8AC3E}">
+        <p14:creationId xmlns:p14="http://schemas.microsoft.com/office/powerpoint/2010/main" val="1685519606"/>
       </p:ext>
     </p:extLst>
   </p:cSld>
@@ -1041,7 +1399,13 @@
           <a:bodyPr/>
           <a:lstStyle/>
           <a:p>
-            <a:endParaRPr lang="en-US"/>
+            <a:r>
+              <a:rPr lang="en-US" dirty="0"/>
+              <a:t>In this unit, you'll learn about another type of SharePoint Framework extension that enables adding buttons to a list toolbar and context menu: command sets.</a:t>
+            </a:r>
+          </a:p>
+          <a:p>
+            <a:endParaRPr lang="en-US" dirty="0"/>
           </a:p>
         </p:txBody>
       </p:sp>
@@ -1135,7 +1499,7 @@
           <a:p>
             <a:fld id="{D18B56EA-E28F-4F92-9F16-7A6F2501B303}" type="datetime8">
               <a:rPr lang="en-US" smtClean="0"/>
-              <a:t>12/1/2019 5:24 PM</a:t>
+              <a:t>3/2/20 8:36 AM</a:t>
             </a:fld>
             <a:endParaRPr lang="en-US" dirty="0"/>
           </a:p>
@@ -1222,6 +1586,62 @@
           <a:bodyPr/>
           <a:lstStyle/>
           <a:p>
+            <a:r>
+              <a:rPr lang="en-US" dirty="0"/>
+              <a:t>A SharePoint Framework command set extension enables developers to add buttons to modern lists and library toolbars and context menus.</a:t>
+            </a:r>
+          </a:p>
+          <a:p>
+            <a:endParaRPr lang="en-US" dirty="0"/>
+          </a:p>
+          <a:p>
+            <a:r>
+              <a:rPr lang="en-US" dirty="0"/>
+              <a:t>Each button's visibility state is controlled using a single </a:t>
+            </a:r>
+            <a:r>
+              <a:rPr lang="en-US" dirty="0" err="1"/>
+              <a:t>boolean</a:t>
+            </a:r>
+            <a:r>
+              <a:rPr lang="en-US" dirty="0"/>
+              <a:t> property that developers can set. This property enables developers to conditionally show or hide buttons from the toolbar or context menus on an item. These command set extensions are similar to the SharePoint classic experience customizations of custom actions. The classic mode custom action customizations don't work in the modern experience and command sets will only work in the modern experience.</a:t>
+            </a:r>
+          </a:p>
+          <a:p>
+            <a:endParaRPr lang="en-US" dirty="0"/>
+          </a:p>
+          <a:p>
+            <a:r>
+              <a:rPr lang="en-US" dirty="0"/>
+              <a:t>The following scenarios are some example use cases for command sets:</a:t>
+            </a:r>
+          </a:p>
+          <a:p>
+            <a:endParaRPr lang="en-US" dirty="0"/>
+          </a:p>
+          <a:p>
+            <a:r>
+              <a:rPr lang="en-US" dirty="0"/>
+              <a:t>- start an external process</a:t>
+            </a:r>
+          </a:p>
+          <a:p>
+            <a:r>
+              <a:rPr lang="en-US" dirty="0"/>
+              <a:t>- execute custom script when the button is selected</a:t>
+            </a:r>
+          </a:p>
+          <a:p>
+            <a:endParaRPr lang="en-US" dirty="0"/>
+          </a:p>
+          <a:p>
+            <a:r>
+              <a:rPr lang="en-US" dirty="0"/>
+              <a:t>The SharePoint Framework will raise an event whenever the state of the view changes that your custom code can subscribe to. For example, if a user selects or unselects an item or changes a filter on the view, you can conditionally change the state of the button's `visible` property based on how many items are currently selected in the list.</a:t>
+            </a:r>
+          </a:p>
+          <a:p>
             <a:endParaRPr lang="en-US" dirty="0"/>
           </a:p>
         </p:txBody>
@@ -1320,7 +1740,7 @@
           <a:p>
             <a:fld id="{D18B56EA-E28F-4F92-9F16-7A6F2501B303}" type="datetime8">
               <a:rPr lang="en-US" smtClean="0"/>
-              <a:t>12/1/2019 5:24 PM</a:t>
+              <a:t>3/2/20 8:49 AM</a:t>
             </a:fld>
             <a:endParaRPr lang="en-US" dirty="0"/>
           </a:p>
@@ -1344,7 +1764,7 @@
             <a:fld id="{B4008EB6-D09E-4580-8CD6-DDB14511944F}" type="slidenum">
               <a:rPr lang="en-US" smtClean="0"/>
               <a:pPr/>
-              <a:t>8</a:t>
+              <a:t>3</a:t>
             </a:fld>
             <a:endParaRPr lang="en-US" dirty="0"/>
           </a:p>
@@ -1353,7 +1773,7 @@
     </p:spTree>
     <p:extLst>
       <p:ext uri="{BB962C8B-B14F-4D97-AF65-F5344CB8AC3E}">
-        <p14:creationId xmlns:p14="http://schemas.microsoft.com/office/powerpoint/2010/main" val="2977055406"/>
+        <p14:creationId xmlns:p14="http://schemas.microsoft.com/office/powerpoint/2010/main" val="1748001323"/>
       </p:ext>
     </p:extLst>
   </p:cSld>
@@ -1407,7 +1827,31 @@
           <a:bodyPr/>
           <a:lstStyle/>
           <a:p>
-            <a:endParaRPr lang="en-US"/>
+            <a:r>
+              <a:rPr lang="en-US" dirty="0"/>
+              <a:t>Unlike the other types of extensions, you must first register the command set buttons prior to executing the code. Command set registration is done in the component's manifest file. Each button must be added to the `items` collection:</a:t>
+            </a:r>
+          </a:p>
+          <a:p>
+            <a:endParaRPr lang="en-US" dirty="0"/>
+          </a:p>
+          <a:p>
+            <a:r>
+              <a:rPr lang="en-US" dirty="0"/>
+              <a:t>This JSON excerpt from the component manifest registers three buttons. The name of the buttons must be in all caps and only consist of letters and underscores.</a:t>
+            </a:r>
+          </a:p>
+          <a:p>
+            <a:endParaRPr lang="en-US" dirty="0"/>
+          </a:p>
+          <a:p>
+            <a:r>
+              <a:rPr lang="en-US" dirty="0"/>
+              <a:t>Each button reference has a `type` property set to `command` and a `title` property that can be localized to any of the SharePoint Framework supported locales.</a:t>
+            </a:r>
+          </a:p>
+          <a:p>
+            <a:endParaRPr lang="en-US" dirty="0"/>
           </a:p>
         </p:txBody>
       </p:sp>
@@ -1418,7 +1862,7 @@
             <a:spLocks noGrp="1"/>
           </p:cNvSpPr>
           <p:nvPr>
-            <p:ph type="hdr" sz="quarter" idx="10"/>
+            <p:ph type="hdr" sz="quarter"/>
           </p:nvPr>
         </p:nvSpPr>
         <p:spPr/>
@@ -1426,6 +1870,10 @@
           <a:bodyPr/>
           <a:lstStyle/>
           <a:p>
+            <a:r>
+              <a:rPr lang="en-US"/>
+              <a:t>SharePoint Framework</a:t>
+            </a:r>
             <a:endParaRPr lang="en-US" dirty="0"/>
           </a:p>
         </p:txBody>
@@ -1437,7 +1885,7 @@
             <a:spLocks noGrp="1"/>
           </p:cNvSpPr>
           <p:nvPr>
-            <p:ph type="ftr" sz="quarter" idx="11"/>
+            <p:ph type="ftr" sz="quarter" idx="4"/>
           </p:nvPr>
         </p:nvSpPr>
         <p:spPr/>
@@ -1491,7 +1939,7 @@
             <a:spLocks noGrp="1"/>
           </p:cNvSpPr>
           <p:nvPr>
-            <p:ph type="dt" idx="12"/>
+            <p:ph type="dt" idx="1"/>
           </p:nvPr>
         </p:nvSpPr>
         <p:spPr/>
@@ -1501,7 +1949,7 @@
           <a:p>
             <a:fld id="{D18B56EA-E28F-4F92-9F16-7A6F2501B303}" type="datetime8">
               <a:rPr lang="en-US" smtClean="0"/>
-              <a:t>12/1/2019 5:24 PM</a:t>
+              <a:t>3/2/20 8:49 AM</a:t>
             </a:fld>
             <a:endParaRPr lang="en-US" dirty="0"/>
           </a:p>
@@ -1514,7 +1962,7 @@
             <a:spLocks noGrp="1"/>
           </p:cNvSpPr>
           <p:nvPr>
-            <p:ph type="sldNum" sz="quarter" idx="13"/>
+            <p:ph type="sldNum" sz="quarter" idx="5"/>
           </p:nvPr>
         </p:nvSpPr>
         <p:spPr/>
@@ -1525,7 +1973,7 @@
             <a:fld id="{B4008EB6-D09E-4580-8CD6-DDB14511944F}" type="slidenum">
               <a:rPr lang="en-US" smtClean="0"/>
               <a:pPr/>
-              <a:t>10</a:t>
+              <a:t>4</a:t>
             </a:fld>
             <a:endParaRPr lang="en-US" dirty="0"/>
           </a:p>
@@ -1534,7 +1982,7 @@
     </p:spTree>
     <p:extLst>
       <p:ext uri="{BB962C8B-B14F-4D97-AF65-F5344CB8AC3E}">
-        <p14:creationId xmlns:p14="http://schemas.microsoft.com/office/powerpoint/2010/main" val="2593812498"/>
+        <p14:creationId xmlns:p14="http://schemas.microsoft.com/office/powerpoint/2010/main" val="2230055369"/>
       </p:ext>
     </p:extLst>
   </p:cSld>
@@ -1588,6 +2036,121 @@
           <a:bodyPr/>
           <a:lstStyle/>
           <a:p>
+            <a:r>
+              <a:rPr lang="en-US" dirty="0"/>
+              <a:t>After registering the buttons, you must create a class who's implementation is similar to the other other SharePoint Framework extension options.</a:t>
+            </a:r>
+          </a:p>
+          <a:p>
+            <a:endParaRPr lang="en-US" dirty="0"/>
+          </a:p>
+          <a:p>
+            <a:r>
+              <a:rPr lang="en-US" dirty="0"/>
+              <a:t>An interface is used to define the public properties that can be set as inputs on the extension.</a:t>
+            </a:r>
+          </a:p>
+          <a:p>
+            <a:endParaRPr lang="en-US" dirty="0"/>
+          </a:p>
+          <a:p>
+            <a:r>
+              <a:rPr lang="en-US" dirty="0"/>
+              <a:t>Next, implement a class that extends the `</a:t>
+            </a:r>
+            <a:r>
+              <a:rPr lang="en-US" dirty="0" err="1"/>
+              <a:t>BaseListViewCommandSet</a:t>
+            </a:r>
+            <a:r>
+              <a:rPr lang="en-US" dirty="0"/>
+              <a:t>` base class and override the implementation of three methods:</a:t>
+            </a:r>
+          </a:p>
+          <a:p>
+            <a:endParaRPr lang="en-US" dirty="0"/>
+          </a:p>
+          <a:p>
+            <a:r>
+              <a:rPr lang="en-US" dirty="0"/>
+              <a:t>The `</a:t>
+            </a:r>
+            <a:r>
+              <a:rPr lang="en-US" dirty="0" err="1"/>
+              <a:t>onInit</a:t>
+            </a:r>
+            <a:r>
+              <a:rPr lang="en-US" dirty="0"/>
+              <a:t>()` method returns a `Promise` object and can be used to perform any initialization code that needs to be completed before rendering the command set.</a:t>
+            </a:r>
+          </a:p>
+          <a:p>
+            <a:endParaRPr lang="en-US" dirty="0"/>
+          </a:p>
+          <a:p>
+            <a:r>
+              <a:rPr lang="en-US" dirty="0"/>
+              <a:t>Next, implement the `</a:t>
+            </a:r>
+            <a:r>
+              <a:rPr lang="en-US" dirty="0" err="1"/>
+              <a:t>onListViewUpdated</a:t>
+            </a:r>
+            <a:r>
+              <a:rPr lang="en-US" dirty="0"/>
+              <a:t>()` event. This method is called when the command set button is first rendered on the page and when the list view state changes. Each button rendered on the page will call this method, so if you have registered three buttons in your component's manifest, this method will be called three times every time the list view state changes.</a:t>
+            </a:r>
+          </a:p>
+          <a:p>
+            <a:endParaRPr lang="en-US" dirty="0"/>
+          </a:p>
+          <a:p>
+            <a:r>
+              <a:rPr lang="en-US" dirty="0"/>
+              <a:t>The last step is to implement the `</a:t>
+            </a:r>
+            <a:r>
+              <a:rPr lang="en-US" dirty="0" err="1"/>
+              <a:t>onExecute</a:t>
+            </a:r>
+            <a:r>
+              <a:rPr lang="en-US" dirty="0"/>
+              <a:t>()` event that is called when a button is selected by the user. Similar to the `</a:t>
+            </a:r>
+            <a:r>
+              <a:rPr lang="en-US" dirty="0" err="1"/>
+              <a:t>onListViewUpdated</a:t>
+            </a:r>
+            <a:r>
+              <a:rPr lang="en-US" dirty="0"/>
+              <a:t>()` event, this is method is shared among all the buttons registered in your component's manifest. You can use the `</a:t>
+            </a:r>
+            <a:r>
+              <a:rPr lang="en-US" dirty="0" err="1"/>
+              <a:t>itemId</a:t>
+            </a:r>
+            <a:r>
+              <a:rPr lang="en-US" dirty="0"/>
+              <a:t>` property on the `</a:t>
+            </a:r>
+            <a:r>
+              <a:rPr lang="en-US" dirty="0" err="1"/>
+              <a:t>IListViewCommandSetExecuteEventParameters</a:t>
+            </a:r>
+            <a:r>
+              <a:rPr lang="en-US" dirty="0"/>
+              <a:t>` object passed into the `</a:t>
+            </a:r>
+            <a:r>
+              <a:rPr lang="en-US" dirty="0" err="1"/>
+              <a:t>onExecute</a:t>
+            </a:r>
+            <a:r>
+              <a:rPr lang="en-US" dirty="0"/>
+              <a:t>()` to determine which button triggered the click event.</a:t>
+            </a:r>
+          </a:p>
+          <a:p>
             <a:endParaRPr lang="en-US" dirty="0"/>
           </a:p>
         </p:txBody>
@@ -1599,7 +2162,7 @@
             <a:spLocks noGrp="1"/>
           </p:cNvSpPr>
           <p:nvPr>
-            <p:ph type="hdr" sz="quarter" idx="10"/>
+            <p:ph type="hdr" sz="quarter"/>
           </p:nvPr>
         </p:nvSpPr>
         <p:spPr/>
@@ -1607,6 +2170,10 @@
           <a:bodyPr/>
           <a:lstStyle/>
           <a:p>
+            <a:r>
+              <a:rPr lang="en-US"/>
+              <a:t>SharePoint Framework</a:t>
+            </a:r>
             <a:endParaRPr lang="en-US" dirty="0"/>
           </a:p>
         </p:txBody>
@@ -1618,7 +2185,7 @@
             <a:spLocks noGrp="1"/>
           </p:cNvSpPr>
           <p:nvPr>
-            <p:ph type="ftr" sz="quarter" idx="11"/>
+            <p:ph type="ftr" sz="quarter" idx="4"/>
           </p:nvPr>
         </p:nvSpPr>
         <p:spPr/>
@@ -1672,7 +2239,7 @@
             <a:spLocks noGrp="1"/>
           </p:cNvSpPr>
           <p:nvPr>
-            <p:ph type="dt" idx="12"/>
+            <p:ph type="dt" idx="1"/>
           </p:nvPr>
         </p:nvSpPr>
         <p:spPr/>
@@ -1682,7 +2249,7 @@
           <a:p>
             <a:fld id="{D18B56EA-E28F-4F92-9F16-7A6F2501B303}" type="datetime8">
               <a:rPr lang="en-US" smtClean="0"/>
-              <a:t>12/1/2019 5:24 PM</a:t>
+              <a:t>3/2/20 8:56 AM</a:t>
             </a:fld>
             <a:endParaRPr lang="en-US" dirty="0"/>
           </a:p>
@@ -1695,7 +2262,7 @@
             <a:spLocks noGrp="1"/>
           </p:cNvSpPr>
           <p:nvPr>
-            <p:ph type="sldNum" sz="quarter" idx="13"/>
+            <p:ph type="sldNum" sz="quarter" idx="5"/>
           </p:nvPr>
         </p:nvSpPr>
         <p:spPr/>
@@ -1706,7 +2273,7 @@
             <a:fld id="{B4008EB6-D09E-4580-8CD6-DDB14511944F}" type="slidenum">
               <a:rPr lang="en-US" smtClean="0"/>
               <a:pPr/>
-              <a:t>12</a:t>
+              <a:t>5</a:t>
             </a:fld>
             <a:endParaRPr lang="en-US" dirty="0"/>
           </a:p>
@@ -1715,7 +2282,7 @@
     </p:spTree>
     <p:extLst>
       <p:ext uri="{BB962C8B-B14F-4D97-AF65-F5344CB8AC3E}">
-        <p14:creationId xmlns:p14="http://schemas.microsoft.com/office/powerpoint/2010/main" val="3282806226"/>
+        <p14:creationId xmlns:p14="http://schemas.microsoft.com/office/powerpoint/2010/main" val="2428624333"/>
       </p:ext>
     </p:extLst>
   </p:cSld>
@@ -1769,7 +2336,100 @@
           <a:bodyPr/>
           <a:lstStyle/>
           <a:p>
-            <a:endParaRPr lang="en-US"/>
+            <a:r>
+              <a:rPr lang="en-US" dirty="0"/>
+              <a:t>Now let's look at how you can debug and text SharePoint Framework command set extensions. Unlike client-side web parts, extensions require a live SharePoint site, list, or library. This means you can't test extensions in either the local or SharePoint-hosted workbench. You can still build and host extensions projects locally while debugging and testing in a remote SharePoint site.</a:t>
+            </a:r>
+          </a:p>
+          <a:p>
+            <a:endParaRPr lang="en-US" dirty="0"/>
+          </a:p>
+          <a:p>
+            <a:r>
+              <a:rPr lang="en-US" dirty="0"/>
+              <a:t>The testing experience is similar to the experience when you use the hosted SharePoint workbench for a web part development testing and debugging.</a:t>
+            </a:r>
+          </a:p>
+          <a:p>
+            <a:endParaRPr lang="en-US" dirty="0"/>
+          </a:p>
+          <a:p>
+            <a:r>
+              <a:rPr lang="en-US" dirty="0"/>
+              <a:t>To test a command set extension, you include special query string parameters to the URL of a live SharePoint modern page, list, or library. These parameters instruct SharePoint to do the following things:</a:t>
+            </a:r>
+          </a:p>
+          <a:p>
+            <a:endParaRPr lang="en-US" dirty="0"/>
+          </a:p>
+          <a:p>
+            <a:r>
+              <a:rPr lang="en-US" dirty="0"/>
+              <a:t>- load the SharePoint Framework on the page if it isn't already present</a:t>
+            </a:r>
+          </a:p>
+          <a:p>
+            <a:r>
+              <a:rPr lang="en-US" dirty="0"/>
+              <a:t>- the location of the **</a:t>
+            </a:r>
+            <a:r>
+              <a:rPr lang="en-US" dirty="0" err="1"/>
+              <a:t>manifest.js</a:t>
+            </a:r>
+            <a:r>
+              <a:rPr lang="en-US" dirty="0"/>
+              <a:t>** file from the local web server that tells SharePoint what custom components can be put on the page</a:t>
+            </a:r>
+          </a:p>
+          <a:p>
+            <a:r>
+              <a:rPr lang="en-US" dirty="0"/>
+              <a:t>- which component the SharePoint Framework should load and put on the page</a:t>
+            </a:r>
+          </a:p>
+          <a:p>
+            <a:r>
+              <a:rPr lang="en-US" dirty="0"/>
+              <a:t>- additional properties specific to each component</a:t>
+            </a:r>
+          </a:p>
+          <a:p>
+            <a:endParaRPr lang="en-US" dirty="0"/>
+          </a:p>
+          <a:p>
+            <a:r>
+              <a:rPr lang="en-US" dirty="0"/>
+              <a:t>The Yeoman generator for the SharePoint Framework simplifies this process </a:t>
+            </a:r>
+            <a:r>
+              <a:rPr lang="en-US" dirty="0" err="1"/>
+              <a:t>fo</a:t>
+            </a:r>
+            <a:r>
+              <a:rPr lang="en-US" dirty="0"/>
+              <a:t> you by creating a configuration that the **gulp serve** task uses to create the debugging URL. These settings are defined in the **./config/</a:t>
+            </a:r>
+            <a:r>
+              <a:rPr lang="en-US" dirty="0" err="1"/>
+              <a:t>serve.json</a:t>
+            </a:r>
+            <a:r>
+              <a:rPr lang="en-US" dirty="0"/>
+              <a:t>** file.</a:t>
+            </a:r>
+          </a:p>
+          <a:p>
+            <a:endParaRPr lang="en-US" dirty="0"/>
+          </a:p>
+          <a:p>
+            <a:r>
+              <a:rPr lang="en-US" dirty="0"/>
+              <a:t>When SharePoint receives the request with these query string parameters, it will first prompt the user to confirm they want to load debugging scripts. SharePoint does this same technique could be used in a phishing attack. Therefore, you should only load the debugging scripts if you're sure you started the request.</a:t>
+            </a:r>
+          </a:p>
+          <a:p>
+            <a:endParaRPr lang="en-US" dirty="0"/>
           </a:p>
         </p:txBody>
       </p:sp>
@@ -1780,7 +2440,7 @@
             <a:spLocks noGrp="1"/>
           </p:cNvSpPr>
           <p:nvPr>
-            <p:ph type="hdr" sz="quarter" idx="10"/>
+            <p:ph type="hdr" sz="quarter"/>
           </p:nvPr>
         </p:nvSpPr>
         <p:spPr/>
@@ -1788,6 +2448,10 @@
           <a:bodyPr/>
           <a:lstStyle/>
           <a:p>
+            <a:r>
+              <a:rPr lang="en-US"/>
+              <a:t>SharePoint Framework</a:t>
+            </a:r>
             <a:endParaRPr lang="en-US" dirty="0"/>
           </a:p>
         </p:txBody>
@@ -1799,7 +2463,7 @@
             <a:spLocks noGrp="1"/>
           </p:cNvSpPr>
           <p:nvPr>
-            <p:ph type="ftr" sz="quarter" idx="11"/>
+            <p:ph type="ftr" sz="quarter" idx="4"/>
           </p:nvPr>
         </p:nvSpPr>
         <p:spPr/>
@@ -1853,7 +2517,7 @@
             <a:spLocks noGrp="1"/>
           </p:cNvSpPr>
           <p:nvPr>
-            <p:ph type="dt" idx="12"/>
+            <p:ph type="dt" idx="1"/>
           </p:nvPr>
         </p:nvSpPr>
         <p:spPr/>
@@ -1863,7 +2527,7 @@
           <a:p>
             <a:fld id="{D18B56EA-E28F-4F92-9F16-7A6F2501B303}" type="datetime8">
               <a:rPr lang="en-US" smtClean="0"/>
-              <a:t>12/1/2019 5:24 PM</a:t>
+              <a:t>3/2/20 8:58 AM</a:t>
             </a:fld>
             <a:endParaRPr lang="en-US" dirty="0"/>
           </a:p>
@@ -1876,7 +2540,7 @@
             <a:spLocks noGrp="1"/>
           </p:cNvSpPr>
           <p:nvPr>
-            <p:ph type="sldNum" sz="quarter" idx="13"/>
+            <p:ph type="sldNum" sz="quarter" idx="5"/>
           </p:nvPr>
         </p:nvSpPr>
         <p:spPr/>
@@ -1887,7 +2551,7 @@
             <a:fld id="{B4008EB6-D09E-4580-8CD6-DDB14511944F}" type="slidenum">
               <a:rPr lang="en-US" smtClean="0"/>
               <a:pPr/>
-              <a:t>13</a:t>
+              <a:t>6</a:t>
             </a:fld>
             <a:endParaRPr lang="en-US" dirty="0"/>
           </a:p>
@@ -1896,7 +2560,7 @@
     </p:spTree>
     <p:extLst>
       <p:ext uri="{BB962C8B-B14F-4D97-AF65-F5344CB8AC3E}">
-        <p14:creationId xmlns:p14="http://schemas.microsoft.com/office/powerpoint/2010/main" val="2510823477"/>
+        <p14:creationId xmlns:p14="http://schemas.microsoft.com/office/powerpoint/2010/main" val="549333972"/>
       </p:ext>
     </p:extLst>
   </p:cSld>
@@ -1950,7 +2614,38 @@
           <a:bodyPr/>
           <a:lstStyle/>
           <a:p>
-            <a:endParaRPr lang="en-US"/>
+            <a:r>
+              <a:rPr lang="en-US" dirty="0"/>
+              <a:t>The deployment of command set extensions is similar to other types of SharePoint Frameworks extensions. The existing SharePoint Feature framework is used to provision command set buttons into a SharePoint environment using the `&lt;</a:t>
+            </a:r>
+            <a:r>
+              <a:rPr lang="en-US" dirty="0" err="1"/>
+              <a:t>CustomAction</a:t>
+            </a:r>
+            <a:r>
+              <a:rPr lang="en-US" dirty="0"/>
+              <a:t>&gt;` element.</a:t>
+            </a:r>
+          </a:p>
+          <a:p>
+            <a:endParaRPr lang="en-US" dirty="0"/>
+          </a:p>
+          <a:p>
+            <a:r>
+              <a:rPr lang="en-US" dirty="0"/>
+              <a:t>SharePoint Framework command set extensions, like application customizers, support tenant wide deployment. This means the presence of the **</a:t>
+            </a:r>
+            <a:r>
+              <a:rPr lang="en-US" dirty="0" err="1"/>
+              <a:t>ClientSideInstance.xml</a:t>
+            </a:r>
+            <a:r>
+              <a:rPr lang="en-US" dirty="0"/>
+              <a:t>** file within your SharePoint package will add an entry to the **Tenant Wide Extensions** list in the tenants **App Catalog** site when the package is deployed.</a:t>
+            </a:r>
+          </a:p>
+          <a:p>
+            <a:endParaRPr lang="en-US" dirty="0"/>
           </a:p>
         </p:txBody>
       </p:sp>
@@ -1961,7 +2656,7 @@
             <a:spLocks noGrp="1"/>
           </p:cNvSpPr>
           <p:nvPr>
-            <p:ph type="hdr" sz="quarter" idx="10"/>
+            <p:ph type="hdr" sz="quarter"/>
           </p:nvPr>
         </p:nvSpPr>
         <p:spPr/>
@@ -1969,6 +2664,10 @@
           <a:bodyPr/>
           <a:lstStyle/>
           <a:p>
+            <a:r>
+              <a:rPr lang="en-US"/>
+              <a:t>SharePoint Framework</a:t>
+            </a:r>
             <a:endParaRPr lang="en-US" dirty="0"/>
           </a:p>
         </p:txBody>
@@ -1980,7 +2679,7 @@
             <a:spLocks noGrp="1"/>
           </p:cNvSpPr>
           <p:nvPr>
-            <p:ph type="ftr" sz="quarter" idx="11"/>
+            <p:ph type="ftr" sz="quarter" idx="4"/>
           </p:nvPr>
         </p:nvSpPr>
         <p:spPr/>
@@ -2034,7 +2733,7 @@
             <a:spLocks noGrp="1"/>
           </p:cNvSpPr>
           <p:nvPr>
-            <p:ph type="dt" idx="12"/>
+            <p:ph type="dt" idx="1"/>
           </p:nvPr>
         </p:nvSpPr>
         <p:spPr/>
@@ -2044,7 +2743,188 @@
           <a:p>
             <a:fld id="{D18B56EA-E28F-4F92-9F16-7A6F2501B303}" type="datetime8">
               <a:rPr lang="en-US" smtClean="0"/>
-              <a:t>12/1/2019 5:24 PM</a:t>
+              <a:t>3/2/20 9:05 AM</a:t>
+            </a:fld>
+            <a:endParaRPr lang="en-US" dirty="0"/>
+          </a:p>
+        </p:txBody>
+      </p:sp>
+      <p:sp>
+        <p:nvSpPr>
+          <p:cNvPr id="7" name="Slide Number Placeholder 6"/>
+          <p:cNvSpPr>
+            <a:spLocks noGrp="1"/>
+          </p:cNvSpPr>
+          <p:nvPr>
+            <p:ph type="sldNum" sz="quarter" idx="5"/>
+          </p:nvPr>
+        </p:nvSpPr>
+        <p:spPr/>
+        <p:txBody>
+          <a:bodyPr/>
+          <a:lstStyle/>
+          <a:p>
+            <a:fld id="{B4008EB6-D09E-4580-8CD6-DDB14511944F}" type="slidenum">
+              <a:rPr lang="en-US" smtClean="0"/>
+              <a:pPr/>
+              <a:t>7</a:t>
+            </a:fld>
+            <a:endParaRPr lang="en-US" dirty="0"/>
+          </a:p>
+        </p:txBody>
+      </p:sp>
+    </p:spTree>
+    <p:extLst>
+      <p:ext uri="{BB962C8B-B14F-4D97-AF65-F5344CB8AC3E}">
+        <p14:creationId xmlns:p14="http://schemas.microsoft.com/office/powerpoint/2010/main" val="2113824067"/>
+      </p:ext>
+    </p:extLst>
+  </p:cSld>
+  <p:clrMapOvr>
+    <a:masterClrMapping/>
+  </p:clrMapOvr>
+</p:notes>
+</file>
+
+<file path=ppt/notesSlides/notesSlide8.xml><?xml version="1.0" encoding="utf-8"?>
+<p:notes xmlns:a="http://schemas.openxmlformats.org/drawingml/2006/main" xmlns:r="http://schemas.openxmlformats.org/officeDocument/2006/relationships" xmlns:p="http://schemas.openxmlformats.org/presentationml/2006/main">
+  <p:cSld>
+    <p:spTree>
+      <p:nvGrpSpPr>
+        <p:cNvPr id="1" name=""/>
+        <p:cNvGrpSpPr/>
+        <p:nvPr/>
+      </p:nvGrpSpPr>
+      <p:grpSpPr>
+        <a:xfrm>
+          <a:off x="0" y="0"/>
+          <a:ext cx="0" cy="0"/>
+          <a:chOff x="0" y="0"/>
+          <a:chExt cx="0" cy="0"/>
+        </a:xfrm>
+      </p:grpSpPr>
+      <p:sp>
+        <p:nvSpPr>
+          <p:cNvPr id="2" name="Slide Image Placeholder 1"/>
+          <p:cNvSpPr>
+            <a:spLocks noGrp="1" noRot="1" noChangeAspect="1"/>
+          </p:cNvSpPr>
+          <p:nvPr>
+            <p:ph type="sldImg"/>
+          </p:nvPr>
+        </p:nvSpPr>
+        <p:spPr/>
+      </p:sp>
+      <p:sp>
+        <p:nvSpPr>
+          <p:cNvPr id="3" name="Notes Placeholder 2"/>
+          <p:cNvSpPr>
+            <a:spLocks noGrp="1"/>
+          </p:cNvSpPr>
+          <p:nvPr>
+            <p:ph type="body" idx="1"/>
+          </p:nvPr>
+        </p:nvSpPr>
+        <p:spPr/>
+        <p:txBody>
+          <a:bodyPr/>
+          <a:lstStyle/>
+          <a:p>
+            <a:endParaRPr lang="en-US"/>
+          </a:p>
+        </p:txBody>
+      </p:sp>
+      <p:sp>
+        <p:nvSpPr>
+          <p:cNvPr id="4" name="Header Placeholder 3"/>
+          <p:cNvSpPr>
+            <a:spLocks noGrp="1"/>
+          </p:cNvSpPr>
+          <p:nvPr>
+            <p:ph type="hdr" sz="quarter" idx="10"/>
+          </p:nvPr>
+        </p:nvSpPr>
+        <p:spPr/>
+        <p:txBody>
+          <a:bodyPr/>
+          <a:lstStyle/>
+          <a:p>
+            <a:endParaRPr lang="en-US" dirty="0"/>
+          </a:p>
+        </p:txBody>
+      </p:sp>
+      <p:sp>
+        <p:nvSpPr>
+          <p:cNvPr id="5" name="Footer Placeholder 4"/>
+          <p:cNvSpPr>
+            <a:spLocks noGrp="1"/>
+          </p:cNvSpPr>
+          <p:nvPr>
+            <p:ph type="ftr" sz="quarter" idx="11"/>
+          </p:nvPr>
+        </p:nvSpPr>
+        <p:spPr/>
+        <p:txBody>
+          <a:bodyPr/>
+          <a:lstStyle/>
+          <a:p>
+            <a:pPr defTabSz="914099" eaLnBrk="0" hangingPunct="0"/>
+            <a:r>
+              <a:rPr lang="en-US" sz="400">
+                <a:gradFill>
+                  <a:gsLst>
+                    <a:gs pos="0">
+                      <a:prstClr val="black"/>
+                    </a:gs>
+                    <a:gs pos="100000">
+                      <a:prstClr val="black"/>
+                    </a:gs>
+                  </a:gsLst>
+                  <a:lin ang="5400000" scaled="0"/>
+                </a:gradFill>
+                <a:latin typeface="Segoe UI" pitchFamily="34" charset="0"/>
+                <a:ea typeface="Segoe UI" pitchFamily="34" charset="0"/>
+                <a:cs typeface="Segoe UI" pitchFamily="34" charset="0"/>
+              </a:rPr>
+              <a:t>© Microsoft Corporation. All rights reserved. MICROSOFT MAKES NO WARRANTIES, EXPRESS, IMPLIED OR STATUTORY, AS TO THE INFORMATION IN THIS PRESENTATION.</a:t>
+            </a:r>
+            <a:endParaRPr lang="en-US" sz="400" dirty="0">
+              <a:gradFill>
+                <a:gsLst>
+                  <a:gs pos="0">
+                    <a:prstClr val="black"/>
+                  </a:gs>
+                  <a:gs pos="100000">
+                    <a:prstClr val="black"/>
+                  </a:gs>
+                </a:gsLst>
+                <a:lin ang="5400000" scaled="0"/>
+              </a:gradFill>
+              <a:latin typeface="Segoe UI" pitchFamily="34" charset="0"/>
+              <a:ea typeface="Segoe UI" pitchFamily="34" charset="0"/>
+              <a:cs typeface="Segoe UI" pitchFamily="34" charset="0"/>
+            </a:endParaRPr>
+          </a:p>
+        </p:txBody>
+      </p:sp>
+      <p:sp>
+        <p:nvSpPr>
+          <p:cNvPr id="6" name="Date Placeholder 5"/>
+          <p:cNvSpPr>
+            <a:spLocks noGrp="1"/>
+          </p:cNvSpPr>
+          <p:nvPr>
+            <p:ph type="dt" idx="12"/>
+          </p:nvPr>
+        </p:nvSpPr>
+        <p:spPr/>
+        <p:txBody>
+          <a:bodyPr/>
+          <a:lstStyle/>
+          <a:p>
+            <a:fld id="{D18B56EA-E28F-4F92-9F16-7A6F2501B303}" type="datetime8">
+              <a:rPr lang="en-US" smtClean="0"/>
+              <a:t>3/2/20 6:56 AM</a:t>
             </a:fld>
             <a:endParaRPr lang="en-US" dirty="0"/>
           </a:p>
@@ -2068,7 +2948,7 @@
             <a:fld id="{B4008EB6-D09E-4580-8CD6-DDB14511944F}" type="slidenum">
               <a:rPr lang="en-US" smtClean="0"/>
               <a:pPr/>
-              <a:t>14</a:t>
+              <a:t>8</a:t>
             </a:fld>
             <a:endParaRPr lang="en-US" dirty="0"/>
           </a:p>
@@ -2077,7 +2957,188 @@
     </p:spTree>
     <p:extLst>
       <p:ext uri="{BB962C8B-B14F-4D97-AF65-F5344CB8AC3E}">
-        <p14:creationId xmlns:p14="http://schemas.microsoft.com/office/powerpoint/2010/main" val="1685519606"/>
+        <p14:creationId xmlns:p14="http://schemas.microsoft.com/office/powerpoint/2010/main" val="2593812498"/>
+      </p:ext>
+    </p:extLst>
+  </p:cSld>
+  <p:clrMapOvr>
+    <a:masterClrMapping/>
+  </p:clrMapOvr>
+</p:notes>
+</file>
+
+<file path=ppt/notesSlides/notesSlide9.xml><?xml version="1.0" encoding="utf-8"?>
+<p:notes xmlns:a="http://schemas.openxmlformats.org/drawingml/2006/main" xmlns:r="http://schemas.openxmlformats.org/officeDocument/2006/relationships" xmlns:p="http://schemas.openxmlformats.org/presentationml/2006/main">
+  <p:cSld>
+    <p:spTree>
+      <p:nvGrpSpPr>
+        <p:cNvPr id="1" name=""/>
+        <p:cNvGrpSpPr/>
+        <p:nvPr/>
+      </p:nvGrpSpPr>
+      <p:grpSpPr>
+        <a:xfrm>
+          <a:off x="0" y="0"/>
+          <a:ext cx="0" cy="0"/>
+          <a:chOff x="0" y="0"/>
+          <a:chExt cx="0" cy="0"/>
+        </a:xfrm>
+      </p:grpSpPr>
+      <p:sp>
+        <p:nvSpPr>
+          <p:cNvPr id="2" name="Slide Image Placeholder 1"/>
+          <p:cNvSpPr>
+            <a:spLocks noGrp="1" noRot="1" noChangeAspect="1"/>
+          </p:cNvSpPr>
+          <p:nvPr>
+            <p:ph type="sldImg"/>
+          </p:nvPr>
+        </p:nvSpPr>
+        <p:spPr/>
+      </p:sp>
+      <p:sp>
+        <p:nvSpPr>
+          <p:cNvPr id="3" name="Notes Placeholder 2"/>
+          <p:cNvSpPr>
+            <a:spLocks noGrp="1"/>
+          </p:cNvSpPr>
+          <p:nvPr>
+            <p:ph type="body" idx="1"/>
+          </p:nvPr>
+        </p:nvSpPr>
+        <p:spPr/>
+        <p:txBody>
+          <a:bodyPr/>
+          <a:lstStyle/>
+          <a:p>
+            <a:endParaRPr lang="en-US" dirty="0"/>
+          </a:p>
+        </p:txBody>
+      </p:sp>
+      <p:sp>
+        <p:nvSpPr>
+          <p:cNvPr id="4" name="Header Placeholder 3"/>
+          <p:cNvSpPr>
+            <a:spLocks noGrp="1"/>
+          </p:cNvSpPr>
+          <p:nvPr>
+            <p:ph type="hdr" sz="quarter" idx="10"/>
+          </p:nvPr>
+        </p:nvSpPr>
+        <p:spPr/>
+        <p:txBody>
+          <a:bodyPr/>
+          <a:lstStyle/>
+          <a:p>
+            <a:endParaRPr lang="en-US" dirty="0"/>
+          </a:p>
+        </p:txBody>
+      </p:sp>
+      <p:sp>
+        <p:nvSpPr>
+          <p:cNvPr id="5" name="Footer Placeholder 4"/>
+          <p:cNvSpPr>
+            <a:spLocks noGrp="1"/>
+          </p:cNvSpPr>
+          <p:nvPr>
+            <p:ph type="ftr" sz="quarter" idx="11"/>
+          </p:nvPr>
+        </p:nvSpPr>
+        <p:spPr/>
+        <p:txBody>
+          <a:bodyPr/>
+          <a:lstStyle/>
+          <a:p>
+            <a:pPr defTabSz="914099" eaLnBrk="0" hangingPunct="0"/>
+            <a:r>
+              <a:rPr lang="en-US" sz="400">
+                <a:gradFill>
+                  <a:gsLst>
+                    <a:gs pos="0">
+                      <a:prstClr val="black"/>
+                    </a:gs>
+                    <a:gs pos="100000">
+                      <a:prstClr val="black"/>
+                    </a:gs>
+                  </a:gsLst>
+                  <a:lin ang="5400000" scaled="0"/>
+                </a:gradFill>
+                <a:latin typeface="Segoe UI" pitchFamily="34" charset="0"/>
+                <a:ea typeface="Segoe UI" pitchFamily="34" charset="0"/>
+                <a:cs typeface="Segoe UI" pitchFamily="34" charset="0"/>
+              </a:rPr>
+              <a:t>© Microsoft Corporation. All rights reserved. MICROSOFT MAKES NO WARRANTIES, EXPRESS, IMPLIED OR STATUTORY, AS TO THE INFORMATION IN THIS PRESENTATION.</a:t>
+            </a:r>
+            <a:endParaRPr lang="en-US" sz="400" dirty="0">
+              <a:gradFill>
+                <a:gsLst>
+                  <a:gs pos="0">
+                    <a:prstClr val="black"/>
+                  </a:gs>
+                  <a:gs pos="100000">
+                    <a:prstClr val="black"/>
+                  </a:gs>
+                </a:gsLst>
+                <a:lin ang="5400000" scaled="0"/>
+              </a:gradFill>
+              <a:latin typeface="Segoe UI" pitchFamily="34" charset="0"/>
+              <a:ea typeface="Segoe UI" pitchFamily="34" charset="0"/>
+              <a:cs typeface="Segoe UI" pitchFamily="34" charset="0"/>
+            </a:endParaRPr>
+          </a:p>
+        </p:txBody>
+      </p:sp>
+      <p:sp>
+        <p:nvSpPr>
+          <p:cNvPr id="6" name="Date Placeholder 5"/>
+          <p:cNvSpPr>
+            <a:spLocks noGrp="1"/>
+          </p:cNvSpPr>
+          <p:nvPr>
+            <p:ph type="dt" idx="12"/>
+          </p:nvPr>
+        </p:nvSpPr>
+        <p:spPr/>
+        <p:txBody>
+          <a:bodyPr/>
+          <a:lstStyle/>
+          <a:p>
+            <a:fld id="{D18B56EA-E28F-4F92-9F16-7A6F2501B303}" type="datetime8">
+              <a:rPr lang="en-US" smtClean="0"/>
+              <a:t>3/2/20 6:56 AM</a:t>
+            </a:fld>
+            <a:endParaRPr lang="en-US" dirty="0"/>
+          </a:p>
+        </p:txBody>
+      </p:sp>
+      <p:sp>
+        <p:nvSpPr>
+          <p:cNvPr id="7" name="Slide Number Placeholder 6"/>
+          <p:cNvSpPr>
+            <a:spLocks noGrp="1"/>
+          </p:cNvSpPr>
+          <p:nvPr>
+            <p:ph type="sldNum" sz="quarter" idx="13"/>
+          </p:nvPr>
+        </p:nvSpPr>
+        <p:spPr/>
+        <p:txBody>
+          <a:bodyPr/>
+          <a:lstStyle/>
+          <a:p>
+            <a:fld id="{B4008EB6-D09E-4580-8CD6-DDB14511944F}" type="slidenum">
+              <a:rPr lang="en-US" smtClean="0"/>
+              <a:pPr/>
+              <a:t>10</a:t>
+            </a:fld>
+            <a:endParaRPr lang="en-US" dirty="0"/>
+          </a:p>
+        </p:txBody>
+      </p:sp>
+    </p:spTree>
+    <p:extLst>
+      <p:ext uri="{BB962C8B-B14F-4D97-AF65-F5344CB8AC3E}">
+        <p14:creationId xmlns:p14="http://schemas.microsoft.com/office/powerpoint/2010/main" val="3282806226"/>
       </p:ext>
     </p:extLst>
   </p:cSld>
@@ -14612,7 +15673,7 @@
       </a:lvl9pPr>
     </p:otherStyle>
   </p:txStyles>
-  <p:extLst mod="1">
+  <p:extLst>
     <p:ext uri="{27BBF7A9-308A-43DC-89C8-2F10F3537804}">
       <p15:sldGuideLst xmlns:p15="http://schemas.microsoft.com/office/powerpoint/2012/main">
         <p15:guide id="3" pos="1381" userDrawn="1">
@@ -14854,560 +15915,6 @@
       </p:grpSpPr>
       <p:sp>
         <p:nvSpPr>
-          <p:cNvPr id="2" name="Title 1"/>
-          <p:cNvSpPr>
-            <a:spLocks noGrp="1"/>
-          </p:cNvSpPr>
-          <p:nvPr>
-            <p:ph type="title"/>
-          </p:nvPr>
-        </p:nvSpPr>
-        <p:spPr/>
-        <p:txBody>
-          <a:bodyPr/>
-          <a:lstStyle/>
-          <a:p>
-            <a:r>
-              <a:rPr lang="en-US" dirty="0"/>
-              <a:t>Demo</a:t>
-            </a:r>
-            <a:br>
-              <a:rPr lang="en-US" dirty="0"/>
-            </a:br>
-            <a:r>
-              <a:rPr lang="en-US" sz="2400" dirty="0"/>
-              <a:t>Creating SharePoint Framework List View Command Sets</a:t>
-            </a:r>
-            <a:endParaRPr lang="en-US" dirty="0"/>
-          </a:p>
-        </p:txBody>
-      </p:sp>
-    </p:spTree>
-    <p:extLst>
-      <p:ext uri="{BB962C8B-B14F-4D97-AF65-F5344CB8AC3E}">
-        <p14:creationId xmlns:p14="http://schemas.microsoft.com/office/powerpoint/2010/main" val="136376238"/>
-      </p:ext>
-    </p:extLst>
-  </p:cSld>
-  <p:clrMapOvr>
-    <a:masterClrMapping/>
-  </p:clrMapOvr>
-  <p:transition>
-    <p:fade/>
-  </p:transition>
-</p:sld>
-</file>
-
-<file path=ppt/slides/slide11.xml><?xml version="1.0" encoding="utf-8"?>
-<p:sld xmlns:a="http://schemas.openxmlformats.org/drawingml/2006/main" xmlns:r="http://schemas.openxmlformats.org/officeDocument/2006/relationships" xmlns:p="http://schemas.openxmlformats.org/presentationml/2006/main">
-  <p:cSld>
-    <p:spTree>
-      <p:nvGrpSpPr>
-        <p:cNvPr id="1" name=""/>
-        <p:cNvGrpSpPr/>
-        <p:nvPr/>
-      </p:nvGrpSpPr>
-      <p:grpSpPr>
-        <a:xfrm>
-          <a:off x="0" y="0"/>
-          <a:ext cx="0" cy="0"/>
-          <a:chOff x="0" y="0"/>
-          <a:chExt cx="0" cy="0"/>
-        </a:xfrm>
-      </p:grpSpPr>
-      <p:pic>
-        <p:nvPicPr>
-          <p:cNvPr id="5" name="Picture 4" descr="A group of people sitting at a table&#10;&#10;Description generated with high confidence">
-            <a:extLst>
-              <a:ext uri="{FF2B5EF4-FFF2-40B4-BE49-F238E27FC236}">
-                <a16:creationId xmlns:a16="http://schemas.microsoft.com/office/drawing/2014/main" id="{D2306968-4303-2646-8585-0AC3A60408F7}"/>
-              </a:ext>
-            </a:extLst>
-          </p:cNvPr>
-          <p:cNvPicPr>
-            <a:picLocks noChangeAspect="1"/>
-          </p:cNvPicPr>
-          <p:nvPr/>
-        </p:nvPicPr>
-        <p:blipFill rotWithShape="1">
-          <a:blip r:embed="rId2" cstate="screen">
-            <a:extLst>
-              <a:ext uri="{28A0092B-C50C-407E-A947-70E740481C1C}">
-                <a14:useLocalDpi xmlns:a14="http://schemas.microsoft.com/office/drawing/2010/main"/>
-              </a:ext>
-            </a:extLst>
-          </a:blip>
-          <a:srcRect l="-2"/>
-          <a:stretch/>
-        </p:blipFill>
-        <p:spPr>
-          <a:xfrm flipH="1">
-            <a:off x="1943100" y="0"/>
-            <a:ext cx="10493376" cy="6994525"/>
-          </a:xfrm>
-          <a:prstGeom prst="rect">
-            <a:avLst/>
-          </a:prstGeom>
-        </p:spPr>
-      </p:pic>
-      <p:sp>
-        <p:nvSpPr>
-          <p:cNvPr id="6" name="Rectangle 5">
-            <a:extLst>
-              <a:ext uri="{FF2B5EF4-FFF2-40B4-BE49-F238E27FC236}">
-                <a16:creationId xmlns:a16="http://schemas.microsoft.com/office/drawing/2014/main" id="{983A2655-A41F-244A-9475-FD805B4A5770}"/>
-              </a:ext>
-            </a:extLst>
-          </p:cNvPr>
-          <p:cNvSpPr/>
-          <p:nvPr/>
-        </p:nvSpPr>
-        <p:spPr bwMode="auto">
-          <a:xfrm>
-            <a:off x="0" y="0"/>
-            <a:ext cx="10048876" cy="6994525"/>
-          </a:xfrm>
-          <a:prstGeom prst="rect">
-            <a:avLst/>
-          </a:prstGeom>
-          <a:gradFill flip="none" rotWithShape="1">
-            <a:gsLst>
-              <a:gs pos="0">
-                <a:schemeClr val="accent1">
-                  <a:lumMod val="5000"/>
-                  <a:lumOff val="95000"/>
-                  <a:alpha val="0"/>
-                </a:schemeClr>
-              </a:gs>
-              <a:gs pos="59000">
-                <a:schemeClr val="bg1"/>
-              </a:gs>
-              <a:gs pos="100000">
-                <a:schemeClr val="bg1"/>
-              </a:gs>
-            </a:gsLst>
-            <a:lin ang="10800000" scaled="0"/>
-            <a:tileRect/>
-          </a:gradFill>
-          <a:ln>
-            <a:noFill/>
-            <a:headEnd type="none" w="med" len="med"/>
-            <a:tailEnd type="none" w="med" len="med"/>
-          </a:ln>
-          <a:effectLst/>
-        </p:spPr>
-        <p:style>
-          <a:lnRef idx="1">
-            <a:schemeClr val="accent2"/>
-          </a:lnRef>
-          <a:fillRef idx="3">
-            <a:schemeClr val="accent2"/>
-          </a:fillRef>
-          <a:effectRef idx="2">
-            <a:schemeClr val="accent2"/>
-          </a:effectRef>
-          <a:fontRef idx="minor">
-            <a:schemeClr val="lt1"/>
-          </a:fontRef>
-        </p:style>
-        <p:txBody>
-          <a:bodyPr rot="0" spcFirstLastPara="0" vertOverflow="overflow" horzOverflow="overflow" vert="horz" wrap="square" lIns="182880" tIns="146304" rIns="182880" bIns="146304" numCol="1" spcCol="0" rtlCol="0" fromWordArt="0" anchor="t" anchorCtr="0" forceAA="0" compatLnSpc="1">
-            <a:prstTxWarp prst="textNoShape">
-              <a:avLst/>
-            </a:prstTxWarp>
-            <a:noAutofit/>
-          </a:bodyPr>
-          <a:lstStyle/>
-          <a:p>
-            <a:pPr algn="ctr" defTabSz="932472" fontAlgn="base">
-              <a:lnSpc>
-                <a:spcPct val="90000"/>
-              </a:lnSpc>
-              <a:spcBef>
-                <a:spcPct val="0"/>
-              </a:spcBef>
-              <a:spcAft>
-                <a:spcPct val="0"/>
-              </a:spcAft>
-            </a:pPr>
-            <a:endParaRPr lang="en-US" sz="2400" err="1">
-              <a:gradFill>
-                <a:gsLst>
-                  <a:gs pos="0">
-                    <a:srgbClr val="FFFFFF"/>
-                  </a:gs>
-                  <a:gs pos="100000">
-                    <a:srgbClr val="FFFFFF"/>
-                  </a:gs>
-                </a:gsLst>
-                <a:lin ang="5400000" scaled="0"/>
-              </a:gradFill>
-              <a:ea typeface="Segoe UI" pitchFamily="34" charset="0"/>
-              <a:cs typeface="Segoe UI" pitchFamily="34" charset="0"/>
-            </a:endParaRPr>
-          </a:p>
-        </p:txBody>
-      </p:sp>
-      <p:sp>
-        <p:nvSpPr>
-          <p:cNvPr id="4" name="Title 3">
-            <a:extLst>
-              <a:ext uri="{FF2B5EF4-FFF2-40B4-BE49-F238E27FC236}">
-                <a16:creationId xmlns:a16="http://schemas.microsoft.com/office/drawing/2014/main" id="{8047349F-0B8F-4D12-A39C-718C1C57DDFF}"/>
-              </a:ext>
-            </a:extLst>
-          </p:cNvPr>
-          <p:cNvSpPr>
-            <a:spLocks noGrp="1"/>
-          </p:cNvSpPr>
-          <p:nvPr>
-            <p:ph type="title"/>
-          </p:nvPr>
-        </p:nvSpPr>
-        <p:spPr>
-          <a:xfrm>
-            <a:off x="465138" y="1843063"/>
-            <a:ext cx="11533187" cy="411162"/>
-          </a:xfrm>
-        </p:spPr>
-        <p:txBody>
-          <a:bodyPr/>
-          <a:lstStyle/>
-          <a:p>
-            <a:r>
-              <a:rPr lang="en-US" dirty="0"/>
-              <a:t>Summary</a:t>
-            </a:r>
-          </a:p>
-        </p:txBody>
-      </p:sp>
-      <p:sp>
-        <p:nvSpPr>
-          <p:cNvPr id="10" name="Text Placeholder 6">
-            <a:extLst>
-              <a:ext uri="{FF2B5EF4-FFF2-40B4-BE49-F238E27FC236}">
-                <a16:creationId xmlns:a16="http://schemas.microsoft.com/office/drawing/2014/main" id="{61D48218-75E0-4C6C-BFA7-A1010BADED35}"/>
-              </a:ext>
-            </a:extLst>
-          </p:cNvPr>
-          <p:cNvSpPr txBox="1">
-            <a:spLocks/>
-          </p:cNvSpPr>
-          <p:nvPr/>
-        </p:nvSpPr>
-        <p:spPr>
-          <a:xfrm>
-            <a:off x="465139" y="2621905"/>
-            <a:ext cx="4234184" cy="1126462"/>
-          </a:xfrm>
-          <a:prstGeom prst="rect">
-            <a:avLst/>
-          </a:prstGeom>
-        </p:spPr>
-        <p:txBody>
-          <a:bodyPr vert="horz" wrap="square" lIns="0" tIns="0" rIns="0" bIns="0" rtlCol="0">
-            <a:spAutoFit/>
-          </a:bodyPr>
-          <a:lstStyle>
-            <a:lvl1pPr marL="0" marR="0" indent="0" algn="l" defTabSz="932742" rtl="0" eaLnBrk="1" fontAlgn="auto" latinLnBrk="0" hangingPunct="1">
-              <a:lnSpc>
-                <a:spcPts val="1800"/>
-              </a:lnSpc>
-              <a:spcBef>
-                <a:spcPts val="0"/>
-              </a:spcBef>
-              <a:spcAft>
-                <a:spcPts val="0"/>
-              </a:spcAft>
-              <a:buClrTx/>
-              <a:buSzPct val="90000"/>
-              <a:buFont typeface="Wingdings" panose="05000000000000000000" pitchFamily="2" charset="2"/>
-              <a:buNone/>
-              <a:tabLst/>
-              <a:defRPr sz="1400" b="1" kern="1200" spc="0" baseline="0">
-                <a:solidFill>
-                  <a:schemeClr val="tx1"/>
-                </a:solidFill>
-                <a:latin typeface="+mn-lt"/>
-                <a:ea typeface="+mn-ea"/>
-                <a:cs typeface="+mn-cs"/>
-              </a:defRPr>
-            </a:lvl1pPr>
-            <a:lvl2pPr marL="0" marR="0" indent="0" algn="l" defTabSz="932742" rtl="0" eaLnBrk="1" fontAlgn="auto" latinLnBrk="0" hangingPunct="1">
-              <a:lnSpc>
-                <a:spcPts val="1800"/>
-              </a:lnSpc>
-              <a:spcBef>
-                <a:spcPts val="0"/>
-              </a:spcBef>
-              <a:spcAft>
-                <a:spcPts val="0"/>
-              </a:spcAft>
-              <a:buClrTx/>
-              <a:buSzPct val="90000"/>
-              <a:buFont typeface="Wingdings" panose="05000000000000000000" pitchFamily="2" charset="2"/>
-              <a:buNone/>
-              <a:tabLst/>
-              <a:defRPr sz="1400" kern="1200" spc="0" baseline="0">
-                <a:solidFill>
-                  <a:schemeClr val="tx1"/>
-                </a:solidFill>
-                <a:latin typeface="+mn-lt"/>
-                <a:ea typeface="+mn-ea"/>
-                <a:cs typeface="+mn-cs"/>
-              </a:defRPr>
-            </a:lvl2pPr>
-            <a:lvl3pPr marL="457200" marR="0" indent="0" algn="l" defTabSz="932742" rtl="0" eaLnBrk="1" fontAlgn="auto" latinLnBrk="0" hangingPunct="1">
-              <a:lnSpc>
-                <a:spcPct val="90000"/>
-              </a:lnSpc>
-              <a:spcBef>
-                <a:spcPct val="20000"/>
-              </a:spcBef>
-              <a:spcAft>
-                <a:spcPts val="0"/>
-              </a:spcAft>
-              <a:buClrTx/>
-              <a:buSzPct val="90000"/>
-              <a:buFont typeface="Wingdings" panose="05000000000000000000" pitchFamily="2" charset="2"/>
-              <a:buNone/>
-              <a:tabLst/>
-              <a:defRPr sz="2400" kern="1200" spc="0" baseline="0">
-                <a:gradFill>
-                  <a:gsLst>
-                    <a:gs pos="1250">
-                      <a:schemeClr val="tx1"/>
-                    </a:gs>
-                    <a:gs pos="100000">
-                      <a:schemeClr val="tx1"/>
-                    </a:gs>
-                  </a:gsLst>
-                  <a:lin ang="5400000" scaled="0"/>
-                </a:gradFill>
-                <a:latin typeface="+mn-lt"/>
-                <a:ea typeface="+mn-ea"/>
-                <a:cs typeface="+mn-cs"/>
-              </a:defRPr>
-            </a:lvl3pPr>
-            <a:lvl4pPr marL="685800" marR="0" indent="0" algn="l" defTabSz="932742" rtl="0" eaLnBrk="1" fontAlgn="auto" latinLnBrk="0" hangingPunct="1">
-              <a:lnSpc>
-                <a:spcPct val="90000"/>
-              </a:lnSpc>
-              <a:spcBef>
-                <a:spcPct val="20000"/>
-              </a:spcBef>
-              <a:spcAft>
-                <a:spcPts val="0"/>
-              </a:spcAft>
-              <a:buClrTx/>
-              <a:buSzPct val="90000"/>
-              <a:buFont typeface="Wingdings" panose="05000000000000000000" pitchFamily="2" charset="2"/>
-              <a:buNone/>
-              <a:tabLst/>
-              <a:defRPr sz="2200" kern="1200" spc="0" baseline="0">
-                <a:gradFill>
-                  <a:gsLst>
-                    <a:gs pos="1250">
-                      <a:schemeClr val="tx1"/>
-                    </a:gs>
-                    <a:gs pos="100000">
-                      <a:schemeClr val="tx1"/>
-                    </a:gs>
-                  </a:gsLst>
-                  <a:lin ang="5400000" scaled="0"/>
-                </a:gradFill>
-                <a:latin typeface="+mn-lt"/>
-                <a:ea typeface="+mn-ea"/>
-                <a:cs typeface="+mn-cs"/>
-              </a:defRPr>
-            </a:lvl4pPr>
-            <a:lvl5pPr marL="914400" marR="0" indent="0" algn="l" defTabSz="932742" rtl="0" eaLnBrk="1" fontAlgn="auto" latinLnBrk="0" hangingPunct="1">
-              <a:lnSpc>
-                <a:spcPct val="90000"/>
-              </a:lnSpc>
-              <a:spcBef>
-                <a:spcPct val="20000"/>
-              </a:spcBef>
-              <a:spcAft>
-                <a:spcPts val="0"/>
-              </a:spcAft>
-              <a:buClrTx/>
-              <a:buSzPct val="90000"/>
-              <a:buFont typeface="Wingdings" panose="05000000000000000000" pitchFamily="2" charset="2"/>
-              <a:buNone/>
-              <a:tabLst/>
-              <a:defRPr sz="2200" kern="1200" spc="0" baseline="0">
-                <a:gradFill>
-                  <a:gsLst>
-                    <a:gs pos="1250">
-                      <a:schemeClr val="tx1"/>
-                    </a:gs>
-                    <a:gs pos="100000">
-                      <a:schemeClr val="tx1"/>
-                    </a:gs>
-                  </a:gsLst>
-                  <a:lin ang="5400000" scaled="0"/>
-                </a:gradFill>
-                <a:latin typeface="+mn-lt"/>
-                <a:ea typeface="+mn-ea"/>
-                <a:cs typeface="+mn-cs"/>
-              </a:defRPr>
-            </a:lvl5pPr>
-            <a:lvl6pPr marL="2565040" indent="-233186" algn="l" defTabSz="932742" rtl="0" eaLnBrk="1" latinLnBrk="0" hangingPunct="1">
-              <a:spcBef>
-                <a:spcPct val="20000"/>
-              </a:spcBef>
-              <a:buFont typeface="Arial" pitchFamily="34" charset="0"/>
-              <a:buChar char="•"/>
-              <a:defRPr sz="2000" kern="1200">
-                <a:solidFill>
-                  <a:schemeClr val="tx1"/>
-                </a:solidFill>
-                <a:latin typeface="+mn-lt"/>
-                <a:ea typeface="+mn-ea"/>
-                <a:cs typeface="+mn-cs"/>
-              </a:defRPr>
-            </a:lvl6pPr>
-            <a:lvl7pPr marL="3031412" indent="-233186" algn="l" defTabSz="932742" rtl="0" eaLnBrk="1" latinLnBrk="0" hangingPunct="1">
-              <a:spcBef>
-                <a:spcPct val="20000"/>
-              </a:spcBef>
-              <a:buFont typeface="Arial" pitchFamily="34" charset="0"/>
-              <a:buChar char="•"/>
-              <a:defRPr sz="2000" kern="1200">
-                <a:solidFill>
-                  <a:schemeClr val="tx1"/>
-                </a:solidFill>
-                <a:latin typeface="+mn-lt"/>
-                <a:ea typeface="+mn-ea"/>
-                <a:cs typeface="+mn-cs"/>
-              </a:defRPr>
-            </a:lvl7pPr>
-            <a:lvl8pPr marL="3497783" indent="-233186" algn="l" defTabSz="932742" rtl="0" eaLnBrk="1" latinLnBrk="0" hangingPunct="1">
-              <a:spcBef>
-                <a:spcPct val="20000"/>
-              </a:spcBef>
-              <a:buFont typeface="Arial" pitchFamily="34" charset="0"/>
-              <a:buChar char="•"/>
-              <a:defRPr sz="2000" kern="1200">
-                <a:solidFill>
-                  <a:schemeClr val="tx1"/>
-                </a:solidFill>
-                <a:latin typeface="+mn-lt"/>
-                <a:ea typeface="+mn-ea"/>
-                <a:cs typeface="+mn-cs"/>
-              </a:defRPr>
-            </a:lvl8pPr>
-            <a:lvl9pPr marL="3964155" indent="-233186" algn="l" defTabSz="932742" rtl="0" eaLnBrk="1" latinLnBrk="0" hangingPunct="1">
-              <a:spcBef>
-                <a:spcPct val="20000"/>
-              </a:spcBef>
-              <a:buFont typeface="Arial" pitchFamily="34" charset="0"/>
-              <a:buChar char="•"/>
-              <a:defRPr sz="2000" kern="1200">
-                <a:solidFill>
-                  <a:schemeClr val="tx1"/>
-                </a:solidFill>
-                <a:latin typeface="+mn-lt"/>
-                <a:ea typeface="+mn-ea"/>
-                <a:cs typeface="+mn-cs"/>
-              </a:defRPr>
-            </a:lvl9pPr>
-          </a:lstStyle>
-          <a:p>
-            <a:pPr lvl="0">
-              <a:lnSpc>
-                <a:spcPct val="90000"/>
-              </a:lnSpc>
-              <a:spcBef>
-                <a:spcPts val="1800"/>
-              </a:spcBef>
-            </a:pPr>
-            <a:r>
-              <a:rPr lang="en-US" sz="1600" b="0" dirty="0">
-                <a:solidFill>
-                  <a:srgbClr val="2F2F2F"/>
-                </a:solidFill>
-                <a:latin typeface="Segoe UI Semibold"/>
-              </a:rPr>
-              <a:t>Overview</a:t>
-            </a:r>
-          </a:p>
-          <a:p>
-            <a:pPr lvl="0">
-              <a:lnSpc>
-                <a:spcPct val="90000"/>
-              </a:lnSpc>
-              <a:spcBef>
-                <a:spcPts val="1800"/>
-              </a:spcBef>
-            </a:pPr>
-            <a:r>
-              <a:rPr lang="en-US" sz="1600" b="0" dirty="0">
-                <a:solidFill>
-                  <a:srgbClr val="2F2F2F"/>
-                </a:solidFill>
-                <a:latin typeface="Segoe UI Semibold"/>
-              </a:rPr>
-              <a:t>Debugging &amp; Testing</a:t>
-            </a:r>
-          </a:p>
-          <a:p>
-            <a:pPr lvl="0">
-              <a:lnSpc>
-                <a:spcPct val="90000"/>
-              </a:lnSpc>
-              <a:spcBef>
-                <a:spcPts val="1800"/>
-              </a:spcBef>
-            </a:pPr>
-            <a:r>
-              <a:rPr lang="en-US" sz="1600" b="0" dirty="0">
-                <a:solidFill>
-                  <a:srgbClr val="2F2F2F"/>
-                </a:solidFill>
-                <a:latin typeface="Segoe UI Semibold"/>
-              </a:rPr>
-              <a:t>Deploying</a:t>
-            </a:r>
-          </a:p>
-        </p:txBody>
-      </p:sp>
-    </p:spTree>
-    <p:extLst>
-      <p:ext uri="{BB962C8B-B14F-4D97-AF65-F5344CB8AC3E}">
-        <p14:creationId xmlns:p14="http://schemas.microsoft.com/office/powerpoint/2010/main" val="2897804118"/>
-      </p:ext>
-    </p:extLst>
-  </p:cSld>
-  <p:clrMapOvr>
-    <a:masterClrMapping/>
-  </p:clrMapOvr>
-  <p:transition>
-    <p:fade/>
-  </p:transition>
-</p:sld>
-</file>
-
-<file path=ppt/slides/slide12.xml><?xml version="1.0" encoding="utf-8"?>
-<p:sld xmlns:a="http://schemas.openxmlformats.org/drawingml/2006/main" xmlns:r="http://schemas.openxmlformats.org/officeDocument/2006/relationships" xmlns:p="http://schemas.openxmlformats.org/presentationml/2006/main">
-  <p:cSld>
-    <p:spTree>
-      <p:nvGrpSpPr>
-        <p:cNvPr id="1" name=""/>
-        <p:cNvGrpSpPr/>
-        <p:nvPr/>
-      </p:nvGrpSpPr>
-      <p:grpSpPr>
-        <a:xfrm>
-          <a:off x="0" y="0"/>
-          <a:ext cx="0" cy="0"/>
-          <a:chOff x="0" y="0"/>
-          <a:chExt cx="0" cy="0"/>
-        </a:xfrm>
-      </p:grpSpPr>
-      <p:sp>
-        <p:nvSpPr>
           <p:cNvPr id="4" name="Rectangle 3">
             <a:extLst>
               <a:ext uri="{FF2B5EF4-FFF2-40B4-BE49-F238E27FC236}">
@@ -15731,7 +16238,7 @@
 </p:sld>
 </file>
 
-<file path=ppt/slides/slide13.xml><?xml version="1.0" encoding="utf-8"?>
+<file path=ppt/slides/slide11.xml><?xml version="1.0" encoding="utf-8"?>
 <p:sld xmlns:a="http://schemas.openxmlformats.org/drawingml/2006/main" xmlns:r="http://schemas.openxmlformats.org/officeDocument/2006/relationships" xmlns:p="http://schemas.openxmlformats.org/presentationml/2006/main">
   <p:cSld>
     <p:spTree>
@@ -15795,7 +16302,7 @@
 </p:sld>
 </file>
 
-<file path=ppt/slides/slide14.xml><?xml version="1.0" encoding="utf-8"?>
+<file path=ppt/slides/slide12.xml><?xml version="1.0" encoding="utf-8"?>
 <p:sld xmlns:a="http://schemas.openxmlformats.org/drawingml/2006/main" xmlns:r="http://schemas.openxmlformats.org/officeDocument/2006/relationships" xmlns:p="http://schemas.openxmlformats.org/presentationml/2006/main">
   <p:cSld>
     <p:spTree>
@@ -16242,7 +16749,7 @@
           <p:nvPr/>
         </p:nvPicPr>
         <p:blipFill>
-          <a:blip r:embed="rId2">
+          <a:blip r:embed="rId3">
             <a:extLst>
               <a:ext uri="{28A0092B-C50C-407E-A947-70E740481C1C}">
                 <a14:useLocalDpi xmlns:a14="http://schemas.microsoft.com/office/drawing/2010/main" val="0"/>
@@ -17121,110 +17628,7 @@
       </p:grpSpPr>
       <p:sp>
         <p:nvSpPr>
-          <p:cNvPr id="2" name="Text Placeholder 1">
-            <a:extLst>
-              <a:ext uri="{FF2B5EF4-FFF2-40B4-BE49-F238E27FC236}">
-                <a16:creationId xmlns:a16="http://schemas.microsoft.com/office/drawing/2014/main" id="{B8D436EE-1FA6-DF48-9B7F-2AA8BD2DD4CC}"/>
-              </a:ext>
-            </a:extLst>
-          </p:cNvPr>
-          <p:cNvSpPr>
-            <a:spLocks noGrp="1"/>
-          </p:cNvSpPr>
-          <p:nvPr>
-            <p:ph type="body" sz="quarter" idx="10"/>
-          </p:nvPr>
-        </p:nvSpPr>
-        <p:spPr>
-          <a:xfrm>
-            <a:off x="274638" y="1212850"/>
-            <a:ext cx="11887200" cy="3564053"/>
-          </a:xfrm>
-        </p:spPr>
-        <p:txBody>
-          <a:bodyPr/>
-          <a:lstStyle/>
-          <a:p>
-            <a:r>
-              <a:rPr lang="en-US" dirty="0"/>
-              <a:t>Automatically deploy extension to all sites in a SharePoint Online tenant</a:t>
-            </a:r>
-          </a:p>
-          <a:p>
-            <a:pPr lvl="1"/>
-            <a:r>
-              <a:rPr lang="en-US" dirty="0"/>
-              <a:t>Bypasses need for installation in each site collection</a:t>
-            </a:r>
-          </a:p>
-          <a:p>
-            <a:endParaRPr lang="en-US" dirty="0"/>
-          </a:p>
-          <a:p>
-            <a:r>
-              <a:rPr lang="en-US" dirty="0"/>
-              <a:t>Make available for specific web or list templates</a:t>
-            </a:r>
-          </a:p>
-          <a:p>
-            <a:endParaRPr lang="en-US" dirty="0"/>
-          </a:p>
-          <a:p>
-            <a:r>
-              <a:rPr lang="en-US" dirty="0"/>
-              <a:t>Specify public properties on extension across all sites</a:t>
-            </a:r>
-          </a:p>
-          <a:p>
-            <a:endParaRPr lang="en-US" dirty="0"/>
-          </a:p>
-          <a:p>
-            <a:r>
-              <a:rPr lang="en-US" dirty="0"/>
-              <a:t>Default experience by presence of</a:t>
-            </a:r>
-            <a:r>
-              <a:rPr lang="en-US" dirty="0">
-                <a:latin typeface="Courier New" panose="02070309020205020404" pitchFamily="49" charset="0"/>
-                <a:cs typeface="Courier New" panose="02070309020205020404" pitchFamily="49" charset="0"/>
-              </a:rPr>
-              <a:t> </a:t>
-            </a:r>
-            <a:r>
-              <a:rPr lang="en-US" dirty="0" err="1">
-                <a:latin typeface="Courier New" panose="02070309020205020404" pitchFamily="49" charset="0"/>
-                <a:cs typeface="Courier New" panose="02070309020205020404" pitchFamily="49" charset="0"/>
-              </a:rPr>
-              <a:t>ClientSideInstances.xml</a:t>
-            </a:r>
-            <a:r>
-              <a:rPr lang="en-US" dirty="0"/>
-              <a:t> in *.</a:t>
-            </a:r>
-            <a:r>
-              <a:rPr lang="en-US" dirty="0" err="1"/>
-              <a:t>sppkg</a:t>
-            </a:r>
-            <a:endParaRPr lang="en-US" dirty="0"/>
-          </a:p>
-          <a:p>
-            <a:pPr lvl="1"/>
-            <a:r>
-              <a:rPr lang="en-US" i="1" dirty="0"/>
-              <a:t>Delete this file if tenant wide deployment not desired</a:t>
-            </a:r>
-          </a:p>
-        </p:txBody>
-      </p:sp>
-      <p:sp>
-        <p:nvSpPr>
-          <p:cNvPr id="3" name="Title 2">
-            <a:extLst>
-              <a:ext uri="{FF2B5EF4-FFF2-40B4-BE49-F238E27FC236}">
-                <a16:creationId xmlns:a16="http://schemas.microsoft.com/office/drawing/2014/main" id="{9FD8D0F7-929A-EB47-8E8D-C24EC1E647C1}"/>
-              </a:ext>
-            </a:extLst>
-          </p:cNvPr>
+          <p:cNvPr id="2" name="Title 1"/>
           <p:cNvSpPr>
             <a:spLocks noGrp="1"/>
           </p:cNvSpPr>
@@ -17239,15 +17643,23 @@
           <a:p>
             <a:r>
               <a:rPr lang="en-US" dirty="0"/>
-              <a:t>Tenant Wide Deployment</a:t>
-            </a:r>
+              <a:t>Demo</a:t>
+            </a:r>
+            <a:br>
+              <a:rPr lang="en-US" dirty="0"/>
+            </a:br>
+            <a:r>
+              <a:rPr lang="en-US" sz="2400" dirty="0"/>
+              <a:t>Creating SharePoint Framework List View Command Sets</a:t>
+            </a:r>
+            <a:endParaRPr lang="en-US" dirty="0"/>
           </a:p>
         </p:txBody>
       </p:sp>
     </p:spTree>
     <p:extLst>
       <p:ext uri="{BB962C8B-B14F-4D97-AF65-F5344CB8AC3E}">
-        <p14:creationId xmlns:p14="http://schemas.microsoft.com/office/powerpoint/2010/main" val="3754429982"/>
+        <p14:creationId xmlns:p14="http://schemas.microsoft.com/office/powerpoint/2010/main" val="136376238"/>
       </p:ext>
     </p:extLst>
   </p:cSld>
@@ -17277,40 +17689,145 @@
           <a:chExt cx="0" cy="0"/>
         </a:xfrm>
       </p:grpSpPr>
-      <p:sp>
-        <p:nvSpPr>
-          <p:cNvPr id="2" name="Text Placeholder 1">
+      <p:pic>
+        <p:nvPicPr>
+          <p:cNvPr id="5" name="Picture 4" descr="A group of people sitting at a table&#10;&#10;Description generated with high confidence">
             <a:extLst>
               <a:ext uri="{FF2B5EF4-FFF2-40B4-BE49-F238E27FC236}">
-                <a16:creationId xmlns:a16="http://schemas.microsoft.com/office/drawing/2014/main" id="{9861E096-3EF0-714E-BBCD-18CDC1EBCCE0}"/>
+                <a16:creationId xmlns:a16="http://schemas.microsoft.com/office/drawing/2014/main" id="{D2306968-4303-2646-8585-0AC3A60408F7}"/>
               </a:ext>
             </a:extLst>
           </p:cNvPr>
-          <p:cNvSpPr>
-            <a:spLocks noGrp="1"/>
-          </p:cNvSpPr>
-          <p:nvPr>
-            <p:ph type="body" sz="quarter" idx="10"/>
-          </p:nvPr>
-        </p:nvSpPr>
-        <p:spPr/>
-        <p:txBody>
-          <a:bodyPr/>
-          <a:lstStyle/>
-          <a:p>
-            <a:r>
-              <a:rPr lang="en-US" dirty="0"/>
-              <a:t>Control tenant wide deployments with this app catalog list</a:t>
-            </a:r>
-          </a:p>
-        </p:txBody>
-      </p:sp>
-      <p:sp>
-        <p:nvSpPr>
-          <p:cNvPr id="3" name="Title 2">
+          <p:cNvPicPr>
+            <a:picLocks noChangeAspect="1"/>
+          </p:cNvPicPr>
+          <p:nvPr/>
+        </p:nvPicPr>
+        <p:blipFill rotWithShape="1">
+          <a:blip r:embed="rId2" cstate="screen">
+            <a:extLst>
+              <a:ext uri="{28A0092B-C50C-407E-A947-70E740481C1C}">
+                <a14:useLocalDpi xmlns:a14="http://schemas.microsoft.com/office/drawing/2010/main"/>
+              </a:ext>
+            </a:extLst>
+          </a:blip>
+          <a:srcRect l="-2"/>
+          <a:stretch/>
+        </p:blipFill>
+        <p:spPr>
+          <a:xfrm flipH="1">
+            <a:off x="1943100" y="0"/>
+            <a:ext cx="10493376" cy="6994525"/>
+          </a:xfrm>
+          <a:prstGeom prst="rect">
+            <a:avLst/>
+          </a:prstGeom>
+        </p:spPr>
+      </p:pic>
+      <p:sp>
+        <p:nvSpPr>
+          <p:cNvPr id="6" name="Rectangle 5">
             <a:extLst>
               <a:ext uri="{FF2B5EF4-FFF2-40B4-BE49-F238E27FC236}">
-                <a16:creationId xmlns:a16="http://schemas.microsoft.com/office/drawing/2014/main" id="{6726E8B2-C229-4F45-B3C4-BBFC62A050C3}"/>
+                <a16:creationId xmlns:a16="http://schemas.microsoft.com/office/drawing/2014/main" id="{983A2655-A41F-244A-9475-FD805B4A5770}"/>
+              </a:ext>
+            </a:extLst>
+          </p:cNvPr>
+          <p:cNvSpPr/>
+          <p:nvPr/>
+        </p:nvSpPr>
+        <p:spPr bwMode="auto">
+          <a:xfrm>
+            <a:off x="0" y="0"/>
+            <a:ext cx="10048876" cy="6994525"/>
+          </a:xfrm>
+          <a:prstGeom prst="rect">
+            <a:avLst/>
+          </a:prstGeom>
+          <a:gradFill flip="none" rotWithShape="1">
+            <a:gsLst>
+              <a:gs pos="0">
+                <a:schemeClr val="accent1">
+                  <a:lumMod val="5000"/>
+                  <a:lumOff val="95000"/>
+                  <a:alpha val="0"/>
+                </a:schemeClr>
+              </a:gs>
+              <a:gs pos="59000">
+                <a:schemeClr val="bg1"/>
+              </a:gs>
+              <a:gs pos="100000">
+                <a:schemeClr val="bg1"/>
+              </a:gs>
+            </a:gsLst>
+            <a:lin ang="10800000" scaled="0"/>
+            <a:tileRect/>
+          </a:gradFill>
+          <a:ln>
+            <a:noFill/>
+            <a:headEnd type="none" w="med" len="med"/>
+            <a:tailEnd type="none" w="med" len="med"/>
+          </a:ln>
+          <a:effectLst/>
+        </p:spPr>
+        <p:style>
+          <a:lnRef idx="1">
+            <a:schemeClr val="accent2"/>
+          </a:lnRef>
+          <a:fillRef idx="3">
+            <a:schemeClr val="accent2"/>
+          </a:fillRef>
+          <a:effectRef idx="2">
+            <a:schemeClr val="accent2"/>
+          </a:effectRef>
+          <a:fontRef idx="minor">
+            <a:schemeClr val="lt1"/>
+          </a:fontRef>
+        </p:style>
+        <p:txBody>
+          <a:bodyPr rot="0" spcFirstLastPara="0" vertOverflow="overflow" horzOverflow="overflow" vert="horz" wrap="square" lIns="182880" tIns="146304" rIns="182880" bIns="146304" numCol="1" spcCol="0" rtlCol="0" fromWordArt="0" anchor="t" anchorCtr="0" forceAA="0" compatLnSpc="1">
+            <a:prstTxWarp prst="textNoShape">
+              <a:avLst/>
+            </a:prstTxWarp>
+            <a:noAutofit/>
+          </a:bodyPr>
+          <a:lstStyle/>
+          <a:p>
+            <a:pPr algn="ctr" defTabSz="932472" fontAlgn="base">
+              <a:lnSpc>
+                <a:spcPct val="90000"/>
+              </a:lnSpc>
+              <a:spcBef>
+                <a:spcPct val="0"/>
+              </a:spcBef>
+              <a:spcAft>
+                <a:spcPct val="0"/>
+              </a:spcAft>
+            </a:pPr>
+            <a:endParaRPr lang="en-US" sz="2400" err="1">
+              <a:gradFill>
+                <a:gsLst>
+                  <a:gs pos="0">
+                    <a:srgbClr val="FFFFFF"/>
+                  </a:gs>
+                  <a:gs pos="100000">
+                    <a:srgbClr val="FFFFFF"/>
+                  </a:gs>
+                </a:gsLst>
+                <a:lin ang="5400000" scaled="0"/>
+              </a:gradFill>
+              <a:ea typeface="Segoe UI" pitchFamily="34" charset="0"/>
+              <a:cs typeface="Segoe UI" pitchFamily="34" charset="0"/>
+            </a:endParaRPr>
+          </a:p>
+        </p:txBody>
+      </p:sp>
+      <p:sp>
+        <p:nvSpPr>
+          <p:cNvPr id="4" name="Title 3">
+            <a:extLst>
+              <a:ext uri="{FF2B5EF4-FFF2-40B4-BE49-F238E27FC236}">
+                <a16:creationId xmlns:a16="http://schemas.microsoft.com/office/drawing/2014/main" id="{8047349F-0B8F-4D12-A39C-718C1C57DDFF}"/>
               </a:ext>
             </a:extLst>
           </p:cNvPr>
@@ -17321,602 +17838,319 @@
             <p:ph type="title"/>
           </p:nvPr>
         </p:nvSpPr>
-        <p:spPr/>
+        <p:spPr>
+          <a:xfrm>
+            <a:off x="465138" y="1843063"/>
+            <a:ext cx="11533187" cy="411162"/>
+          </a:xfrm>
+        </p:spPr>
         <p:txBody>
           <a:bodyPr/>
           <a:lstStyle/>
           <a:p>
             <a:r>
               <a:rPr lang="en-US" dirty="0"/>
-              <a:t>List: Tenant Wide Extensions</a:t>
+              <a:t>Summary</a:t>
             </a:r>
           </a:p>
         </p:txBody>
       </p:sp>
-      <p:graphicFrame>
-        <p:nvGraphicFramePr>
-          <p:cNvPr id="4" name="Content Placeholder 3">
+      <p:sp>
+        <p:nvSpPr>
+          <p:cNvPr id="10" name="Text Placeholder 6">
             <a:extLst>
               <a:ext uri="{FF2B5EF4-FFF2-40B4-BE49-F238E27FC236}">
-                <a16:creationId xmlns:a16="http://schemas.microsoft.com/office/drawing/2014/main" id="{50464E3E-1298-3246-B8F0-F8A731EB25A6}"/>
+                <a16:creationId xmlns:a16="http://schemas.microsoft.com/office/drawing/2014/main" id="{61D48218-75E0-4C6C-BFA7-A1010BADED35}"/>
               </a:ext>
             </a:extLst>
           </p:cNvPr>
-          <p:cNvGraphicFramePr>
-            <a:graphicFrameLocks/>
-          </p:cNvGraphicFramePr>
-          <p:nvPr>
-            <p:extLst>
-              <p:ext uri="{D42A27DB-BD31-4B8C-83A1-F6EECF244321}">
-                <p14:modId xmlns:p14="http://schemas.microsoft.com/office/powerpoint/2010/main" val="467923779"/>
-              </p:ext>
-            </p:extLst>
-          </p:nvPr>
-        </p:nvGraphicFramePr>
-        <p:xfrm>
-          <a:off x="1110925" y="1814886"/>
-          <a:ext cx="10002369" cy="4990505"/>
-        </p:xfrm>
-        <a:graphic>
-          <a:graphicData uri="http://schemas.openxmlformats.org/drawingml/2006/table">
-            <a:tbl>
-              <a:tblPr firstRow="1" bandRow="1">
-                <a:tableStyleId>{21E4AEA4-8DFA-4A89-87EB-49C32662AFE0}</a:tableStyleId>
-              </a:tblPr>
-              <a:tblGrid>
-                <a:gridCol w="1893120">
-                  <a:extLst>
-                    <a:ext uri="{9D8B030D-6E8A-4147-A177-3AD203B41FA5}">
-                      <a16:colId xmlns:a16="http://schemas.microsoft.com/office/drawing/2014/main" val="1760796699"/>
-                    </a:ext>
-                  </a:extLst>
-                </a:gridCol>
-                <a:gridCol w="1409252">
-                  <a:extLst>
-                    <a:ext uri="{9D8B030D-6E8A-4147-A177-3AD203B41FA5}">
-                      <a16:colId xmlns:a16="http://schemas.microsoft.com/office/drawing/2014/main" val="1305644161"/>
-                    </a:ext>
-                  </a:extLst>
-                </a:gridCol>
-                <a:gridCol w="6699997">
-                  <a:extLst>
-                    <a:ext uri="{9D8B030D-6E8A-4147-A177-3AD203B41FA5}">
-                      <a16:colId xmlns:a16="http://schemas.microsoft.com/office/drawing/2014/main" val="338486701"/>
-                    </a:ext>
-                  </a:extLst>
-                </a:gridCol>
-              </a:tblGrid>
-              <a:tr h="301451">
-                <a:tc>
-                  <a:txBody>
-                    <a:bodyPr/>
-                    <a:lstStyle/>
-                    <a:p>
-                      <a:pPr algn="r"/>
-                      <a:r>
-                        <a:rPr lang="en-US" dirty="0"/>
-                        <a:t>Column</a:t>
-                      </a:r>
-                    </a:p>
-                  </a:txBody>
-                  <a:tcPr/>
-                </a:tc>
-                <a:tc>
-                  <a:txBody>
-                    <a:bodyPr/>
-                    <a:lstStyle/>
-                    <a:p>
-                      <a:pPr algn="ctr"/>
-                      <a:r>
-                        <a:rPr lang="en-US" dirty="0"/>
-                        <a:t>Type</a:t>
-                      </a:r>
-                    </a:p>
-                  </a:txBody>
-                  <a:tcPr/>
-                </a:tc>
-                <a:tc>
-                  <a:txBody>
-                    <a:bodyPr/>
-                    <a:lstStyle/>
-                    <a:p>
-                      <a:r>
-                        <a:rPr lang="en-US" dirty="0"/>
-                        <a:t>Description</a:t>
-                      </a:r>
-                    </a:p>
-                  </a:txBody>
-                  <a:tcPr/>
-                </a:tc>
-                <a:extLst>
-                  <a:ext uri="{0D108BD9-81ED-4DB2-BD59-A6C34878D82A}">
-                    <a16:rowId xmlns:a16="http://schemas.microsoft.com/office/drawing/2014/main" val="119126339"/>
-                  </a:ext>
-                </a:extLst>
-              </a:tr>
-              <a:tr h="743304">
-                <a:tc>
-                  <a:txBody>
-                    <a:bodyPr/>
-                    <a:lstStyle/>
-                    <a:p>
-                      <a:pPr algn="r"/>
-                      <a:r>
-                        <a:rPr lang="en-US" dirty="0"/>
-                        <a:t>Title</a:t>
-                      </a:r>
-                    </a:p>
-                  </a:txBody>
-                  <a:tcPr/>
-                </a:tc>
-                <a:tc>
-                  <a:txBody>
-                    <a:bodyPr/>
-                    <a:lstStyle/>
-                    <a:p>
-                      <a:pPr algn="ctr"/>
-                      <a:r>
-                        <a:rPr lang="en-US" dirty="0"/>
-                        <a:t>string</a:t>
-                      </a:r>
-                    </a:p>
-                  </a:txBody>
-                  <a:tcPr/>
-                </a:tc>
-                <a:tc>
-                  <a:txBody>
-                    <a:bodyPr/>
-                    <a:lstStyle/>
-                    <a:p>
-                      <a:r>
-                        <a:rPr lang="en-US" sz="1800" b="0" i="0" kern="1200" dirty="0">
-                          <a:solidFill>
-                            <a:schemeClr val="dk1"/>
-                          </a:solidFill>
-                          <a:effectLst/>
-                          <a:latin typeface="+mn-lt"/>
-                          <a:ea typeface="+mn-ea"/>
-                          <a:cs typeface="+mn-cs"/>
-                        </a:rPr>
-                        <a:t>Title of the entry. Can be descriptive entry for the registration. Doesn’t have to match anything, just for your reference</a:t>
-                      </a:r>
-                      <a:endParaRPr lang="en-US" dirty="0"/>
-                    </a:p>
-                  </a:txBody>
-                  <a:tcPr/>
-                </a:tc>
-                <a:extLst>
-                  <a:ext uri="{0D108BD9-81ED-4DB2-BD59-A6C34878D82A}">
-                    <a16:rowId xmlns:a16="http://schemas.microsoft.com/office/drawing/2014/main" val="4225427437"/>
-                  </a:ext>
-                </a:extLst>
-              </a:tr>
-              <a:tr h="743304">
-                <a:tc>
-                  <a:txBody>
-                    <a:bodyPr/>
-                    <a:lstStyle/>
-                    <a:p>
-                      <a:pPr algn="r"/>
-                      <a:r>
-                        <a:rPr lang="en-US" dirty="0"/>
-                        <a:t>Component ID</a:t>
-                      </a:r>
-                    </a:p>
-                  </a:txBody>
-                  <a:tcPr/>
-                </a:tc>
-                <a:tc>
-                  <a:txBody>
-                    <a:bodyPr/>
-                    <a:lstStyle/>
-                    <a:p>
-                      <a:pPr algn="ctr"/>
-                      <a:r>
-                        <a:rPr lang="en-US" dirty="0"/>
-                        <a:t>GUID</a:t>
-                      </a:r>
-                    </a:p>
-                  </a:txBody>
-                  <a:tcPr/>
-                </a:tc>
-                <a:tc>
-                  <a:txBody>
-                    <a:bodyPr/>
-                    <a:lstStyle/>
-                    <a:p>
-                      <a:r>
-                        <a:rPr lang="en-US" sz="1800" b="0" i="0" kern="1200" dirty="0">
-                          <a:solidFill>
-                            <a:schemeClr val="dk1"/>
-                          </a:solidFill>
-                          <a:effectLst/>
-                          <a:latin typeface="+mn-lt"/>
-                          <a:ea typeface="+mn-ea"/>
-                          <a:cs typeface="+mn-cs"/>
-                        </a:rPr>
-                        <a:t>Manifest ID of the component. Has to be in GUID format and component must exists in the app catalog.</a:t>
-                      </a:r>
-                      <a:endParaRPr lang="en-US" dirty="0"/>
-                    </a:p>
-                  </a:txBody>
-                  <a:tcPr/>
-                </a:tc>
-                <a:extLst>
-                  <a:ext uri="{0D108BD9-81ED-4DB2-BD59-A6C34878D82A}">
-                    <a16:rowId xmlns:a16="http://schemas.microsoft.com/office/drawing/2014/main" val="2400341424"/>
-                  </a:ext>
-                </a:extLst>
-              </a:tr>
-              <a:tr h="301451">
-                <a:tc>
-                  <a:txBody>
-                    <a:bodyPr/>
-                    <a:lstStyle/>
-                    <a:p>
-                      <a:pPr algn="r"/>
-                      <a:r>
-                        <a:rPr lang="en-US" dirty="0"/>
-                        <a:t>Component Properties</a:t>
-                      </a:r>
-                    </a:p>
-                  </a:txBody>
-                  <a:tcPr/>
-                </a:tc>
-                <a:tc>
-                  <a:txBody>
-                    <a:bodyPr/>
-                    <a:lstStyle/>
-                    <a:p>
-                      <a:pPr algn="ctr"/>
-                      <a:r>
-                        <a:rPr lang="en-US" dirty="0"/>
-                        <a:t>string</a:t>
-                      </a:r>
-                    </a:p>
-                  </a:txBody>
-                  <a:tcPr/>
-                </a:tc>
-                <a:tc>
-                  <a:txBody>
-                    <a:bodyPr/>
-                    <a:lstStyle/>
-                    <a:p>
-                      <a:r>
-                        <a:rPr lang="en-US" sz="1800" b="0" i="0" kern="1200" dirty="0">
-                          <a:solidFill>
-                            <a:schemeClr val="dk1"/>
-                          </a:solidFill>
-                          <a:effectLst/>
-                          <a:latin typeface="+mn-lt"/>
-                          <a:ea typeface="+mn-ea"/>
-                          <a:cs typeface="+mn-cs"/>
-                        </a:rPr>
-                        <a:t>Optional component properties.</a:t>
-                      </a:r>
-                      <a:endParaRPr lang="en-US" dirty="0"/>
-                    </a:p>
-                  </a:txBody>
-                  <a:tcPr/>
-                </a:tc>
-                <a:extLst>
-                  <a:ext uri="{0D108BD9-81ED-4DB2-BD59-A6C34878D82A}">
-                    <a16:rowId xmlns:a16="http://schemas.microsoft.com/office/drawing/2014/main" val="1229882426"/>
-                  </a:ext>
-                </a:extLst>
-              </a:tr>
-              <a:tr h="520313">
-                <a:tc>
-                  <a:txBody>
-                    <a:bodyPr/>
-                    <a:lstStyle/>
-                    <a:p>
-                      <a:pPr algn="r"/>
-                      <a:r>
-                        <a:rPr lang="en-US" dirty="0"/>
-                        <a:t>Web Template</a:t>
-                      </a:r>
-                    </a:p>
-                  </a:txBody>
-                  <a:tcPr/>
-                </a:tc>
-                <a:tc>
-                  <a:txBody>
-                    <a:bodyPr/>
-                    <a:lstStyle/>
-                    <a:p>
-                      <a:pPr marL="0" marR="0" lvl="0" indent="0" algn="ctr" defTabSz="914400" rtl="0" eaLnBrk="1" fontAlgn="auto" latinLnBrk="0" hangingPunct="1">
-                        <a:lnSpc>
-                          <a:spcPct val="100000"/>
-                        </a:lnSpc>
-                        <a:spcBef>
-                          <a:spcPts val="0"/>
-                        </a:spcBef>
-                        <a:spcAft>
-                          <a:spcPts val="0"/>
-                        </a:spcAft>
-                        <a:buClrTx/>
-                        <a:buSzTx/>
-                        <a:buFontTx/>
-                        <a:buNone/>
-                        <a:tabLst/>
-                        <a:defRPr/>
-                      </a:pPr>
-                      <a:r>
-                        <a:rPr lang="en-US" dirty="0"/>
-                        <a:t>string</a:t>
-                      </a:r>
-                    </a:p>
-                  </a:txBody>
-                  <a:tcPr/>
-                </a:tc>
-                <a:tc>
-                  <a:txBody>
-                    <a:bodyPr/>
-                    <a:lstStyle/>
-                    <a:p>
-                      <a:r>
-                        <a:rPr lang="en-US" sz="1800" b="0" i="0" kern="1200" dirty="0">
-                          <a:solidFill>
-                            <a:schemeClr val="dk1"/>
-                          </a:solidFill>
-                          <a:effectLst/>
-                          <a:latin typeface="+mn-lt"/>
-                          <a:ea typeface="+mn-ea"/>
-                          <a:cs typeface="+mn-cs"/>
-                        </a:rPr>
-                        <a:t>Can be used to target extension only to specific web template. </a:t>
-                      </a:r>
-                      <a:endParaRPr lang="en-US" dirty="0"/>
-                    </a:p>
-                  </a:txBody>
-                  <a:tcPr/>
-                </a:tc>
-                <a:extLst>
-                  <a:ext uri="{0D108BD9-81ED-4DB2-BD59-A6C34878D82A}">
-                    <a16:rowId xmlns:a16="http://schemas.microsoft.com/office/drawing/2014/main" val="36922650"/>
-                  </a:ext>
-                </a:extLst>
-              </a:tr>
-              <a:tr h="301451">
-                <a:tc>
-                  <a:txBody>
-                    <a:bodyPr/>
-                    <a:lstStyle/>
-                    <a:p>
-                      <a:pPr algn="r"/>
-                      <a:r>
-                        <a:rPr lang="en-US" dirty="0"/>
-                        <a:t>List Template</a:t>
-                      </a:r>
-                    </a:p>
-                  </a:txBody>
-                  <a:tcPr/>
-                </a:tc>
-                <a:tc>
-                  <a:txBody>
-                    <a:bodyPr/>
-                    <a:lstStyle/>
-                    <a:p>
-                      <a:pPr algn="ctr"/>
-                      <a:r>
-                        <a:rPr lang="en-US" dirty="0" err="1"/>
-                        <a:t>int</a:t>
-                      </a:r>
-                      <a:endParaRPr lang="en-US" dirty="0"/>
-                    </a:p>
-                  </a:txBody>
-                  <a:tcPr/>
-                </a:tc>
-                <a:tc>
-                  <a:txBody>
-                    <a:bodyPr/>
-                    <a:lstStyle/>
-                    <a:p>
-                      <a:r>
-                        <a:rPr lang="en-US" sz="1800" b="0" i="0" kern="1200" dirty="0">
-                          <a:solidFill>
-                            <a:schemeClr val="dk1"/>
-                          </a:solidFill>
-                          <a:effectLst/>
-                          <a:latin typeface="+mn-lt"/>
-                          <a:ea typeface="+mn-ea"/>
-                          <a:cs typeface="+mn-cs"/>
-                        </a:rPr>
-                        <a:t>List type as a number. </a:t>
-                      </a:r>
-                      <a:endParaRPr lang="en-US" dirty="0"/>
-                    </a:p>
-                  </a:txBody>
-                  <a:tcPr/>
-                </a:tc>
-                <a:extLst>
-                  <a:ext uri="{0D108BD9-81ED-4DB2-BD59-A6C34878D82A}">
-                    <a16:rowId xmlns:a16="http://schemas.microsoft.com/office/drawing/2014/main" val="4247618762"/>
-                  </a:ext>
-                </a:extLst>
-              </a:tr>
-              <a:tr h="743304">
-                <a:tc>
-                  <a:txBody>
-                    <a:bodyPr/>
-                    <a:lstStyle/>
-                    <a:p>
-                      <a:pPr algn="r"/>
-                      <a:r>
-                        <a:rPr lang="en-US" dirty="0"/>
-                        <a:t>Location</a:t>
-                      </a:r>
-                    </a:p>
-                  </a:txBody>
-                  <a:tcPr/>
-                </a:tc>
-                <a:tc>
-                  <a:txBody>
-                    <a:bodyPr/>
-                    <a:lstStyle/>
-                    <a:p>
-                      <a:pPr marL="0" marR="0" lvl="0" indent="0" algn="ctr" defTabSz="914400" rtl="0" eaLnBrk="1" fontAlgn="auto" latinLnBrk="0" hangingPunct="1">
-                        <a:lnSpc>
-                          <a:spcPct val="100000"/>
-                        </a:lnSpc>
-                        <a:spcBef>
-                          <a:spcPts val="0"/>
-                        </a:spcBef>
-                        <a:spcAft>
-                          <a:spcPts val="0"/>
-                        </a:spcAft>
-                        <a:buClrTx/>
-                        <a:buSzTx/>
-                        <a:buFontTx/>
-                        <a:buNone/>
-                        <a:tabLst/>
-                        <a:defRPr/>
-                      </a:pPr>
-                      <a:r>
-                        <a:rPr lang="en-US" dirty="0"/>
-                        <a:t>string</a:t>
-                      </a:r>
-                    </a:p>
-                  </a:txBody>
-                  <a:tcPr/>
-                </a:tc>
-                <a:tc>
-                  <a:txBody>
-                    <a:bodyPr/>
-                    <a:lstStyle/>
-                    <a:p>
-                      <a:r>
-                        <a:rPr lang="en-US" sz="1800" b="0" i="0" kern="1200" dirty="0">
-                          <a:solidFill>
-                            <a:schemeClr val="dk1"/>
-                          </a:solidFill>
-                          <a:effectLst/>
-                          <a:latin typeface="+mn-lt"/>
-                          <a:ea typeface="+mn-ea"/>
-                          <a:cs typeface="+mn-cs"/>
-                        </a:rPr>
-                        <a:t>Location of the entry. There are different support locations for application customizers and List View Command Sets.</a:t>
-                      </a:r>
-                      <a:endParaRPr lang="en-US" dirty="0"/>
-                    </a:p>
-                  </a:txBody>
-                  <a:tcPr/>
-                </a:tc>
-                <a:extLst>
-                  <a:ext uri="{0D108BD9-81ED-4DB2-BD59-A6C34878D82A}">
-                    <a16:rowId xmlns:a16="http://schemas.microsoft.com/office/drawing/2014/main" val="2612426550"/>
-                  </a:ext>
-                </a:extLst>
-              </a:tr>
-              <a:tr h="408817">
-                <a:tc>
-                  <a:txBody>
-                    <a:bodyPr/>
-                    <a:lstStyle/>
-                    <a:p>
-                      <a:pPr algn="r"/>
-                      <a:r>
-                        <a:rPr lang="en-US" dirty="0"/>
-                        <a:t>Sequence</a:t>
-                      </a:r>
-                    </a:p>
-                  </a:txBody>
-                  <a:tcPr/>
-                </a:tc>
-                <a:tc>
-                  <a:txBody>
-                    <a:bodyPr/>
-                    <a:lstStyle/>
-                    <a:p>
-                      <a:pPr algn="ctr"/>
-                      <a:r>
-                        <a:rPr lang="en-US" dirty="0" err="1"/>
-                        <a:t>int</a:t>
-                      </a:r>
-                      <a:endParaRPr lang="en-US" dirty="0"/>
-                    </a:p>
-                  </a:txBody>
-                  <a:tcPr/>
-                </a:tc>
-                <a:tc>
-                  <a:txBody>
-                    <a:bodyPr/>
-                    <a:lstStyle/>
-                    <a:p>
-                      <a:pPr fontAlgn="t"/>
-                      <a:r>
-                        <a:rPr lang="en-US" dirty="0">
-                          <a:effectLst/>
-                        </a:rPr>
-                        <a:t>Sequence of the entry in rendering.</a:t>
-                      </a:r>
-                    </a:p>
-                  </a:txBody>
-                  <a:tcPr marL="152400" marR="152400" marT="114300" marB="114300"/>
-                </a:tc>
-                <a:extLst>
-                  <a:ext uri="{0D108BD9-81ED-4DB2-BD59-A6C34878D82A}">
-                    <a16:rowId xmlns:a16="http://schemas.microsoft.com/office/drawing/2014/main" val="462261488"/>
-                  </a:ext>
-                </a:extLst>
-              </a:tr>
-              <a:tr h="301451">
-                <a:tc>
-                  <a:txBody>
-                    <a:bodyPr/>
-                    <a:lstStyle/>
-                    <a:p>
-                      <a:pPr algn="r"/>
-                      <a:r>
-                        <a:rPr lang="en-US" dirty="0"/>
-                        <a:t>Disabled</a:t>
-                      </a:r>
-                    </a:p>
-                  </a:txBody>
-                  <a:tcPr/>
-                </a:tc>
-                <a:tc>
-                  <a:txBody>
-                    <a:bodyPr/>
-                    <a:lstStyle/>
-                    <a:p>
-                      <a:pPr algn="ctr"/>
-                      <a:r>
-                        <a:rPr lang="en-US" dirty="0"/>
-                        <a:t>Boolean</a:t>
-                      </a:r>
-                    </a:p>
-                  </a:txBody>
-                  <a:tcPr/>
-                </a:tc>
-                <a:tc>
-                  <a:txBody>
-                    <a:bodyPr/>
-                    <a:lstStyle/>
-                    <a:p>
-                      <a:r>
-                        <a:rPr lang="en-US" dirty="0"/>
-                        <a:t>Enabled state of the deployment.</a:t>
-                      </a:r>
-                    </a:p>
-                  </a:txBody>
-                  <a:tcPr/>
-                </a:tc>
-                <a:extLst>
-                  <a:ext uri="{0D108BD9-81ED-4DB2-BD59-A6C34878D82A}">
-                    <a16:rowId xmlns:a16="http://schemas.microsoft.com/office/drawing/2014/main" val="1799770411"/>
-                  </a:ext>
-                </a:extLst>
-              </a:tr>
-            </a:tbl>
-          </a:graphicData>
-        </a:graphic>
-      </p:graphicFrame>
+          <p:cNvSpPr txBox="1">
+            <a:spLocks/>
+          </p:cNvSpPr>
+          <p:nvPr/>
+        </p:nvSpPr>
+        <p:spPr>
+          <a:xfrm>
+            <a:off x="465139" y="2621905"/>
+            <a:ext cx="4234184" cy="1126462"/>
+          </a:xfrm>
+          <a:prstGeom prst="rect">
+            <a:avLst/>
+          </a:prstGeom>
+        </p:spPr>
+        <p:txBody>
+          <a:bodyPr vert="horz" wrap="square" lIns="0" tIns="0" rIns="0" bIns="0" rtlCol="0">
+            <a:spAutoFit/>
+          </a:bodyPr>
+          <a:lstStyle>
+            <a:lvl1pPr marL="0" marR="0" indent="0" algn="l" defTabSz="932742" rtl="0" eaLnBrk="1" fontAlgn="auto" latinLnBrk="0" hangingPunct="1">
+              <a:lnSpc>
+                <a:spcPts val="1800"/>
+              </a:lnSpc>
+              <a:spcBef>
+                <a:spcPts val="0"/>
+              </a:spcBef>
+              <a:spcAft>
+                <a:spcPts val="0"/>
+              </a:spcAft>
+              <a:buClrTx/>
+              <a:buSzPct val="90000"/>
+              <a:buFont typeface="Wingdings" panose="05000000000000000000" pitchFamily="2" charset="2"/>
+              <a:buNone/>
+              <a:tabLst/>
+              <a:defRPr sz="1400" b="1" kern="1200" spc="0" baseline="0">
+                <a:solidFill>
+                  <a:schemeClr val="tx1"/>
+                </a:solidFill>
+                <a:latin typeface="+mn-lt"/>
+                <a:ea typeface="+mn-ea"/>
+                <a:cs typeface="+mn-cs"/>
+              </a:defRPr>
+            </a:lvl1pPr>
+            <a:lvl2pPr marL="0" marR="0" indent="0" algn="l" defTabSz="932742" rtl="0" eaLnBrk="1" fontAlgn="auto" latinLnBrk="0" hangingPunct="1">
+              <a:lnSpc>
+                <a:spcPts val="1800"/>
+              </a:lnSpc>
+              <a:spcBef>
+                <a:spcPts val="0"/>
+              </a:spcBef>
+              <a:spcAft>
+                <a:spcPts val="0"/>
+              </a:spcAft>
+              <a:buClrTx/>
+              <a:buSzPct val="90000"/>
+              <a:buFont typeface="Wingdings" panose="05000000000000000000" pitchFamily="2" charset="2"/>
+              <a:buNone/>
+              <a:tabLst/>
+              <a:defRPr sz="1400" kern="1200" spc="0" baseline="0">
+                <a:solidFill>
+                  <a:schemeClr val="tx1"/>
+                </a:solidFill>
+                <a:latin typeface="+mn-lt"/>
+                <a:ea typeface="+mn-ea"/>
+                <a:cs typeface="+mn-cs"/>
+              </a:defRPr>
+            </a:lvl2pPr>
+            <a:lvl3pPr marL="457200" marR="0" indent="0" algn="l" defTabSz="932742" rtl="0" eaLnBrk="1" fontAlgn="auto" latinLnBrk="0" hangingPunct="1">
+              <a:lnSpc>
+                <a:spcPct val="90000"/>
+              </a:lnSpc>
+              <a:spcBef>
+                <a:spcPct val="20000"/>
+              </a:spcBef>
+              <a:spcAft>
+                <a:spcPts val="0"/>
+              </a:spcAft>
+              <a:buClrTx/>
+              <a:buSzPct val="90000"/>
+              <a:buFont typeface="Wingdings" panose="05000000000000000000" pitchFamily="2" charset="2"/>
+              <a:buNone/>
+              <a:tabLst/>
+              <a:defRPr sz="2400" kern="1200" spc="0" baseline="0">
+                <a:gradFill>
+                  <a:gsLst>
+                    <a:gs pos="1250">
+                      <a:schemeClr val="tx1"/>
+                    </a:gs>
+                    <a:gs pos="100000">
+                      <a:schemeClr val="tx1"/>
+                    </a:gs>
+                  </a:gsLst>
+                  <a:lin ang="5400000" scaled="0"/>
+                </a:gradFill>
+                <a:latin typeface="+mn-lt"/>
+                <a:ea typeface="+mn-ea"/>
+                <a:cs typeface="+mn-cs"/>
+              </a:defRPr>
+            </a:lvl3pPr>
+            <a:lvl4pPr marL="685800" marR="0" indent="0" algn="l" defTabSz="932742" rtl="0" eaLnBrk="1" fontAlgn="auto" latinLnBrk="0" hangingPunct="1">
+              <a:lnSpc>
+                <a:spcPct val="90000"/>
+              </a:lnSpc>
+              <a:spcBef>
+                <a:spcPct val="20000"/>
+              </a:spcBef>
+              <a:spcAft>
+                <a:spcPts val="0"/>
+              </a:spcAft>
+              <a:buClrTx/>
+              <a:buSzPct val="90000"/>
+              <a:buFont typeface="Wingdings" panose="05000000000000000000" pitchFamily="2" charset="2"/>
+              <a:buNone/>
+              <a:tabLst/>
+              <a:defRPr sz="2200" kern="1200" spc="0" baseline="0">
+                <a:gradFill>
+                  <a:gsLst>
+                    <a:gs pos="1250">
+                      <a:schemeClr val="tx1"/>
+                    </a:gs>
+                    <a:gs pos="100000">
+                      <a:schemeClr val="tx1"/>
+                    </a:gs>
+                  </a:gsLst>
+                  <a:lin ang="5400000" scaled="0"/>
+                </a:gradFill>
+                <a:latin typeface="+mn-lt"/>
+                <a:ea typeface="+mn-ea"/>
+                <a:cs typeface="+mn-cs"/>
+              </a:defRPr>
+            </a:lvl4pPr>
+            <a:lvl5pPr marL="914400" marR="0" indent="0" algn="l" defTabSz="932742" rtl="0" eaLnBrk="1" fontAlgn="auto" latinLnBrk="0" hangingPunct="1">
+              <a:lnSpc>
+                <a:spcPct val="90000"/>
+              </a:lnSpc>
+              <a:spcBef>
+                <a:spcPct val="20000"/>
+              </a:spcBef>
+              <a:spcAft>
+                <a:spcPts val="0"/>
+              </a:spcAft>
+              <a:buClrTx/>
+              <a:buSzPct val="90000"/>
+              <a:buFont typeface="Wingdings" panose="05000000000000000000" pitchFamily="2" charset="2"/>
+              <a:buNone/>
+              <a:tabLst/>
+              <a:defRPr sz="2200" kern="1200" spc="0" baseline="0">
+                <a:gradFill>
+                  <a:gsLst>
+                    <a:gs pos="1250">
+                      <a:schemeClr val="tx1"/>
+                    </a:gs>
+                    <a:gs pos="100000">
+                      <a:schemeClr val="tx1"/>
+                    </a:gs>
+                  </a:gsLst>
+                  <a:lin ang="5400000" scaled="0"/>
+                </a:gradFill>
+                <a:latin typeface="+mn-lt"/>
+                <a:ea typeface="+mn-ea"/>
+                <a:cs typeface="+mn-cs"/>
+              </a:defRPr>
+            </a:lvl5pPr>
+            <a:lvl6pPr marL="2565040" indent="-233186" algn="l" defTabSz="932742" rtl="0" eaLnBrk="1" latinLnBrk="0" hangingPunct="1">
+              <a:spcBef>
+                <a:spcPct val="20000"/>
+              </a:spcBef>
+              <a:buFont typeface="Arial" pitchFamily="34" charset="0"/>
+              <a:buChar char="•"/>
+              <a:defRPr sz="2000" kern="1200">
+                <a:solidFill>
+                  <a:schemeClr val="tx1"/>
+                </a:solidFill>
+                <a:latin typeface="+mn-lt"/>
+                <a:ea typeface="+mn-ea"/>
+                <a:cs typeface="+mn-cs"/>
+              </a:defRPr>
+            </a:lvl6pPr>
+            <a:lvl7pPr marL="3031412" indent="-233186" algn="l" defTabSz="932742" rtl="0" eaLnBrk="1" latinLnBrk="0" hangingPunct="1">
+              <a:spcBef>
+                <a:spcPct val="20000"/>
+              </a:spcBef>
+              <a:buFont typeface="Arial" pitchFamily="34" charset="0"/>
+              <a:buChar char="•"/>
+              <a:defRPr sz="2000" kern="1200">
+                <a:solidFill>
+                  <a:schemeClr val="tx1"/>
+                </a:solidFill>
+                <a:latin typeface="+mn-lt"/>
+                <a:ea typeface="+mn-ea"/>
+                <a:cs typeface="+mn-cs"/>
+              </a:defRPr>
+            </a:lvl7pPr>
+            <a:lvl8pPr marL="3497783" indent="-233186" algn="l" defTabSz="932742" rtl="0" eaLnBrk="1" latinLnBrk="0" hangingPunct="1">
+              <a:spcBef>
+                <a:spcPct val="20000"/>
+              </a:spcBef>
+              <a:buFont typeface="Arial" pitchFamily="34" charset="0"/>
+              <a:buChar char="•"/>
+              <a:defRPr sz="2000" kern="1200">
+                <a:solidFill>
+                  <a:schemeClr val="tx1"/>
+                </a:solidFill>
+                <a:latin typeface="+mn-lt"/>
+                <a:ea typeface="+mn-ea"/>
+                <a:cs typeface="+mn-cs"/>
+              </a:defRPr>
+            </a:lvl8pPr>
+            <a:lvl9pPr marL="3964155" indent="-233186" algn="l" defTabSz="932742" rtl="0" eaLnBrk="1" latinLnBrk="0" hangingPunct="1">
+              <a:spcBef>
+                <a:spcPct val="20000"/>
+              </a:spcBef>
+              <a:buFont typeface="Arial" pitchFamily="34" charset="0"/>
+              <a:buChar char="•"/>
+              <a:defRPr sz="2000" kern="1200">
+                <a:solidFill>
+                  <a:schemeClr val="tx1"/>
+                </a:solidFill>
+                <a:latin typeface="+mn-lt"/>
+                <a:ea typeface="+mn-ea"/>
+                <a:cs typeface="+mn-cs"/>
+              </a:defRPr>
+            </a:lvl9pPr>
+          </a:lstStyle>
+          <a:p>
+            <a:pPr lvl="0">
+              <a:lnSpc>
+                <a:spcPct val="90000"/>
+              </a:lnSpc>
+              <a:spcBef>
+                <a:spcPts val="1800"/>
+              </a:spcBef>
+            </a:pPr>
+            <a:r>
+              <a:rPr lang="en-US" sz="1600" b="0" dirty="0">
+                <a:solidFill>
+                  <a:srgbClr val="2F2F2F"/>
+                </a:solidFill>
+                <a:latin typeface="Segoe UI Semibold"/>
+              </a:rPr>
+              <a:t>Overview</a:t>
+            </a:r>
+          </a:p>
+          <a:p>
+            <a:pPr lvl="0">
+              <a:lnSpc>
+                <a:spcPct val="90000"/>
+              </a:lnSpc>
+              <a:spcBef>
+                <a:spcPts val="1800"/>
+              </a:spcBef>
+            </a:pPr>
+            <a:r>
+              <a:rPr lang="en-US" sz="1600" b="0" dirty="0">
+                <a:solidFill>
+                  <a:srgbClr val="2F2F2F"/>
+                </a:solidFill>
+                <a:latin typeface="Segoe UI Semibold"/>
+              </a:rPr>
+              <a:t>Debugging &amp; Testing</a:t>
+            </a:r>
+          </a:p>
+          <a:p>
+            <a:pPr lvl="0">
+              <a:lnSpc>
+                <a:spcPct val="90000"/>
+              </a:lnSpc>
+              <a:spcBef>
+                <a:spcPts val="1800"/>
+              </a:spcBef>
+            </a:pPr>
+            <a:r>
+              <a:rPr lang="en-US" sz="1600" b="0" dirty="0">
+                <a:solidFill>
+                  <a:srgbClr val="2F2F2F"/>
+                </a:solidFill>
+                <a:latin typeface="Segoe UI Semibold"/>
+              </a:rPr>
+              <a:t>Deploying</a:t>
+            </a:r>
+          </a:p>
+        </p:txBody>
+      </p:sp>
     </p:spTree>
     <p:extLst>
       <p:ext uri="{BB962C8B-B14F-4D97-AF65-F5344CB8AC3E}">
-        <p14:creationId xmlns:p14="http://schemas.microsoft.com/office/powerpoint/2010/main" val="1386720135"/>
+        <p14:creationId xmlns:p14="http://schemas.microsoft.com/office/powerpoint/2010/main" val="2897804118"/>
       </p:ext>
     </p:extLst>
   </p:cSld>

--- a/03 commandset.pptx
+++ b/03 commandset.pptx
@@ -270,7 +270,7 @@
               <a:rPr lang="en-US" smtClean="0">
                 <a:latin typeface="Segoe UI" pitchFamily="34" charset="0"/>
               </a:rPr>
-              <a:t>3/2/20 6:56 AM</a:t>
+              <a:t>8/29/2020 8:56 AM</a:t>
             </a:fld>
             <a:endParaRPr lang="en-US" dirty="0">
               <a:latin typeface="Segoe UI" pitchFamily="34" charset="0"/>
@@ -567,7 +567,7 @@
           <a:p>
             <a:fld id="{D18B56EA-E28F-4F92-9F16-7A6F2501B303}" type="datetime8">
               <a:rPr lang="en-US" smtClean="0"/>
-              <a:t>3/2/20 6:56 AM</a:t>
+              <a:t>8/29/2020 8:56 AM</a:t>
             </a:fld>
             <a:endParaRPr lang="en-US" dirty="0"/>
           </a:p>
@@ -950,7 +950,7 @@
           <a:p>
             <a:fld id="{D18B56EA-E28F-4F92-9F16-7A6F2501B303}" type="datetime8">
               <a:rPr lang="en-US" smtClean="0"/>
-              <a:t>3/2/20 8:36 AM</a:t>
+              <a:t>8/29/2020 8:56 AM</a:t>
             </a:fld>
             <a:endParaRPr lang="en-US" dirty="0"/>
           </a:p>
@@ -1131,7 +1131,7 @@
           <a:p>
             <a:fld id="{D18B56EA-E28F-4F92-9F16-7A6F2501B303}" type="datetime8">
               <a:rPr lang="en-US" smtClean="0"/>
-              <a:t>3/2/20 6:56 AM</a:t>
+              <a:t>8/29/2020 8:56 AM</a:t>
             </a:fld>
             <a:endParaRPr lang="en-US" dirty="0"/>
           </a:p>
@@ -1312,7 +1312,7 @@
           <a:p>
             <a:fld id="{D18B56EA-E28F-4F92-9F16-7A6F2501B303}" type="datetime8">
               <a:rPr lang="en-US" smtClean="0"/>
-              <a:t>3/2/20 6:56 AM</a:t>
+              <a:t>8/29/2020 8:56 AM</a:t>
             </a:fld>
             <a:endParaRPr lang="en-US" dirty="0"/>
           </a:p>
@@ -1499,7 +1499,7 @@
           <a:p>
             <a:fld id="{D18B56EA-E28F-4F92-9F16-7A6F2501B303}" type="datetime8">
               <a:rPr lang="en-US" smtClean="0"/>
-              <a:t>3/2/20 8:36 AM</a:t>
+              <a:t>8/29/2020 8:56 AM</a:t>
             </a:fld>
             <a:endParaRPr lang="en-US" dirty="0"/>
           </a:p>
@@ -1740,7 +1740,7 @@
           <a:p>
             <a:fld id="{D18B56EA-E28F-4F92-9F16-7A6F2501B303}" type="datetime8">
               <a:rPr lang="en-US" smtClean="0"/>
-              <a:t>3/2/20 8:49 AM</a:t>
+              <a:t>8/29/2020 8:56 AM</a:t>
             </a:fld>
             <a:endParaRPr lang="en-US" dirty="0"/>
           </a:p>
@@ -1949,7 +1949,7 @@
           <a:p>
             <a:fld id="{D18B56EA-E28F-4F92-9F16-7A6F2501B303}" type="datetime8">
               <a:rPr lang="en-US" smtClean="0"/>
-              <a:t>3/2/20 8:49 AM</a:t>
+              <a:t>8/29/2020 8:56 AM</a:t>
             </a:fld>
             <a:endParaRPr lang="en-US" dirty="0"/>
           </a:p>
@@ -2249,7 +2249,7 @@
           <a:p>
             <a:fld id="{D18B56EA-E28F-4F92-9F16-7A6F2501B303}" type="datetime8">
               <a:rPr lang="en-US" smtClean="0"/>
-              <a:t>3/2/20 8:56 AM</a:t>
+              <a:t>8/29/2020 8:56 AM</a:t>
             </a:fld>
             <a:endParaRPr lang="en-US" dirty="0"/>
           </a:p>
@@ -2338,7 +2338,7 @@
           <a:p>
             <a:r>
               <a:rPr lang="en-US" dirty="0"/>
-              <a:t>Now let's look at how you can debug and text SharePoint Framework command set extensions. Unlike client-side web parts, extensions require a live SharePoint site, list, or library. This means you can't test extensions in either the local or SharePoint-hosted workbench. You can still build and host extensions projects locally while debugging and testing in a remote SharePoint site.</a:t>
+              <a:t>Now let's look at how you can debug and test SharePoint Framework command set extensions. Unlike client-side web parts, extensions require a live SharePoint site, list, or library. This means you can't test extensions in either the local or SharePoint-hosted workbench. You can still build and host extensions projects locally while debugging and testing in a remote SharePoint site.</a:t>
             </a:r>
           </a:p>
           <a:p>
@@ -2527,7 +2527,7 @@
           <a:p>
             <a:fld id="{D18B56EA-E28F-4F92-9F16-7A6F2501B303}" type="datetime8">
               <a:rPr lang="en-US" smtClean="0"/>
-              <a:t>3/2/20 8:58 AM</a:t>
+              <a:t>8/29/2020 8:56 AM</a:t>
             </a:fld>
             <a:endParaRPr lang="en-US" dirty="0"/>
           </a:p>
@@ -2743,7 +2743,7 @@
           <a:p>
             <a:fld id="{D18B56EA-E28F-4F92-9F16-7A6F2501B303}" type="datetime8">
               <a:rPr lang="en-US" smtClean="0"/>
-              <a:t>3/2/20 9:05 AM</a:t>
+              <a:t>8/29/2020 8:56 AM</a:t>
             </a:fld>
             <a:endParaRPr lang="en-US" dirty="0"/>
           </a:p>
@@ -2924,7 +2924,7 @@
           <a:p>
             <a:fld id="{D18B56EA-E28F-4F92-9F16-7A6F2501B303}" type="datetime8">
               <a:rPr lang="en-US" smtClean="0"/>
-              <a:t>3/2/20 6:56 AM</a:t>
+              <a:t>8/29/2020 8:56 AM</a:t>
             </a:fld>
             <a:endParaRPr lang="en-US" dirty="0"/>
           </a:p>
@@ -3105,7 +3105,7 @@
           <a:p>
             <a:fld id="{D18B56EA-E28F-4F92-9F16-7A6F2501B303}" type="datetime8">
               <a:rPr lang="en-US" smtClean="0"/>
-              <a:t>3/2/20 6:56 AM</a:t>
+              <a:t>8/29/2020 8:56 AM</a:t>
             </a:fld>
             <a:endParaRPr lang="en-US" dirty="0"/>
           </a:p>
@@ -16180,13 +16180,13 @@
               <a:rPr lang="en-US" sz="1800" dirty="0">
                 <a:latin typeface="+mj-lt"/>
               </a:rPr>
-              <a:t>Build your </a:t>
-            </a:r>
-            <a:r>
-              <a:rPr lang="en-US" sz="1800">
+              <a:t>Build your First </a:t>
+            </a:r>
+            <a:r>
+              <a:rPr lang="en-US" sz="1800" dirty="0" err="1">
                 <a:latin typeface="+mj-lt"/>
               </a:rPr>
-              <a:t>First ListView</a:t>
+              <a:t>ListView</a:t>
             </a:r>
             <a:r>
               <a:rPr lang="en-US" sz="1800" dirty="0">

--- a/03 commandset.pptx
+++ b/03 commandset.pptx
@@ -270,7 +270,7 @@
               <a:rPr lang="en-US" smtClean="0">
                 <a:latin typeface="Segoe UI" pitchFamily="34" charset="0"/>
               </a:rPr>
-              <a:t>8/29/2020 8:56 AM</a:t>
+              <a:t>10/31/2021 2:09 PM</a:t>
             </a:fld>
             <a:endParaRPr lang="en-US" dirty="0">
               <a:latin typeface="Segoe UI" pitchFamily="34" charset="0"/>
@@ -567,7 +567,7 @@
           <a:p>
             <a:fld id="{D18B56EA-E28F-4F92-9F16-7A6F2501B303}" type="datetime8">
               <a:rPr lang="en-US" smtClean="0"/>
-              <a:t>8/29/2020 8:56 AM</a:t>
+              <a:t>10/31/2021 2:09 PM</a:t>
             </a:fld>
             <a:endParaRPr lang="en-US" dirty="0"/>
           </a:p>
@@ -950,7 +950,7 @@
           <a:p>
             <a:fld id="{D18B56EA-E28F-4F92-9F16-7A6F2501B303}" type="datetime8">
               <a:rPr lang="en-US" smtClean="0"/>
-              <a:t>8/29/2020 8:56 AM</a:t>
+              <a:t>10/31/2021 2:09 PM</a:t>
             </a:fld>
             <a:endParaRPr lang="en-US" dirty="0"/>
           </a:p>
@@ -1131,7 +1131,7 @@
           <a:p>
             <a:fld id="{D18B56EA-E28F-4F92-9F16-7A6F2501B303}" type="datetime8">
               <a:rPr lang="en-US" smtClean="0"/>
-              <a:t>8/29/2020 8:56 AM</a:t>
+              <a:t>10/31/2021 2:09 PM</a:t>
             </a:fld>
             <a:endParaRPr lang="en-US" dirty="0"/>
           </a:p>
@@ -1312,7 +1312,7 @@
           <a:p>
             <a:fld id="{D18B56EA-E28F-4F92-9F16-7A6F2501B303}" type="datetime8">
               <a:rPr lang="en-US" smtClean="0"/>
-              <a:t>8/29/2020 8:56 AM</a:t>
+              <a:t>10/31/2021 2:09 PM</a:t>
             </a:fld>
             <a:endParaRPr lang="en-US" dirty="0"/>
           </a:p>
@@ -1499,7 +1499,7 @@
           <a:p>
             <a:fld id="{D18B56EA-E28F-4F92-9F16-7A6F2501B303}" type="datetime8">
               <a:rPr lang="en-US" smtClean="0"/>
-              <a:t>8/29/2020 8:56 AM</a:t>
+              <a:t>10/31/2021 2:09 PM</a:t>
             </a:fld>
             <a:endParaRPr lang="en-US" dirty="0"/>
           </a:p>
@@ -1740,7 +1740,7 @@
           <a:p>
             <a:fld id="{D18B56EA-E28F-4F92-9F16-7A6F2501B303}" type="datetime8">
               <a:rPr lang="en-US" smtClean="0"/>
-              <a:t>8/29/2020 8:56 AM</a:t>
+              <a:t>10/31/2021 2:09 PM</a:t>
             </a:fld>
             <a:endParaRPr lang="en-US" dirty="0"/>
           </a:p>
@@ -1949,7 +1949,7 @@
           <a:p>
             <a:fld id="{D18B56EA-E28F-4F92-9F16-7A6F2501B303}" type="datetime8">
               <a:rPr lang="en-US" smtClean="0"/>
-              <a:t>8/29/2020 8:56 AM</a:t>
+              <a:t>10/31/2021 2:09 PM</a:t>
             </a:fld>
             <a:endParaRPr lang="en-US" dirty="0"/>
           </a:p>
@@ -2249,7 +2249,7 @@
           <a:p>
             <a:fld id="{D18B56EA-E28F-4F92-9F16-7A6F2501B303}" type="datetime8">
               <a:rPr lang="en-US" smtClean="0"/>
-              <a:t>8/29/2020 8:56 AM</a:t>
+              <a:t>10/31/2021 2:09 PM</a:t>
             </a:fld>
             <a:endParaRPr lang="en-US" dirty="0"/>
           </a:p>
@@ -2338,16 +2338,7 @@
           <a:p>
             <a:r>
               <a:rPr lang="en-US" dirty="0"/>
-              <a:t>Now let's look at how you can debug and test SharePoint Framework command set extensions. Unlike client-side web parts, extensions require a live SharePoint site, list, or library. This means you can't test extensions in either the local or SharePoint-hosted workbench. You can still build and host extensions projects locally while debugging and testing in a remote SharePoint site.</a:t>
-            </a:r>
-          </a:p>
-          <a:p>
-            <a:endParaRPr lang="en-US" dirty="0"/>
-          </a:p>
-          <a:p>
-            <a:r>
-              <a:rPr lang="en-US" dirty="0"/>
-              <a:t>The testing experience is similar to the experience when you use the hosted SharePoint workbench for a web part development testing and debugging.</a:t>
+              <a:t>Now let's look at how you can debug and test SharePoint Framework command set extensions. The SharePoint workbench doesn't support testing extensions. However, you can still build and host extensions projects locally while debugging and testing in a remote SharePoint site.</a:t>
             </a:r>
           </a:p>
           <a:p>
@@ -2527,7 +2518,7 @@
           <a:p>
             <a:fld id="{D18B56EA-E28F-4F92-9F16-7A6F2501B303}" type="datetime8">
               <a:rPr lang="en-US" smtClean="0"/>
-              <a:t>8/29/2020 8:56 AM</a:t>
+              <a:t>10/31/2021 2:09 PM</a:t>
             </a:fld>
             <a:endParaRPr lang="en-US" dirty="0"/>
           </a:p>
@@ -2743,7 +2734,7 @@
           <a:p>
             <a:fld id="{D18B56EA-E28F-4F92-9F16-7A6F2501B303}" type="datetime8">
               <a:rPr lang="en-US" smtClean="0"/>
-              <a:t>8/29/2020 8:56 AM</a:t>
+              <a:t>10/31/2021 2:09 PM</a:t>
             </a:fld>
             <a:endParaRPr lang="en-US" dirty="0"/>
           </a:p>
@@ -2924,7 +2915,7 @@
           <a:p>
             <a:fld id="{D18B56EA-E28F-4F92-9F16-7A6F2501B303}" type="datetime8">
               <a:rPr lang="en-US" smtClean="0"/>
-              <a:t>8/29/2020 8:56 AM</a:t>
+              <a:t>10/31/2021 2:09 PM</a:t>
             </a:fld>
             <a:endParaRPr lang="en-US" dirty="0"/>
           </a:p>
@@ -3105,7 +3096,7 @@
           <a:p>
             <a:fld id="{D18B56EA-E28F-4F92-9F16-7A6F2501B303}" type="datetime8">
               <a:rPr lang="en-US" smtClean="0"/>
-              <a:t>8/29/2020 8:56 AM</a:t>
+              <a:t>10/31/2021 2:09 PM</a:t>
             </a:fld>
             <a:endParaRPr lang="en-US" dirty="0"/>
           </a:p>
@@ -17357,7 +17348,7 @@
         <p:spPr>
           <a:xfrm>
             <a:off x="464400" y="1212850"/>
-            <a:ext cx="11574000" cy="3360920"/>
+            <a:ext cx="11574000" cy="2806922"/>
           </a:xfrm>
         </p:spPr>
         <p:txBody>
@@ -17366,7 +17357,7 @@
           <a:p>
             <a:r>
               <a:rPr lang="en-US" dirty="0"/>
-              <a:t>Unlike web parts, extensions require a live SharePoint list and/or library</a:t>
+              <a:t>The SharePoint workbench doesn't support testing extensions</a:t>
             </a:r>
           </a:p>
           <a:p>
@@ -17376,20 +17367,6 @@
             <a:r>
               <a:rPr lang="en-US" dirty="0"/>
               <a:t>Can still build and host extension project locally while testing in a remote SharePoint site</a:t>
-            </a:r>
-          </a:p>
-          <a:p>
-            <a:pPr lvl="1"/>
-            <a:r>
-              <a:rPr lang="en-US" dirty="0"/>
-              <a:t>Similar experience to using hosted SharePoint workbench for </a:t>
-            </a:r>
-            <a:br>
-              <a:rPr lang="en-US" dirty="0"/>
-            </a:br>
-            <a:r>
-              <a:rPr lang="en-US" dirty="0"/>
-              <a:t>web part development, testing &amp; debugging</a:t>
             </a:r>
           </a:p>
           <a:p>

--- a/03 commandset.pptx
+++ b/03 commandset.pptx
@@ -5,10 +5,10 @@
     <p:sldMasterId id="2147484229" r:id="rId2"/>
   </p:sldMasterIdLst>
   <p:notesMasterIdLst>
-    <p:notesMasterId r:id="rId15"/>
+    <p:notesMasterId r:id="rId17"/>
   </p:notesMasterIdLst>
   <p:handoutMasterIdLst>
-    <p:handoutMasterId r:id="rId16"/>
+    <p:handoutMasterId r:id="rId18"/>
   </p:handoutMasterIdLst>
   <p:sldIdLst>
     <p:sldId id="1582" r:id="rId3"/>
@@ -18,11 +18,13 @@
     <p:sldId id="1561" r:id="rId7"/>
     <p:sldId id="1586" r:id="rId8"/>
     <p:sldId id="1560" r:id="rId9"/>
-    <p:sldId id="1589" r:id="rId10"/>
-    <p:sldId id="1590" r:id="rId11"/>
-    <p:sldId id="1591" r:id="rId12"/>
-    <p:sldId id="1592" r:id="rId13"/>
-    <p:sldId id="1593" r:id="rId14"/>
+    <p:sldId id="1594" r:id="rId10"/>
+    <p:sldId id="1595" r:id="rId11"/>
+    <p:sldId id="1589" r:id="rId12"/>
+    <p:sldId id="1590" r:id="rId13"/>
+    <p:sldId id="1591" r:id="rId14"/>
+    <p:sldId id="1592" r:id="rId15"/>
+    <p:sldId id="1593" r:id="rId16"/>
   </p:sldIdLst>
   <p:sldSz cx="12436475" cy="6994525"/>
   <p:notesSz cx="6858000" cy="9144000"/>
@@ -141,6 +143,8 @@
           <p14:sldIdLst>
             <p14:sldId id="1586"/>
             <p14:sldId id="1560"/>
+            <p14:sldId id="1594"/>
+            <p14:sldId id="1595"/>
             <p14:sldId id="1589"/>
           </p14:sldIdLst>
         </p14:section>
@@ -270,7 +274,7 @@
               <a:rPr lang="en-US" smtClean="0">
                 <a:latin typeface="Segoe UI" pitchFamily="34" charset="0"/>
               </a:rPr>
-              <a:t>10/31/2021 2:09 PM</a:t>
+              <a:t>4/30/2022 3:09 PM</a:t>
             </a:fld>
             <a:endParaRPr lang="en-US" dirty="0">
               <a:latin typeface="Segoe UI" pitchFamily="34" charset="0"/>
@@ -567,7 +571,7 @@
           <a:p>
             <a:fld id="{D18B56EA-E28F-4F92-9F16-7A6F2501B303}" type="datetime8">
               <a:rPr lang="en-US" smtClean="0"/>
-              <a:t>10/31/2021 2:09 PM</a:t>
+              <a:t>4/30/2022 3:09 PM</a:t>
             </a:fld>
             <a:endParaRPr lang="en-US" dirty="0"/>
           </a:p>
@@ -950,7 +954,7 @@
           <a:p>
             <a:fld id="{D18B56EA-E28F-4F92-9F16-7A6F2501B303}" type="datetime8">
               <a:rPr lang="en-US" smtClean="0"/>
-              <a:t>10/31/2021 2:09 PM</a:t>
+              <a:t>4/30/2022 3:09 PM</a:t>
             </a:fld>
             <a:endParaRPr lang="en-US" dirty="0"/>
           </a:p>
@@ -1131,7 +1135,7 @@
           <a:p>
             <a:fld id="{D18B56EA-E28F-4F92-9F16-7A6F2501B303}" type="datetime8">
               <a:rPr lang="en-US" smtClean="0"/>
-              <a:t>10/31/2021 2:09 PM</a:t>
+              <a:t>4/30/2022 3:09 PM</a:t>
             </a:fld>
             <a:endParaRPr lang="en-US" dirty="0"/>
           </a:p>
@@ -1155,7 +1159,7 @@
             <a:fld id="{B4008EB6-D09E-4580-8CD6-DDB14511944F}" type="slidenum">
               <a:rPr lang="en-US" smtClean="0"/>
               <a:pPr/>
-              <a:t>11</a:t>
+              <a:t>10</a:t>
             </a:fld>
             <a:endParaRPr lang="en-US" dirty="0"/>
           </a:p>
@@ -1164,7 +1168,7 @@
     </p:spTree>
     <p:extLst>
       <p:ext uri="{BB962C8B-B14F-4D97-AF65-F5344CB8AC3E}">
-        <p14:creationId xmlns:p14="http://schemas.microsoft.com/office/powerpoint/2010/main" val="2510823477"/>
+        <p14:creationId xmlns:p14="http://schemas.microsoft.com/office/powerpoint/2010/main" val="2593812498"/>
       </p:ext>
     </p:extLst>
   </p:cSld>
@@ -1218,7 +1222,7 @@
           <a:bodyPr/>
           <a:lstStyle/>
           <a:p>
-            <a:endParaRPr lang="en-US"/>
+            <a:endParaRPr lang="en-US" dirty="0"/>
           </a:p>
         </p:txBody>
       </p:sp>
@@ -1312,7 +1316,7 @@
           <a:p>
             <a:fld id="{D18B56EA-E28F-4F92-9F16-7A6F2501B303}" type="datetime8">
               <a:rPr lang="en-US" smtClean="0"/>
-              <a:t>10/31/2021 2:09 PM</a:t>
+              <a:t>4/30/2022 3:09 PM</a:t>
             </a:fld>
             <a:endParaRPr lang="en-US" dirty="0"/>
           </a:p>
@@ -1337,6 +1341,368 @@
               <a:rPr lang="en-US" smtClean="0"/>
               <a:pPr/>
               <a:t>12</a:t>
+            </a:fld>
+            <a:endParaRPr lang="en-US" dirty="0"/>
+          </a:p>
+        </p:txBody>
+      </p:sp>
+    </p:spTree>
+    <p:extLst>
+      <p:ext uri="{BB962C8B-B14F-4D97-AF65-F5344CB8AC3E}">
+        <p14:creationId xmlns:p14="http://schemas.microsoft.com/office/powerpoint/2010/main" val="3282806226"/>
+      </p:ext>
+    </p:extLst>
+  </p:cSld>
+  <p:clrMapOvr>
+    <a:masterClrMapping/>
+  </p:clrMapOvr>
+</p:notes>
+</file>
+
+<file path=ppt/notesSlides/notesSlide12.xml><?xml version="1.0" encoding="utf-8"?>
+<p:notes xmlns:a="http://schemas.openxmlformats.org/drawingml/2006/main" xmlns:r="http://schemas.openxmlformats.org/officeDocument/2006/relationships" xmlns:p="http://schemas.openxmlformats.org/presentationml/2006/main">
+  <p:cSld>
+    <p:spTree>
+      <p:nvGrpSpPr>
+        <p:cNvPr id="1" name=""/>
+        <p:cNvGrpSpPr/>
+        <p:nvPr/>
+      </p:nvGrpSpPr>
+      <p:grpSpPr>
+        <a:xfrm>
+          <a:off x="0" y="0"/>
+          <a:ext cx="0" cy="0"/>
+          <a:chOff x="0" y="0"/>
+          <a:chExt cx="0" cy="0"/>
+        </a:xfrm>
+      </p:grpSpPr>
+      <p:sp>
+        <p:nvSpPr>
+          <p:cNvPr id="2" name="Slide Image Placeholder 1"/>
+          <p:cNvSpPr>
+            <a:spLocks noGrp="1" noRot="1" noChangeAspect="1"/>
+          </p:cNvSpPr>
+          <p:nvPr>
+            <p:ph type="sldImg"/>
+          </p:nvPr>
+        </p:nvSpPr>
+        <p:spPr/>
+      </p:sp>
+      <p:sp>
+        <p:nvSpPr>
+          <p:cNvPr id="3" name="Notes Placeholder 2"/>
+          <p:cNvSpPr>
+            <a:spLocks noGrp="1"/>
+          </p:cNvSpPr>
+          <p:nvPr>
+            <p:ph type="body" idx="1"/>
+          </p:nvPr>
+        </p:nvSpPr>
+        <p:spPr/>
+        <p:txBody>
+          <a:bodyPr/>
+          <a:lstStyle/>
+          <a:p>
+            <a:endParaRPr lang="en-US"/>
+          </a:p>
+        </p:txBody>
+      </p:sp>
+      <p:sp>
+        <p:nvSpPr>
+          <p:cNvPr id="4" name="Header Placeholder 3"/>
+          <p:cNvSpPr>
+            <a:spLocks noGrp="1"/>
+          </p:cNvSpPr>
+          <p:nvPr>
+            <p:ph type="hdr" sz="quarter" idx="10"/>
+          </p:nvPr>
+        </p:nvSpPr>
+        <p:spPr/>
+        <p:txBody>
+          <a:bodyPr/>
+          <a:lstStyle/>
+          <a:p>
+            <a:endParaRPr lang="en-US" dirty="0"/>
+          </a:p>
+        </p:txBody>
+      </p:sp>
+      <p:sp>
+        <p:nvSpPr>
+          <p:cNvPr id="5" name="Footer Placeholder 4"/>
+          <p:cNvSpPr>
+            <a:spLocks noGrp="1"/>
+          </p:cNvSpPr>
+          <p:nvPr>
+            <p:ph type="ftr" sz="quarter" idx="11"/>
+          </p:nvPr>
+        </p:nvSpPr>
+        <p:spPr/>
+        <p:txBody>
+          <a:bodyPr/>
+          <a:lstStyle/>
+          <a:p>
+            <a:pPr defTabSz="914099" eaLnBrk="0" hangingPunct="0"/>
+            <a:r>
+              <a:rPr lang="en-US" sz="400">
+                <a:gradFill>
+                  <a:gsLst>
+                    <a:gs pos="0">
+                      <a:prstClr val="black"/>
+                    </a:gs>
+                    <a:gs pos="100000">
+                      <a:prstClr val="black"/>
+                    </a:gs>
+                  </a:gsLst>
+                  <a:lin ang="5400000" scaled="0"/>
+                </a:gradFill>
+                <a:latin typeface="Segoe UI" pitchFamily="34" charset="0"/>
+                <a:ea typeface="Segoe UI" pitchFamily="34" charset="0"/>
+                <a:cs typeface="Segoe UI" pitchFamily="34" charset="0"/>
+              </a:rPr>
+              <a:t>© Microsoft Corporation. All rights reserved. MICROSOFT MAKES NO WARRANTIES, EXPRESS, IMPLIED OR STATUTORY, AS TO THE INFORMATION IN THIS PRESENTATION.</a:t>
+            </a:r>
+            <a:endParaRPr lang="en-US" sz="400" dirty="0">
+              <a:gradFill>
+                <a:gsLst>
+                  <a:gs pos="0">
+                    <a:prstClr val="black"/>
+                  </a:gs>
+                  <a:gs pos="100000">
+                    <a:prstClr val="black"/>
+                  </a:gs>
+                </a:gsLst>
+                <a:lin ang="5400000" scaled="0"/>
+              </a:gradFill>
+              <a:latin typeface="Segoe UI" pitchFamily="34" charset="0"/>
+              <a:ea typeface="Segoe UI" pitchFamily="34" charset="0"/>
+              <a:cs typeface="Segoe UI" pitchFamily="34" charset="0"/>
+            </a:endParaRPr>
+          </a:p>
+        </p:txBody>
+      </p:sp>
+      <p:sp>
+        <p:nvSpPr>
+          <p:cNvPr id="6" name="Date Placeholder 5"/>
+          <p:cNvSpPr>
+            <a:spLocks noGrp="1"/>
+          </p:cNvSpPr>
+          <p:nvPr>
+            <p:ph type="dt" idx="12"/>
+          </p:nvPr>
+        </p:nvSpPr>
+        <p:spPr/>
+        <p:txBody>
+          <a:bodyPr/>
+          <a:lstStyle/>
+          <a:p>
+            <a:fld id="{D18B56EA-E28F-4F92-9F16-7A6F2501B303}" type="datetime8">
+              <a:rPr lang="en-US" smtClean="0"/>
+              <a:t>4/30/2022 3:09 PM</a:t>
+            </a:fld>
+            <a:endParaRPr lang="en-US" dirty="0"/>
+          </a:p>
+        </p:txBody>
+      </p:sp>
+      <p:sp>
+        <p:nvSpPr>
+          <p:cNvPr id="7" name="Slide Number Placeholder 6"/>
+          <p:cNvSpPr>
+            <a:spLocks noGrp="1"/>
+          </p:cNvSpPr>
+          <p:nvPr>
+            <p:ph type="sldNum" sz="quarter" idx="13"/>
+          </p:nvPr>
+        </p:nvSpPr>
+        <p:spPr/>
+        <p:txBody>
+          <a:bodyPr/>
+          <a:lstStyle/>
+          <a:p>
+            <a:fld id="{B4008EB6-D09E-4580-8CD6-DDB14511944F}" type="slidenum">
+              <a:rPr lang="en-US" smtClean="0"/>
+              <a:pPr/>
+              <a:t>13</a:t>
+            </a:fld>
+            <a:endParaRPr lang="en-US" dirty="0"/>
+          </a:p>
+        </p:txBody>
+      </p:sp>
+    </p:spTree>
+    <p:extLst>
+      <p:ext uri="{BB962C8B-B14F-4D97-AF65-F5344CB8AC3E}">
+        <p14:creationId xmlns:p14="http://schemas.microsoft.com/office/powerpoint/2010/main" val="2510823477"/>
+      </p:ext>
+    </p:extLst>
+  </p:cSld>
+  <p:clrMapOvr>
+    <a:masterClrMapping/>
+  </p:clrMapOvr>
+</p:notes>
+</file>
+
+<file path=ppt/notesSlides/notesSlide13.xml><?xml version="1.0" encoding="utf-8"?>
+<p:notes xmlns:a="http://schemas.openxmlformats.org/drawingml/2006/main" xmlns:r="http://schemas.openxmlformats.org/officeDocument/2006/relationships" xmlns:p="http://schemas.openxmlformats.org/presentationml/2006/main">
+  <p:cSld>
+    <p:spTree>
+      <p:nvGrpSpPr>
+        <p:cNvPr id="1" name=""/>
+        <p:cNvGrpSpPr/>
+        <p:nvPr/>
+      </p:nvGrpSpPr>
+      <p:grpSpPr>
+        <a:xfrm>
+          <a:off x="0" y="0"/>
+          <a:ext cx="0" cy="0"/>
+          <a:chOff x="0" y="0"/>
+          <a:chExt cx="0" cy="0"/>
+        </a:xfrm>
+      </p:grpSpPr>
+      <p:sp>
+        <p:nvSpPr>
+          <p:cNvPr id="2" name="Slide Image Placeholder 1"/>
+          <p:cNvSpPr>
+            <a:spLocks noGrp="1" noRot="1" noChangeAspect="1"/>
+          </p:cNvSpPr>
+          <p:nvPr>
+            <p:ph type="sldImg"/>
+          </p:nvPr>
+        </p:nvSpPr>
+        <p:spPr/>
+      </p:sp>
+      <p:sp>
+        <p:nvSpPr>
+          <p:cNvPr id="3" name="Notes Placeholder 2"/>
+          <p:cNvSpPr>
+            <a:spLocks noGrp="1"/>
+          </p:cNvSpPr>
+          <p:nvPr>
+            <p:ph type="body" idx="1"/>
+          </p:nvPr>
+        </p:nvSpPr>
+        <p:spPr/>
+        <p:txBody>
+          <a:bodyPr/>
+          <a:lstStyle/>
+          <a:p>
+            <a:endParaRPr lang="en-US"/>
+          </a:p>
+        </p:txBody>
+      </p:sp>
+      <p:sp>
+        <p:nvSpPr>
+          <p:cNvPr id="4" name="Header Placeholder 3"/>
+          <p:cNvSpPr>
+            <a:spLocks noGrp="1"/>
+          </p:cNvSpPr>
+          <p:nvPr>
+            <p:ph type="hdr" sz="quarter" idx="10"/>
+          </p:nvPr>
+        </p:nvSpPr>
+        <p:spPr/>
+        <p:txBody>
+          <a:bodyPr/>
+          <a:lstStyle/>
+          <a:p>
+            <a:endParaRPr lang="en-US" dirty="0"/>
+          </a:p>
+        </p:txBody>
+      </p:sp>
+      <p:sp>
+        <p:nvSpPr>
+          <p:cNvPr id="5" name="Footer Placeholder 4"/>
+          <p:cNvSpPr>
+            <a:spLocks noGrp="1"/>
+          </p:cNvSpPr>
+          <p:nvPr>
+            <p:ph type="ftr" sz="quarter" idx="11"/>
+          </p:nvPr>
+        </p:nvSpPr>
+        <p:spPr/>
+        <p:txBody>
+          <a:bodyPr/>
+          <a:lstStyle/>
+          <a:p>
+            <a:pPr defTabSz="914099" eaLnBrk="0" hangingPunct="0"/>
+            <a:r>
+              <a:rPr lang="en-US" sz="400">
+                <a:gradFill>
+                  <a:gsLst>
+                    <a:gs pos="0">
+                      <a:prstClr val="black"/>
+                    </a:gs>
+                    <a:gs pos="100000">
+                      <a:prstClr val="black"/>
+                    </a:gs>
+                  </a:gsLst>
+                  <a:lin ang="5400000" scaled="0"/>
+                </a:gradFill>
+                <a:latin typeface="Segoe UI" pitchFamily="34" charset="0"/>
+                <a:ea typeface="Segoe UI" pitchFamily="34" charset="0"/>
+                <a:cs typeface="Segoe UI" pitchFamily="34" charset="0"/>
+              </a:rPr>
+              <a:t>© Microsoft Corporation. All rights reserved. MICROSOFT MAKES NO WARRANTIES, EXPRESS, IMPLIED OR STATUTORY, AS TO THE INFORMATION IN THIS PRESENTATION.</a:t>
+            </a:r>
+            <a:endParaRPr lang="en-US" sz="400" dirty="0">
+              <a:gradFill>
+                <a:gsLst>
+                  <a:gs pos="0">
+                    <a:prstClr val="black"/>
+                  </a:gs>
+                  <a:gs pos="100000">
+                    <a:prstClr val="black"/>
+                  </a:gs>
+                </a:gsLst>
+                <a:lin ang="5400000" scaled="0"/>
+              </a:gradFill>
+              <a:latin typeface="Segoe UI" pitchFamily="34" charset="0"/>
+              <a:ea typeface="Segoe UI" pitchFamily="34" charset="0"/>
+              <a:cs typeface="Segoe UI" pitchFamily="34" charset="0"/>
+            </a:endParaRPr>
+          </a:p>
+        </p:txBody>
+      </p:sp>
+      <p:sp>
+        <p:nvSpPr>
+          <p:cNvPr id="6" name="Date Placeholder 5"/>
+          <p:cNvSpPr>
+            <a:spLocks noGrp="1"/>
+          </p:cNvSpPr>
+          <p:nvPr>
+            <p:ph type="dt" idx="12"/>
+          </p:nvPr>
+        </p:nvSpPr>
+        <p:spPr/>
+        <p:txBody>
+          <a:bodyPr/>
+          <a:lstStyle/>
+          <a:p>
+            <a:fld id="{D18B56EA-E28F-4F92-9F16-7A6F2501B303}" type="datetime8">
+              <a:rPr lang="en-US" smtClean="0"/>
+              <a:t>4/30/2022 3:09 PM</a:t>
+            </a:fld>
+            <a:endParaRPr lang="en-US" dirty="0"/>
+          </a:p>
+        </p:txBody>
+      </p:sp>
+      <p:sp>
+        <p:nvSpPr>
+          <p:cNvPr id="7" name="Slide Number Placeholder 6"/>
+          <p:cNvSpPr>
+            <a:spLocks noGrp="1"/>
+          </p:cNvSpPr>
+          <p:nvPr>
+            <p:ph type="sldNum" sz="quarter" idx="13"/>
+          </p:nvPr>
+        </p:nvSpPr>
+        <p:spPr/>
+        <p:txBody>
+          <a:bodyPr/>
+          <a:lstStyle/>
+          <a:p>
+            <a:fld id="{B4008EB6-D09E-4580-8CD6-DDB14511944F}" type="slidenum">
+              <a:rPr lang="en-US" smtClean="0"/>
+              <a:pPr/>
+              <a:t>14</a:t>
             </a:fld>
             <a:endParaRPr lang="en-US" dirty="0"/>
           </a:p>
@@ -1499,7 +1865,7 @@
           <a:p>
             <a:fld id="{D18B56EA-E28F-4F92-9F16-7A6F2501B303}" type="datetime8">
               <a:rPr lang="en-US" smtClean="0"/>
-              <a:t>10/31/2021 2:09 PM</a:t>
+              <a:t>4/30/2022 3:09 PM</a:t>
             </a:fld>
             <a:endParaRPr lang="en-US" dirty="0"/>
           </a:p>
@@ -1740,7 +2106,7 @@
           <a:p>
             <a:fld id="{D18B56EA-E28F-4F92-9F16-7A6F2501B303}" type="datetime8">
               <a:rPr lang="en-US" smtClean="0"/>
-              <a:t>10/31/2021 2:09 PM</a:t>
+              <a:t>4/30/2022 3:09 PM</a:t>
             </a:fld>
             <a:endParaRPr lang="en-US" dirty="0"/>
           </a:p>
@@ -1949,7 +2315,7 @@
           <a:p>
             <a:fld id="{D18B56EA-E28F-4F92-9F16-7A6F2501B303}" type="datetime8">
               <a:rPr lang="en-US" smtClean="0"/>
-              <a:t>10/31/2021 2:09 PM</a:t>
+              <a:t>4/30/2022 3:09 PM</a:t>
             </a:fld>
             <a:endParaRPr lang="en-US" dirty="0"/>
           </a:p>
@@ -2249,7 +2615,7 @@
           <a:p>
             <a:fld id="{D18B56EA-E28F-4F92-9F16-7A6F2501B303}" type="datetime8">
               <a:rPr lang="en-US" smtClean="0"/>
-              <a:t>10/31/2021 2:09 PM</a:t>
+              <a:t>4/30/2022 3:09 PM</a:t>
             </a:fld>
             <a:endParaRPr lang="en-US" dirty="0"/>
           </a:p>
@@ -2518,7 +2884,7 @@
           <a:p>
             <a:fld id="{D18B56EA-E28F-4F92-9F16-7A6F2501B303}" type="datetime8">
               <a:rPr lang="en-US" smtClean="0"/>
-              <a:t>10/31/2021 2:09 PM</a:t>
+              <a:t>4/30/2022 3:09 PM</a:t>
             </a:fld>
             <a:endParaRPr lang="en-US" dirty="0"/>
           </a:p>
@@ -2607,15 +2973,7 @@
           <a:p>
             <a:r>
               <a:rPr lang="en-US" dirty="0"/>
-              <a:t>The deployment of command set extensions is similar to other types of SharePoint Frameworks extensions. The existing SharePoint Feature framework is used to provision command set buttons into a SharePoint environment using the `&lt;</a:t>
-            </a:r>
-            <a:r>
-              <a:rPr lang="en-US" dirty="0" err="1"/>
-              <a:t>CustomAction</a:t>
-            </a:r>
-            <a:r>
-              <a:rPr lang="en-US" dirty="0"/>
-              <a:t>&gt;` element.</a:t>
+              <a:t>The deployment of command set extensions is similar to other types of SharePoint Frameworks extensions. </a:t>
             </a:r>
           </a:p>
           <a:p>
@@ -2624,19 +2982,16 @@
           <a:p>
             <a:r>
               <a:rPr lang="en-US" dirty="0"/>
-              <a:t>SharePoint Framework command set extensions, like application customizers, support tenant wide deployment. This means the presence of the **</a:t>
-            </a:r>
-            <a:r>
-              <a:rPr lang="en-US" dirty="0" err="1"/>
-              <a:t>ClientSideInstance.xml</a:t>
-            </a:r>
-            <a:r>
-              <a:rPr lang="en-US" dirty="0"/>
-              <a:t>** file within your SharePoint package will add an entry to the **Tenant Wide Extensions** list in the tenants **App Catalog** site when the package is deployed.</a:t>
-            </a:r>
-          </a:p>
-          <a:p>
-            <a:endParaRPr lang="en-US" dirty="0"/>
+              <a:t>When tenant wide deployment isn't enabled for the deployed package, the SharePoint Feature framework is used to provision command set buttons into a SharePoint environment using a custom action. The custom action is defined in **./</a:t>
+            </a:r>
+            <a:r>
+              <a:rPr lang="en-US" dirty="0" err="1"/>
+              <a:t>sharepoint</a:t>
+            </a:r>
+            <a:r>
+              <a:rPr lang="en-US" dirty="0"/>
+              <a:t>/assets/elements.xml** file.</a:t>
+            </a:r>
           </a:p>
         </p:txBody>
       </p:sp>
@@ -2734,7 +3089,7 @@
           <a:p>
             <a:fld id="{D18B56EA-E28F-4F92-9F16-7A6F2501B303}" type="datetime8">
               <a:rPr lang="en-US" smtClean="0"/>
-              <a:t>10/31/2021 2:09 PM</a:t>
+              <a:t>4/30/2022 3:09 PM</a:t>
             </a:fld>
             <a:endParaRPr lang="en-US" dirty="0"/>
           </a:p>
@@ -2821,7 +3176,18 @@
           <a:bodyPr/>
           <a:lstStyle/>
           <a:p>
-            <a:endParaRPr lang="en-US"/>
+            <a:r>
+              <a:rPr lang="en-US" dirty="0"/>
+              <a:t>SharePoint Framework command set extensions, like application customizers, support tenant wide deployment. When tenant wide deployment is enabled for the deployed package, the deployment process uses the **ClientSideInstance.xml** file within your SharePoint package to add an entry to the **Tenant Wide Extensions** list in the tenant's **App Catalog** site. The **ClientSideInstance.xml** file can be found in the **./</a:t>
+            </a:r>
+            <a:r>
+              <a:rPr lang="en-US" dirty="0" err="1"/>
+              <a:t>sharepoint</a:t>
+            </a:r>
+            <a:r>
+              <a:rPr lang="en-US" dirty="0"/>
+              <a:t>/assets** folder in your project.</a:t>
+            </a:r>
           </a:p>
         </p:txBody>
       </p:sp>
@@ -2832,7 +3198,7 @@
             <a:spLocks noGrp="1"/>
           </p:cNvSpPr>
           <p:nvPr>
-            <p:ph type="hdr" sz="quarter" idx="10"/>
+            <p:ph type="hdr" sz="quarter"/>
           </p:nvPr>
         </p:nvSpPr>
         <p:spPr/>
@@ -2840,6 +3206,10 @@
           <a:bodyPr/>
           <a:lstStyle/>
           <a:p>
+            <a:r>
+              <a:rPr lang="en-US"/>
+              <a:t>SharePoint Framework</a:t>
+            </a:r>
             <a:endParaRPr lang="en-US" dirty="0"/>
           </a:p>
         </p:txBody>
@@ -2851,7 +3221,7 @@
             <a:spLocks noGrp="1"/>
           </p:cNvSpPr>
           <p:nvPr>
-            <p:ph type="ftr" sz="quarter" idx="11"/>
+            <p:ph type="ftr" sz="quarter" idx="4"/>
           </p:nvPr>
         </p:nvSpPr>
         <p:spPr/>
@@ -2905,7 +3275,7 @@
             <a:spLocks noGrp="1"/>
           </p:cNvSpPr>
           <p:nvPr>
-            <p:ph type="dt" idx="12"/>
+            <p:ph type="dt" idx="1"/>
           </p:nvPr>
         </p:nvSpPr>
         <p:spPr/>
@@ -2915,7 +3285,7 @@
           <a:p>
             <a:fld id="{D18B56EA-E28F-4F92-9F16-7A6F2501B303}" type="datetime8">
               <a:rPr lang="en-US" smtClean="0"/>
-              <a:t>10/31/2021 2:09 PM</a:t>
+              <a:t>4/30/2022 3:09 PM</a:t>
             </a:fld>
             <a:endParaRPr lang="en-US" dirty="0"/>
           </a:p>
@@ -2928,7 +3298,7 @@
             <a:spLocks noGrp="1"/>
           </p:cNvSpPr>
           <p:nvPr>
-            <p:ph type="sldNum" sz="quarter" idx="13"/>
+            <p:ph type="sldNum" sz="quarter" idx="5"/>
           </p:nvPr>
         </p:nvSpPr>
         <p:spPr/>
@@ -2948,7 +3318,7 @@
     </p:spTree>
     <p:extLst>
       <p:ext uri="{BB962C8B-B14F-4D97-AF65-F5344CB8AC3E}">
-        <p14:creationId xmlns:p14="http://schemas.microsoft.com/office/powerpoint/2010/main" val="2593812498"/>
+        <p14:creationId xmlns:p14="http://schemas.microsoft.com/office/powerpoint/2010/main" val="705484149"/>
       </p:ext>
     </p:extLst>
   </p:cSld>
@@ -3002,7 +3372,18 @@
           <a:bodyPr/>
           <a:lstStyle/>
           <a:p>
-            <a:endParaRPr lang="en-US" dirty="0"/>
+            <a:r>
+              <a:rPr lang="en-US" dirty="0"/>
+              <a:t>The files referenced above are elements of a feature. The definition of the Feature is part of the `solution` object in the **./config/package-</a:t>
+            </a:r>
+            <a:r>
+              <a:rPr lang="en-US" dirty="0" err="1"/>
+              <a:t>solution.json</a:t>
+            </a:r>
+            <a:r>
+              <a:rPr lang="en-US" dirty="0"/>
+              <a:t>** file.</a:t>
+            </a:r>
           </a:p>
         </p:txBody>
       </p:sp>
@@ -3013,7 +3394,7 @@
             <a:spLocks noGrp="1"/>
           </p:cNvSpPr>
           <p:nvPr>
-            <p:ph type="hdr" sz="quarter" idx="10"/>
+            <p:ph type="hdr" sz="quarter"/>
           </p:nvPr>
         </p:nvSpPr>
         <p:spPr/>
@@ -3021,6 +3402,10 @@
           <a:bodyPr/>
           <a:lstStyle/>
           <a:p>
+            <a:r>
+              <a:rPr lang="en-US"/>
+              <a:t>SharePoint Framework</a:t>
+            </a:r>
             <a:endParaRPr lang="en-US" dirty="0"/>
           </a:p>
         </p:txBody>
@@ -3032,7 +3417,7 @@
             <a:spLocks noGrp="1"/>
           </p:cNvSpPr>
           <p:nvPr>
-            <p:ph type="ftr" sz="quarter" idx="11"/>
+            <p:ph type="ftr" sz="quarter" idx="4"/>
           </p:nvPr>
         </p:nvSpPr>
         <p:spPr/>
@@ -3086,7 +3471,7 @@
             <a:spLocks noGrp="1"/>
           </p:cNvSpPr>
           <p:nvPr>
-            <p:ph type="dt" idx="12"/>
+            <p:ph type="dt" idx="1"/>
           </p:nvPr>
         </p:nvSpPr>
         <p:spPr/>
@@ -3096,7 +3481,7 @@
           <a:p>
             <a:fld id="{D18B56EA-E28F-4F92-9F16-7A6F2501B303}" type="datetime8">
               <a:rPr lang="en-US" smtClean="0"/>
-              <a:t>10/31/2021 2:09 PM</a:t>
+              <a:t>4/30/2022 3:09 PM</a:t>
             </a:fld>
             <a:endParaRPr lang="en-US" dirty="0"/>
           </a:p>
@@ -3109,7 +3494,7 @@
             <a:spLocks noGrp="1"/>
           </p:cNvSpPr>
           <p:nvPr>
-            <p:ph type="sldNum" sz="quarter" idx="13"/>
+            <p:ph type="sldNum" sz="quarter" idx="5"/>
           </p:nvPr>
         </p:nvSpPr>
         <p:spPr/>
@@ -3120,7 +3505,7 @@
             <a:fld id="{B4008EB6-D09E-4580-8CD6-DDB14511944F}" type="slidenum">
               <a:rPr lang="en-US" smtClean="0"/>
               <a:pPr/>
-              <a:t>10</a:t>
+              <a:t>9</a:t>
             </a:fld>
             <a:endParaRPr lang="en-US" dirty="0"/>
           </a:p>
@@ -3129,7 +3514,7 @@
     </p:spTree>
     <p:extLst>
       <p:ext uri="{BB962C8B-B14F-4D97-AF65-F5344CB8AC3E}">
-        <p14:creationId xmlns:p14="http://schemas.microsoft.com/office/powerpoint/2010/main" val="3282806226"/>
+        <p14:creationId xmlns:p14="http://schemas.microsoft.com/office/powerpoint/2010/main" val="3958341472"/>
       </p:ext>
     </p:extLst>
   </p:cSld>
@@ -15906,6 +16291,560 @@
       </p:grpSpPr>
       <p:sp>
         <p:nvSpPr>
+          <p:cNvPr id="2" name="Title 1"/>
+          <p:cNvSpPr>
+            <a:spLocks noGrp="1"/>
+          </p:cNvSpPr>
+          <p:nvPr>
+            <p:ph type="title"/>
+          </p:nvPr>
+        </p:nvSpPr>
+        <p:spPr/>
+        <p:txBody>
+          <a:bodyPr/>
+          <a:lstStyle/>
+          <a:p>
+            <a:r>
+              <a:rPr lang="en-US" dirty="0"/>
+              <a:t>Demo</a:t>
+            </a:r>
+            <a:br>
+              <a:rPr lang="en-US" dirty="0"/>
+            </a:br>
+            <a:r>
+              <a:rPr lang="en-US" sz="2400" dirty="0"/>
+              <a:t>Creating SharePoint Framework List View Command Sets</a:t>
+            </a:r>
+            <a:endParaRPr lang="en-US" dirty="0"/>
+          </a:p>
+        </p:txBody>
+      </p:sp>
+    </p:spTree>
+    <p:extLst>
+      <p:ext uri="{BB962C8B-B14F-4D97-AF65-F5344CB8AC3E}">
+        <p14:creationId xmlns:p14="http://schemas.microsoft.com/office/powerpoint/2010/main" val="136376238"/>
+      </p:ext>
+    </p:extLst>
+  </p:cSld>
+  <p:clrMapOvr>
+    <a:masterClrMapping/>
+  </p:clrMapOvr>
+  <p:transition>
+    <p:fade/>
+  </p:transition>
+</p:sld>
+</file>
+
+<file path=ppt/slides/slide11.xml><?xml version="1.0" encoding="utf-8"?>
+<p:sld xmlns:a="http://schemas.openxmlformats.org/drawingml/2006/main" xmlns:r="http://schemas.openxmlformats.org/officeDocument/2006/relationships" xmlns:p="http://schemas.openxmlformats.org/presentationml/2006/main">
+  <p:cSld>
+    <p:spTree>
+      <p:nvGrpSpPr>
+        <p:cNvPr id="1" name=""/>
+        <p:cNvGrpSpPr/>
+        <p:nvPr/>
+      </p:nvGrpSpPr>
+      <p:grpSpPr>
+        <a:xfrm>
+          <a:off x="0" y="0"/>
+          <a:ext cx="0" cy="0"/>
+          <a:chOff x="0" y="0"/>
+          <a:chExt cx="0" cy="0"/>
+        </a:xfrm>
+      </p:grpSpPr>
+      <p:pic>
+        <p:nvPicPr>
+          <p:cNvPr id="5" name="Picture 4" descr="A group of people sitting at a table&#10;&#10;Description generated with high confidence">
+            <a:extLst>
+              <a:ext uri="{FF2B5EF4-FFF2-40B4-BE49-F238E27FC236}">
+                <a16:creationId xmlns:a16="http://schemas.microsoft.com/office/drawing/2014/main" id="{D2306968-4303-2646-8585-0AC3A60408F7}"/>
+              </a:ext>
+            </a:extLst>
+          </p:cNvPr>
+          <p:cNvPicPr>
+            <a:picLocks noChangeAspect="1"/>
+          </p:cNvPicPr>
+          <p:nvPr/>
+        </p:nvPicPr>
+        <p:blipFill rotWithShape="1">
+          <a:blip r:embed="rId2" cstate="screen">
+            <a:extLst>
+              <a:ext uri="{28A0092B-C50C-407E-A947-70E740481C1C}">
+                <a14:useLocalDpi xmlns:a14="http://schemas.microsoft.com/office/drawing/2010/main"/>
+              </a:ext>
+            </a:extLst>
+          </a:blip>
+          <a:srcRect l="-2"/>
+          <a:stretch/>
+        </p:blipFill>
+        <p:spPr>
+          <a:xfrm flipH="1">
+            <a:off x="1943100" y="0"/>
+            <a:ext cx="10493376" cy="6994525"/>
+          </a:xfrm>
+          <a:prstGeom prst="rect">
+            <a:avLst/>
+          </a:prstGeom>
+        </p:spPr>
+      </p:pic>
+      <p:sp>
+        <p:nvSpPr>
+          <p:cNvPr id="6" name="Rectangle 5">
+            <a:extLst>
+              <a:ext uri="{FF2B5EF4-FFF2-40B4-BE49-F238E27FC236}">
+                <a16:creationId xmlns:a16="http://schemas.microsoft.com/office/drawing/2014/main" id="{983A2655-A41F-244A-9475-FD805B4A5770}"/>
+              </a:ext>
+            </a:extLst>
+          </p:cNvPr>
+          <p:cNvSpPr/>
+          <p:nvPr/>
+        </p:nvSpPr>
+        <p:spPr bwMode="auto">
+          <a:xfrm>
+            <a:off x="0" y="0"/>
+            <a:ext cx="10048876" cy="6994525"/>
+          </a:xfrm>
+          <a:prstGeom prst="rect">
+            <a:avLst/>
+          </a:prstGeom>
+          <a:gradFill flip="none" rotWithShape="1">
+            <a:gsLst>
+              <a:gs pos="0">
+                <a:schemeClr val="accent1">
+                  <a:lumMod val="5000"/>
+                  <a:lumOff val="95000"/>
+                  <a:alpha val="0"/>
+                </a:schemeClr>
+              </a:gs>
+              <a:gs pos="59000">
+                <a:schemeClr val="bg1"/>
+              </a:gs>
+              <a:gs pos="100000">
+                <a:schemeClr val="bg1"/>
+              </a:gs>
+            </a:gsLst>
+            <a:lin ang="10800000" scaled="0"/>
+            <a:tileRect/>
+          </a:gradFill>
+          <a:ln>
+            <a:noFill/>
+            <a:headEnd type="none" w="med" len="med"/>
+            <a:tailEnd type="none" w="med" len="med"/>
+          </a:ln>
+          <a:effectLst/>
+        </p:spPr>
+        <p:style>
+          <a:lnRef idx="1">
+            <a:schemeClr val="accent2"/>
+          </a:lnRef>
+          <a:fillRef idx="3">
+            <a:schemeClr val="accent2"/>
+          </a:fillRef>
+          <a:effectRef idx="2">
+            <a:schemeClr val="accent2"/>
+          </a:effectRef>
+          <a:fontRef idx="minor">
+            <a:schemeClr val="lt1"/>
+          </a:fontRef>
+        </p:style>
+        <p:txBody>
+          <a:bodyPr rot="0" spcFirstLastPara="0" vertOverflow="overflow" horzOverflow="overflow" vert="horz" wrap="square" lIns="182880" tIns="146304" rIns="182880" bIns="146304" numCol="1" spcCol="0" rtlCol="0" fromWordArt="0" anchor="t" anchorCtr="0" forceAA="0" compatLnSpc="1">
+            <a:prstTxWarp prst="textNoShape">
+              <a:avLst/>
+            </a:prstTxWarp>
+            <a:noAutofit/>
+          </a:bodyPr>
+          <a:lstStyle/>
+          <a:p>
+            <a:pPr algn="ctr" defTabSz="932472" fontAlgn="base">
+              <a:lnSpc>
+                <a:spcPct val="90000"/>
+              </a:lnSpc>
+              <a:spcBef>
+                <a:spcPct val="0"/>
+              </a:spcBef>
+              <a:spcAft>
+                <a:spcPct val="0"/>
+              </a:spcAft>
+            </a:pPr>
+            <a:endParaRPr lang="en-US" sz="2400" err="1">
+              <a:gradFill>
+                <a:gsLst>
+                  <a:gs pos="0">
+                    <a:srgbClr val="FFFFFF"/>
+                  </a:gs>
+                  <a:gs pos="100000">
+                    <a:srgbClr val="FFFFFF"/>
+                  </a:gs>
+                </a:gsLst>
+                <a:lin ang="5400000" scaled="0"/>
+              </a:gradFill>
+              <a:ea typeface="Segoe UI" pitchFamily="34" charset="0"/>
+              <a:cs typeface="Segoe UI" pitchFamily="34" charset="0"/>
+            </a:endParaRPr>
+          </a:p>
+        </p:txBody>
+      </p:sp>
+      <p:sp>
+        <p:nvSpPr>
+          <p:cNvPr id="4" name="Title 3">
+            <a:extLst>
+              <a:ext uri="{FF2B5EF4-FFF2-40B4-BE49-F238E27FC236}">
+                <a16:creationId xmlns:a16="http://schemas.microsoft.com/office/drawing/2014/main" id="{8047349F-0B8F-4D12-A39C-718C1C57DDFF}"/>
+              </a:ext>
+            </a:extLst>
+          </p:cNvPr>
+          <p:cNvSpPr>
+            <a:spLocks noGrp="1"/>
+          </p:cNvSpPr>
+          <p:nvPr>
+            <p:ph type="title"/>
+          </p:nvPr>
+        </p:nvSpPr>
+        <p:spPr>
+          <a:xfrm>
+            <a:off x="465138" y="1843063"/>
+            <a:ext cx="11533187" cy="411162"/>
+          </a:xfrm>
+        </p:spPr>
+        <p:txBody>
+          <a:bodyPr/>
+          <a:lstStyle/>
+          <a:p>
+            <a:r>
+              <a:rPr lang="en-US" dirty="0"/>
+              <a:t>Summary</a:t>
+            </a:r>
+          </a:p>
+        </p:txBody>
+      </p:sp>
+      <p:sp>
+        <p:nvSpPr>
+          <p:cNvPr id="10" name="Text Placeholder 6">
+            <a:extLst>
+              <a:ext uri="{FF2B5EF4-FFF2-40B4-BE49-F238E27FC236}">
+                <a16:creationId xmlns:a16="http://schemas.microsoft.com/office/drawing/2014/main" id="{61D48218-75E0-4C6C-BFA7-A1010BADED35}"/>
+              </a:ext>
+            </a:extLst>
+          </p:cNvPr>
+          <p:cNvSpPr txBox="1">
+            <a:spLocks/>
+          </p:cNvSpPr>
+          <p:nvPr/>
+        </p:nvSpPr>
+        <p:spPr>
+          <a:xfrm>
+            <a:off x="465139" y="2621905"/>
+            <a:ext cx="4234184" cy="1126462"/>
+          </a:xfrm>
+          <a:prstGeom prst="rect">
+            <a:avLst/>
+          </a:prstGeom>
+        </p:spPr>
+        <p:txBody>
+          <a:bodyPr vert="horz" wrap="square" lIns="0" tIns="0" rIns="0" bIns="0" rtlCol="0">
+            <a:spAutoFit/>
+          </a:bodyPr>
+          <a:lstStyle>
+            <a:lvl1pPr marL="0" marR="0" indent="0" algn="l" defTabSz="932742" rtl="0" eaLnBrk="1" fontAlgn="auto" latinLnBrk="0" hangingPunct="1">
+              <a:lnSpc>
+                <a:spcPts val="1800"/>
+              </a:lnSpc>
+              <a:spcBef>
+                <a:spcPts val="0"/>
+              </a:spcBef>
+              <a:spcAft>
+                <a:spcPts val="0"/>
+              </a:spcAft>
+              <a:buClrTx/>
+              <a:buSzPct val="90000"/>
+              <a:buFont typeface="Wingdings" panose="05000000000000000000" pitchFamily="2" charset="2"/>
+              <a:buNone/>
+              <a:tabLst/>
+              <a:defRPr sz="1400" b="1" kern="1200" spc="0" baseline="0">
+                <a:solidFill>
+                  <a:schemeClr val="tx1"/>
+                </a:solidFill>
+                <a:latin typeface="+mn-lt"/>
+                <a:ea typeface="+mn-ea"/>
+                <a:cs typeface="+mn-cs"/>
+              </a:defRPr>
+            </a:lvl1pPr>
+            <a:lvl2pPr marL="0" marR="0" indent="0" algn="l" defTabSz="932742" rtl="0" eaLnBrk="1" fontAlgn="auto" latinLnBrk="0" hangingPunct="1">
+              <a:lnSpc>
+                <a:spcPts val="1800"/>
+              </a:lnSpc>
+              <a:spcBef>
+                <a:spcPts val="0"/>
+              </a:spcBef>
+              <a:spcAft>
+                <a:spcPts val="0"/>
+              </a:spcAft>
+              <a:buClrTx/>
+              <a:buSzPct val="90000"/>
+              <a:buFont typeface="Wingdings" panose="05000000000000000000" pitchFamily="2" charset="2"/>
+              <a:buNone/>
+              <a:tabLst/>
+              <a:defRPr sz="1400" kern="1200" spc="0" baseline="0">
+                <a:solidFill>
+                  <a:schemeClr val="tx1"/>
+                </a:solidFill>
+                <a:latin typeface="+mn-lt"/>
+                <a:ea typeface="+mn-ea"/>
+                <a:cs typeface="+mn-cs"/>
+              </a:defRPr>
+            </a:lvl2pPr>
+            <a:lvl3pPr marL="457200" marR="0" indent="0" algn="l" defTabSz="932742" rtl="0" eaLnBrk="1" fontAlgn="auto" latinLnBrk="0" hangingPunct="1">
+              <a:lnSpc>
+                <a:spcPct val="90000"/>
+              </a:lnSpc>
+              <a:spcBef>
+                <a:spcPct val="20000"/>
+              </a:spcBef>
+              <a:spcAft>
+                <a:spcPts val="0"/>
+              </a:spcAft>
+              <a:buClrTx/>
+              <a:buSzPct val="90000"/>
+              <a:buFont typeface="Wingdings" panose="05000000000000000000" pitchFamily="2" charset="2"/>
+              <a:buNone/>
+              <a:tabLst/>
+              <a:defRPr sz="2400" kern="1200" spc="0" baseline="0">
+                <a:gradFill>
+                  <a:gsLst>
+                    <a:gs pos="1250">
+                      <a:schemeClr val="tx1"/>
+                    </a:gs>
+                    <a:gs pos="100000">
+                      <a:schemeClr val="tx1"/>
+                    </a:gs>
+                  </a:gsLst>
+                  <a:lin ang="5400000" scaled="0"/>
+                </a:gradFill>
+                <a:latin typeface="+mn-lt"/>
+                <a:ea typeface="+mn-ea"/>
+                <a:cs typeface="+mn-cs"/>
+              </a:defRPr>
+            </a:lvl3pPr>
+            <a:lvl4pPr marL="685800" marR="0" indent="0" algn="l" defTabSz="932742" rtl="0" eaLnBrk="1" fontAlgn="auto" latinLnBrk="0" hangingPunct="1">
+              <a:lnSpc>
+                <a:spcPct val="90000"/>
+              </a:lnSpc>
+              <a:spcBef>
+                <a:spcPct val="20000"/>
+              </a:spcBef>
+              <a:spcAft>
+                <a:spcPts val="0"/>
+              </a:spcAft>
+              <a:buClrTx/>
+              <a:buSzPct val="90000"/>
+              <a:buFont typeface="Wingdings" panose="05000000000000000000" pitchFamily="2" charset="2"/>
+              <a:buNone/>
+              <a:tabLst/>
+              <a:defRPr sz="2200" kern="1200" spc="0" baseline="0">
+                <a:gradFill>
+                  <a:gsLst>
+                    <a:gs pos="1250">
+                      <a:schemeClr val="tx1"/>
+                    </a:gs>
+                    <a:gs pos="100000">
+                      <a:schemeClr val="tx1"/>
+                    </a:gs>
+                  </a:gsLst>
+                  <a:lin ang="5400000" scaled="0"/>
+                </a:gradFill>
+                <a:latin typeface="+mn-lt"/>
+                <a:ea typeface="+mn-ea"/>
+                <a:cs typeface="+mn-cs"/>
+              </a:defRPr>
+            </a:lvl4pPr>
+            <a:lvl5pPr marL="914400" marR="0" indent="0" algn="l" defTabSz="932742" rtl="0" eaLnBrk="1" fontAlgn="auto" latinLnBrk="0" hangingPunct="1">
+              <a:lnSpc>
+                <a:spcPct val="90000"/>
+              </a:lnSpc>
+              <a:spcBef>
+                <a:spcPct val="20000"/>
+              </a:spcBef>
+              <a:spcAft>
+                <a:spcPts val="0"/>
+              </a:spcAft>
+              <a:buClrTx/>
+              <a:buSzPct val="90000"/>
+              <a:buFont typeface="Wingdings" panose="05000000000000000000" pitchFamily="2" charset="2"/>
+              <a:buNone/>
+              <a:tabLst/>
+              <a:defRPr sz="2200" kern="1200" spc="0" baseline="0">
+                <a:gradFill>
+                  <a:gsLst>
+                    <a:gs pos="1250">
+                      <a:schemeClr val="tx1"/>
+                    </a:gs>
+                    <a:gs pos="100000">
+                      <a:schemeClr val="tx1"/>
+                    </a:gs>
+                  </a:gsLst>
+                  <a:lin ang="5400000" scaled="0"/>
+                </a:gradFill>
+                <a:latin typeface="+mn-lt"/>
+                <a:ea typeface="+mn-ea"/>
+                <a:cs typeface="+mn-cs"/>
+              </a:defRPr>
+            </a:lvl5pPr>
+            <a:lvl6pPr marL="2565040" indent="-233186" algn="l" defTabSz="932742" rtl="0" eaLnBrk="1" latinLnBrk="0" hangingPunct="1">
+              <a:spcBef>
+                <a:spcPct val="20000"/>
+              </a:spcBef>
+              <a:buFont typeface="Arial" pitchFamily="34" charset="0"/>
+              <a:buChar char="•"/>
+              <a:defRPr sz="2000" kern="1200">
+                <a:solidFill>
+                  <a:schemeClr val="tx1"/>
+                </a:solidFill>
+                <a:latin typeface="+mn-lt"/>
+                <a:ea typeface="+mn-ea"/>
+                <a:cs typeface="+mn-cs"/>
+              </a:defRPr>
+            </a:lvl6pPr>
+            <a:lvl7pPr marL="3031412" indent="-233186" algn="l" defTabSz="932742" rtl="0" eaLnBrk="1" latinLnBrk="0" hangingPunct="1">
+              <a:spcBef>
+                <a:spcPct val="20000"/>
+              </a:spcBef>
+              <a:buFont typeface="Arial" pitchFamily="34" charset="0"/>
+              <a:buChar char="•"/>
+              <a:defRPr sz="2000" kern="1200">
+                <a:solidFill>
+                  <a:schemeClr val="tx1"/>
+                </a:solidFill>
+                <a:latin typeface="+mn-lt"/>
+                <a:ea typeface="+mn-ea"/>
+                <a:cs typeface="+mn-cs"/>
+              </a:defRPr>
+            </a:lvl7pPr>
+            <a:lvl8pPr marL="3497783" indent="-233186" algn="l" defTabSz="932742" rtl="0" eaLnBrk="1" latinLnBrk="0" hangingPunct="1">
+              <a:spcBef>
+                <a:spcPct val="20000"/>
+              </a:spcBef>
+              <a:buFont typeface="Arial" pitchFamily="34" charset="0"/>
+              <a:buChar char="•"/>
+              <a:defRPr sz="2000" kern="1200">
+                <a:solidFill>
+                  <a:schemeClr val="tx1"/>
+                </a:solidFill>
+                <a:latin typeface="+mn-lt"/>
+                <a:ea typeface="+mn-ea"/>
+                <a:cs typeface="+mn-cs"/>
+              </a:defRPr>
+            </a:lvl8pPr>
+            <a:lvl9pPr marL="3964155" indent="-233186" algn="l" defTabSz="932742" rtl="0" eaLnBrk="1" latinLnBrk="0" hangingPunct="1">
+              <a:spcBef>
+                <a:spcPct val="20000"/>
+              </a:spcBef>
+              <a:buFont typeface="Arial" pitchFamily="34" charset="0"/>
+              <a:buChar char="•"/>
+              <a:defRPr sz="2000" kern="1200">
+                <a:solidFill>
+                  <a:schemeClr val="tx1"/>
+                </a:solidFill>
+                <a:latin typeface="+mn-lt"/>
+                <a:ea typeface="+mn-ea"/>
+                <a:cs typeface="+mn-cs"/>
+              </a:defRPr>
+            </a:lvl9pPr>
+          </a:lstStyle>
+          <a:p>
+            <a:pPr lvl="0">
+              <a:lnSpc>
+                <a:spcPct val="90000"/>
+              </a:lnSpc>
+              <a:spcBef>
+                <a:spcPts val="1800"/>
+              </a:spcBef>
+            </a:pPr>
+            <a:r>
+              <a:rPr lang="en-US" sz="1600" b="0" dirty="0">
+                <a:solidFill>
+                  <a:srgbClr val="2F2F2F"/>
+                </a:solidFill>
+                <a:latin typeface="Segoe UI Semibold"/>
+              </a:rPr>
+              <a:t>Overview</a:t>
+            </a:r>
+          </a:p>
+          <a:p>
+            <a:pPr lvl="0">
+              <a:lnSpc>
+                <a:spcPct val="90000"/>
+              </a:lnSpc>
+              <a:spcBef>
+                <a:spcPts val="1800"/>
+              </a:spcBef>
+            </a:pPr>
+            <a:r>
+              <a:rPr lang="en-US" sz="1600" b="0" dirty="0">
+                <a:solidFill>
+                  <a:srgbClr val="2F2F2F"/>
+                </a:solidFill>
+                <a:latin typeface="Segoe UI Semibold"/>
+              </a:rPr>
+              <a:t>Debugging &amp; Testing</a:t>
+            </a:r>
+          </a:p>
+          <a:p>
+            <a:pPr lvl="0">
+              <a:lnSpc>
+                <a:spcPct val="90000"/>
+              </a:lnSpc>
+              <a:spcBef>
+                <a:spcPts val="1800"/>
+              </a:spcBef>
+            </a:pPr>
+            <a:r>
+              <a:rPr lang="en-US" sz="1600" b="0" dirty="0">
+                <a:solidFill>
+                  <a:srgbClr val="2F2F2F"/>
+                </a:solidFill>
+                <a:latin typeface="Segoe UI Semibold"/>
+              </a:rPr>
+              <a:t>Deploying</a:t>
+            </a:r>
+          </a:p>
+        </p:txBody>
+      </p:sp>
+    </p:spTree>
+    <p:extLst>
+      <p:ext uri="{BB962C8B-B14F-4D97-AF65-F5344CB8AC3E}">
+        <p14:creationId xmlns:p14="http://schemas.microsoft.com/office/powerpoint/2010/main" val="2897804118"/>
+      </p:ext>
+    </p:extLst>
+  </p:cSld>
+  <p:clrMapOvr>
+    <a:masterClrMapping/>
+  </p:clrMapOvr>
+  <p:transition>
+    <p:fade/>
+  </p:transition>
+</p:sld>
+</file>
+
+<file path=ppt/slides/slide12.xml><?xml version="1.0" encoding="utf-8"?>
+<p:sld xmlns:a="http://schemas.openxmlformats.org/drawingml/2006/main" xmlns:r="http://schemas.openxmlformats.org/officeDocument/2006/relationships" xmlns:p="http://schemas.openxmlformats.org/presentationml/2006/main">
+  <p:cSld>
+    <p:spTree>
+      <p:nvGrpSpPr>
+        <p:cNvPr id="1" name=""/>
+        <p:cNvGrpSpPr/>
+        <p:nvPr/>
+      </p:nvGrpSpPr>
+      <p:grpSpPr>
+        <a:xfrm>
+          <a:off x="0" y="0"/>
+          <a:ext cx="0" cy="0"/>
+          <a:chOff x="0" y="0"/>
+          <a:chExt cx="0" cy="0"/>
+        </a:xfrm>
+      </p:grpSpPr>
+      <p:sp>
+        <p:nvSpPr>
           <p:cNvPr id="4" name="Rectangle 3">
             <a:extLst>
               <a:ext uri="{FF2B5EF4-FFF2-40B4-BE49-F238E27FC236}">
@@ -16229,7 +17168,7 @@
 </p:sld>
 </file>
 
-<file path=ppt/slides/slide11.xml><?xml version="1.0" encoding="utf-8"?>
+<file path=ppt/slides/slide13.xml><?xml version="1.0" encoding="utf-8"?>
 <p:sld xmlns:a="http://schemas.openxmlformats.org/drawingml/2006/main" xmlns:r="http://schemas.openxmlformats.org/officeDocument/2006/relationships" xmlns:p="http://schemas.openxmlformats.org/presentationml/2006/main">
   <p:cSld>
     <p:spTree>
@@ -16293,7 +17232,7 @@
 </p:sld>
 </file>
 
-<file path=ppt/slides/slide12.xml><?xml version="1.0" encoding="utf-8"?>
+<file path=ppt/slides/slide14.xml><?xml version="1.0" encoding="utf-8"?>
 <p:sld xmlns:a="http://schemas.openxmlformats.org/drawingml/2006/main" xmlns:r="http://schemas.openxmlformats.org/officeDocument/2006/relationships" xmlns:p="http://schemas.openxmlformats.org/presentationml/2006/main">
   <p:cSld>
     <p:spTree>
@@ -17468,7 +18407,7 @@
         <p:spPr>
           <a:xfrm>
             <a:off x="274638" y="1212850"/>
-            <a:ext cx="11887200" cy="3056221"/>
+            <a:ext cx="11887200" cy="3157788"/>
           </a:xfrm>
         </p:spPr>
         <p:txBody>
@@ -17477,68 +18416,47 @@
           <a:p>
             <a:r>
               <a:rPr lang="en-US" dirty="0"/>
-              <a:t>Extension deployment utilizes existing Feature framework</a:t>
+              <a:t>Extension deployment utilizes SharePoint Feature framework </a:t>
+            </a:r>
+          </a:p>
+          <a:p>
+            <a:endParaRPr lang="en-US" dirty="0"/>
+          </a:p>
+          <a:p>
+            <a:r>
+              <a:rPr lang="en-US" dirty="0"/>
+              <a:t>Command set buttons provisioned using a custom action defined in elements.xml</a:t>
+            </a:r>
+            <a:endParaRPr lang="en-US" dirty="0">
+              <a:latin typeface="Courier New" panose="02070309020205020404" pitchFamily="49" charset="0"/>
+              <a:cs typeface="Courier New" panose="02070309020205020404" pitchFamily="49" charset="0"/>
+            </a:endParaRPr>
+          </a:p>
+          <a:p>
+            <a:endParaRPr lang="en-US" dirty="0"/>
+          </a:p>
+          <a:p>
+            <a:r>
+              <a:rPr lang="en-US" dirty="0"/>
+              <a:t>Deployment similar to web parts</a:t>
             </a:r>
           </a:p>
           <a:p>
             <a:pPr lvl="1"/>
             <a:r>
               <a:rPr lang="en-US" dirty="0"/>
-              <a:t>Command set: </a:t>
-            </a:r>
-            <a:r>
-              <a:rPr lang="en-US" dirty="0">
-                <a:latin typeface="Courier New" panose="02070309020205020404" pitchFamily="49" charset="0"/>
-                <a:cs typeface="Courier New" panose="02070309020205020404" pitchFamily="49" charset="0"/>
-              </a:rPr>
-              <a:t>&lt;</a:t>
-            </a:r>
-            <a:r>
-              <a:rPr lang="en-US" dirty="0" err="1">
-                <a:latin typeface="Courier New" panose="02070309020205020404" pitchFamily="49" charset="0"/>
-                <a:cs typeface="Courier New" panose="02070309020205020404" pitchFamily="49" charset="0"/>
-              </a:rPr>
-              <a:t>CustomAction</a:t>
-            </a:r>
-            <a:r>
-              <a:rPr lang="en-US" dirty="0">
-                <a:latin typeface="Courier New" panose="02070309020205020404" pitchFamily="49" charset="0"/>
-                <a:cs typeface="Courier New" panose="02070309020205020404" pitchFamily="49" charset="0"/>
-              </a:rPr>
-              <a:t>&gt;</a:t>
+              <a:t>Upload SharePoint Package to tenant / site collection app catalog</a:t>
+            </a:r>
+          </a:p>
+          <a:p>
+            <a:pPr lvl="1"/>
+            <a:r>
+              <a:rPr lang="en-US" dirty="0"/>
+              <a:t>Install app</a:t>
             </a:r>
           </a:p>
           <a:p>
             <a:endParaRPr lang="en-US" dirty="0"/>
-          </a:p>
-          <a:p>
-            <a:r>
-              <a:rPr lang="en-US" dirty="0"/>
-              <a:t>Deployment similar to web parts</a:t>
-            </a:r>
-          </a:p>
-          <a:p>
-            <a:pPr lvl="1"/>
-            <a:r>
-              <a:rPr lang="en-US" dirty="0"/>
-              <a:t>Upload SharePoint Package to tenant / site collection app catalog</a:t>
-            </a:r>
-          </a:p>
-          <a:p>
-            <a:pPr lvl="1"/>
-            <a:r>
-              <a:rPr lang="en-US" dirty="0"/>
-              <a:t>Install app</a:t>
-            </a:r>
-          </a:p>
-          <a:p>
-            <a:endParaRPr lang="en-US" dirty="0"/>
-          </a:p>
-          <a:p>
-            <a:r>
-              <a:rPr lang="en-US" dirty="0"/>
-              <a:t>Some extensions type support tenant-wide deployment</a:t>
-            </a:r>
           </a:p>
         </p:txBody>
       </p:sp>
@@ -17570,6 +18488,36 @@
           </a:p>
         </p:txBody>
       </p:sp>
+      <p:pic>
+        <p:nvPicPr>
+          <p:cNvPr id="5" name="Picture 4">
+            <a:extLst>
+              <a:ext uri="{FF2B5EF4-FFF2-40B4-BE49-F238E27FC236}">
+                <a16:creationId xmlns:a16="http://schemas.microsoft.com/office/drawing/2014/main" id="{4AB1B74F-2A3F-A0BE-25EF-DE97C60999C8}"/>
+              </a:ext>
+            </a:extLst>
+          </p:cNvPr>
+          <p:cNvPicPr>
+            <a:picLocks noChangeAspect="1"/>
+          </p:cNvPicPr>
+          <p:nvPr/>
+        </p:nvPicPr>
+        <p:blipFill>
+          <a:blip r:embed="rId3"/>
+          <a:stretch>
+            <a:fillRect/>
+          </a:stretch>
+        </p:blipFill>
+        <p:spPr>
+          <a:xfrm>
+            <a:off x="2167975" y="4150596"/>
+            <a:ext cx="8100524" cy="2502672"/>
+          </a:xfrm>
+          <a:prstGeom prst="rect">
+            <a:avLst/>
+          </a:prstGeom>
+        </p:spPr>
+      </p:pic>
     </p:spTree>
     <p:extLst>
       <p:ext uri="{BB962C8B-B14F-4D97-AF65-F5344CB8AC3E}">
@@ -17605,38 +18553,150 @@
       </p:grpSpPr>
       <p:sp>
         <p:nvSpPr>
-          <p:cNvPr id="2" name="Title 1"/>
+          <p:cNvPr id="2" name="Text Placeholder 1">
+            <a:extLst>
+              <a:ext uri="{FF2B5EF4-FFF2-40B4-BE49-F238E27FC236}">
+                <a16:creationId xmlns:a16="http://schemas.microsoft.com/office/drawing/2014/main" id="{7C877E54-8532-BC4D-BE22-ED396111B657}"/>
+              </a:ext>
+            </a:extLst>
+          </p:cNvPr>
           <p:cNvSpPr>
             <a:spLocks noGrp="1"/>
           </p:cNvSpPr>
           <p:nvPr>
-            <p:ph type="title"/>
-          </p:nvPr>
-        </p:nvSpPr>
-        <p:spPr/>
+            <p:ph type="body" sz="quarter" idx="10"/>
+          </p:nvPr>
+        </p:nvSpPr>
+        <p:spPr>
+          <a:xfrm>
+            <a:off x="274638" y="1212850"/>
+            <a:ext cx="11887200" cy="2446824"/>
+          </a:xfrm>
+        </p:spPr>
         <p:txBody>
           <a:bodyPr/>
           <a:lstStyle/>
           <a:p>
             <a:r>
               <a:rPr lang="en-US" dirty="0"/>
-              <a:t>Demo</a:t>
-            </a:r>
-            <a:br>
-              <a:rPr lang="en-US" dirty="0"/>
-            </a:br>
-            <a:r>
-              <a:rPr lang="en-US" sz="2400" dirty="0"/>
-              <a:t>Creating SharePoint Framework List View Command Sets</a:t>
-            </a:r>
+              <a:t>Command set extensions support tenant wide deployment</a:t>
+            </a:r>
+          </a:p>
+          <a:p>
             <a:endParaRPr lang="en-US" dirty="0"/>
           </a:p>
-        </p:txBody>
-      </p:sp>
+          <a:p>
+            <a:r>
+              <a:rPr lang="en-US" dirty="0"/>
+              <a:t>Tenant wide deployment process uses the ClientSideInstance.xml file</a:t>
+            </a:r>
+          </a:p>
+          <a:p>
+            <a:pPr lvl="1"/>
+            <a:r>
+              <a:rPr lang="en-US" dirty="0"/>
+              <a:t>Command set: </a:t>
+            </a:r>
+            <a:r>
+              <a:rPr lang="en-US" dirty="0">
+                <a:latin typeface="Courier New" panose="02070309020205020404" pitchFamily="49" charset="0"/>
+                <a:cs typeface="Courier New" panose="02070309020205020404" pitchFamily="49" charset="0"/>
+              </a:rPr>
+              <a:t>&lt;</a:t>
+            </a:r>
+            <a:r>
+              <a:rPr lang="en-US" dirty="0" err="1">
+                <a:latin typeface="Courier New" panose="02070309020205020404" pitchFamily="49" charset="0"/>
+                <a:cs typeface="Courier New" panose="02070309020205020404" pitchFamily="49" charset="0"/>
+              </a:rPr>
+              <a:t>ClientSideComponentInstance</a:t>
+            </a:r>
+            <a:r>
+              <a:rPr lang="en-US" dirty="0">
+                <a:latin typeface="Courier New" panose="02070309020205020404" pitchFamily="49" charset="0"/>
+                <a:cs typeface="Courier New" panose="02070309020205020404" pitchFamily="49" charset="0"/>
+              </a:rPr>
+              <a:t>&gt;</a:t>
+            </a:r>
+          </a:p>
+          <a:p>
+            <a:endParaRPr lang="en-US" dirty="0"/>
+          </a:p>
+          <a:p>
+            <a:r>
+              <a:rPr lang="en-US" dirty="0"/>
+              <a:t>Entry added to the Tenant Wide Extensions list in the tenant’s app catalog site</a:t>
+            </a:r>
+          </a:p>
+        </p:txBody>
+      </p:sp>
+      <p:sp>
+        <p:nvSpPr>
+          <p:cNvPr id="3" name="Title 2">
+            <a:extLst>
+              <a:ext uri="{FF2B5EF4-FFF2-40B4-BE49-F238E27FC236}">
+                <a16:creationId xmlns:a16="http://schemas.microsoft.com/office/drawing/2014/main" id="{F21B06D3-DD63-D04D-8257-64155C50E5FA}"/>
+              </a:ext>
+            </a:extLst>
+          </p:cNvPr>
+          <p:cNvSpPr>
+            <a:spLocks noGrp="1"/>
+          </p:cNvSpPr>
+          <p:nvPr>
+            <p:ph type="title"/>
+          </p:nvPr>
+        </p:nvSpPr>
+        <p:spPr>
+          <a:xfrm>
+            <a:off x="464400" y="633600"/>
+            <a:ext cx="11574000" cy="387798"/>
+          </a:xfrm>
+        </p:spPr>
+        <p:txBody>
+          <a:bodyPr/>
+          <a:lstStyle/>
+          <a:p>
+            <a:r>
+              <a:rPr lang="en-US" dirty="0"/>
+              <a:t>Deployment – Tenant Wide</a:t>
+            </a:r>
+          </a:p>
+        </p:txBody>
+      </p:sp>
+      <p:pic>
+        <p:nvPicPr>
+          <p:cNvPr id="5" name="Picture 4">
+            <a:extLst>
+              <a:ext uri="{FF2B5EF4-FFF2-40B4-BE49-F238E27FC236}">
+                <a16:creationId xmlns:a16="http://schemas.microsoft.com/office/drawing/2014/main" id="{EB2B195D-F542-090F-627D-62FFC84AA051}"/>
+              </a:ext>
+            </a:extLst>
+          </p:cNvPr>
+          <p:cNvPicPr>
+            <a:picLocks noChangeAspect="1"/>
+          </p:cNvPicPr>
+          <p:nvPr/>
+        </p:nvPicPr>
+        <p:blipFill>
+          <a:blip r:embed="rId3"/>
+          <a:stretch>
+            <a:fillRect/>
+          </a:stretch>
+        </p:blipFill>
+        <p:spPr>
+          <a:xfrm>
+            <a:off x="2050976" y="4183524"/>
+            <a:ext cx="8334522" cy="2480512"/>
+          </a:xfrm>
+          <a:prstGeom prst="rect">
+            <a:avLst/>
+          </a:prstGeom>
+        </p:spPr>
+      </p:pic>
     </p:spTree>
     <p:extLst>
       <p:ext uri="{BB962C8B-B14F-4D97-AF65-F5344CB8AC3E}">
-        <p14:creationId xmlns:p14="http://schemas.microsoft.com/office/powerpoint/2010/main" val="136376238"/>
+        <p14:creationId xmlns:p14="http://schemas.microsoft.com/office/powerpoint/2010/main" val="1363793731"/>
       </p:ext>
     </p:extLst>
   </p:cSld>
@@ -17666,12 +18726,99 @@
           <a:chExt cx="0" cy="0"/>
         </a:xfrm>
       </p:grpSpPr>
+      <p:sp>
+        <p:nvSpPr>
+          <p:cNvPr id="2" name="Text Placeholder 1">
+            <a:extLst>
+              <a:ext uri="{FF2B5EF4-FFF2-40B4-BE49-F238E27FC236}">
+                <a16:creationId xmlns:a16="http://schemas.microsoft.com/office/drawing/2014/main" id="{7C877E54-8532-BC4D-BE22-ED396111B657}"/>
+              </a:ext>
+            </a:extLst>
+          </p:cNvPr>
+          <p:cNvSpPr>
+            <a:spLocks noGrp="1"/>
+          </p:cNvSpPr>
+          <p:nvPr>
+            <p:ph type="body" sz="quarter" idx="10"/>
+          </p:nvPr>
+        </p:nvSpPr>
+        <p:spPr>
+          <a:xfrm>
+            <a:off x="274638" y="1212850"/>
+            <a:ext cx="11887200" cy="1337482"/>
+          </a:xfrm>
+        </p:spPr>
+        <p:txBody>
+          <a:bodyPr/>
+          <a:lstStyle/>
+          <a:p>
+            <a:r>
+              <a:rPr lang="en-US" dirty="0"/>
+              <a:t>ClientSideInstance.xml and elements.xml are elements of a Feature</a:t>
+            </a:r>
+          </a:p>
+          <a:p>
+            <a:endParaRPr lang="en-US" dirty="0"/>
+          </a:p>
+          <a:p>
+            <a:r>
+              <a:rPr lang="en-US" dirty="0"/>
+              <a:t>Feature definition part of solution object in package-</a:t>
+            </a:r>
+            <a:r>
+              <a:rPr lang="en-US" dirty="0" err="1"/>
+              <a:t>solution.json</a:t>
+            </a:r>
+            <a:r>
+              <a:rPr lang="en-US" dirty="0"/>
+              <a:t> </a:t>
+            </a:r>
+            <a:endParaRPr lang="en-US" dirty="0">
+              <a:latin typeface="Courier New" panose="02070309020205020404" pitchFamily="49" charset="0"/>
+              <a:cs typeface="Courier New" panose="02070309020205020404" pitchFamily="49" charset="0"/>
+            </a:endParaRPr>
+          </a:p>
+        </p:txBody>
+      </p:sp>
+      <p:sp>
+        <p:nvSpPr>
+          <p:cNvPr id="3" name="Title 2">
+            <a:extLst>
+              <a:ext uri="{FF2B5EF4-FFF2-40B4-BE49-F238E27FC236}">
+                <a16:creationId xmlns:a16="http://schemas.microsoft.com/office/drawing/2014/main" id="{F21B06D3-DD63-D04D-8257-64155C50E5FA}"/>
+              </a:ext>
+            </a:extLst>
+          </p:cNvPr>
+          <p:cNvSpPr>
+            <a:spLocks noGrp="1"/>
+          </p:cNvSpPr>
+          <p:nvPr>
+            <p:ph type="title"/>
+          </p:nvPr>
+        </p:nvSpPr>
+        <p:spPr>
+          <a:xfrm>
+            <a:off x="464400" y="633600"/>
+            <a:ext cx="11574000" cy="387798"/>
+          </a:xfrm>
+        </p:spPr>
+        <p:txBody>
+          <a:bodyPr/>
+          <a:lstStyle/>
+          <a:p>
+            <a:r>
+              <a:rPr lang="en-US" dirty="0"/>
+              <a:t>Deployment – Feature</a:t>
+            </a:r>
+          </a:p>
+        </p:txBody>
+      </p:sp>
       <p:pic>
         <p:nvPicPr>
-          <p:cNvPr id="5" name="Picture 4" descr="A group of people sitting at a table&#10;&#10;Description generated with high confidence">
+          <p:cNvPr id="6" name="Picture 5">
             <a:extLst>
               <a:ext uri="{FF2B5EF4-FFF2-40B4-BE49-F238E27FC236}">
-                <a16:creationId xmlns:a16="http://schemas.microsoft.com/office/drawing/2014/main" id="{D2306968-4303-2646-8585-0AC3A60408F7}"/>
+                <a16:creationId xmlns:a16="http://schemas.microsoft.com/office/drawing/2014/main" id="{F0B8899E-5F40-6C26-B79F-B0E439879BEE}"/>
               </a:ext>
             </a:extLst>
           </p:cNvPr>
@@ -17680,454 +18827,26 @@
           </p:cNvPicPr>
           <p:nvPr/>
         </p:nvPicPr>
-        <p:blipFill rotWithShape="1">
-          <a:blip r:embed="rId2" cstate="screen">
-            <a:extLst>
-              <a:ext uri="{28A0092B-C50C-407E-A947-70E740481C1C}">
-                <a14:useLocalDpi xmlns:a14="http://schemas.microsoft.com/office/drawing/2010/main"/>
-              </a:ext>
-            </a:extLst>
-          </a:blip>
-          <a:srcRect l="-2"/>
-          <a:stretch/>
+        <p:blipFill>
+          <a:blip r:embed="rId3"/>
+          <a:stretch>
+            <a:fillRect/>
+          </a:stretch>
         </p:blipFill>
         <p:spPr>
-          <a:xfrm flipH="1">
-            <a:off x="1943100" y="0"/>
-            <a:ext cx="10493376" cy="6994525"/>
+          <a:xfrm>
+            <a:off x="3307720" y="2741784"/>
+            <a:ext cx="5821033" cy="3880689"/>
           </a:xfrm>
           <a:prstGeom prst="rect">
             <a:avLst/>
           </a:prstGeom>
         </p:spPr>
       </p:pic>
-      <p:sp>
-        <p:nvSpPr>
-          <p:cNvPr id="6" name="Rectangle 5">
-            <a:extLst>
-              <a:ext uri="{FF2B5EF4-FFF2-40B4-BE49-F238E27FC236}">
-                <a16:creationId xmlns:a16="http://schemas.microsoft.com/office/drawing/2014/main" id="{983A2655-A41F-244A-9475-FD805B4A5770}"/>
-              </a:ext>
-            </a:extLst>
-          </p:cNvPr>
-          <p:cNvSpPr/>
-          <p:nvPr/>
-        </p:nvSpPr>
-        <p:spPr bwMode="auto">
-          <a:xfrm>
-            <a:off x="0" y="0"/>
-            <a:ext cx="10048876" cy="6994525"/>
-          </a:xfrm>
-          <a:prstGeom prst="rect">
-            <a:avLst/>
-          </a:prstGeom>
-          <a:gradFill flip="none" rotWithShape="1">
-            <a:gsLst>
-              <a:gs pos="0">
-                <a:schemeClr val="accent1">
-                  <a:lumMod val="5000"/>
-                  <a:lumOff val="95000"/>
-                  <a:alpha val="0"/>
-                </a:schemeClr>
-              </a:gs>
-              <a:gs pos="59000">
-                <a:schemeClr val="bg1"/>
-              </a:gs>
-              <a:gs pos="100000">
-                <a:schemeClr val="bg1"/>
-              </a:gs>
-            </a:gsLst>
-            <a:lin ang="10800000" scaled="0"/>
-            <a:tileRect/>
-          </a:gradFill>
-          <a:ln>
-            <a:noFill/>
-            <a:headEnd type="none" w="med" len="med"/>
-            <a:tailEnd type="none" w="med" len="med"/>
-          </a:ln>
-          <a:effectLst/>
-        </p:spPr>
-        <p:style>
-          <a:lnRef idx="1">
-            <a:schemeClr val="accent2"/>
-          </a:lnRef>
-          <a:fillRef idx="3">
-            <a:schemeClr val="accent2"/>
-          </a:fillRef>
-          <a:effectRef idx="2">
-            <a:schemeClr val="accent2"/>
-          </a:effectRef>
-          <a:fontRef idx="minor">
-            <a:schemeClr val="lt1"/>
-          </a:fontRef>
-        </p:style>
-        <p:txBody>
-          <a:bodyPr rot="0" spcFirstLastPara="0" vertOverflow="overflow" horzOverflow="overflow" vert="horz" wrap="square" lIns="182880" tIns="146304" rIns="182880" bIns="146304" numCol="1" spcCol="0" rtlCol="0" fromWordArt="0" anchor="t" anchorCtr="0" forceAA="0" compatLnSpc="1">
-            <a:prstTxWarp prst="textNoShape">
-              <a:avLst/>
-            </a:prstTxWarp>
-            <a:noAutofit/>
-          </a:bodyPr>
-          <a:lstStyle/>
-          <a:p>
-            <a:pPr algn="ctr" defTabSz="932472" fontAlgn="base">
-              <a:lnSpc>
-                <a:spcPct val="90000"/>
-              </a:lnSpc>
-              <a:spcBef>
-                <a:spcPct val="0"/>
-              </a:spcBef>
-              <a:spcAft>
-                <a:spcPct val="0"/>
-              </a:spcAft>
-            </a:pPr>
-            <a:endParaRPr lang="en-US" sz="2400" err="1">
-              <a:gradFill>
-                <a:gsLst>
-                  <a:gs pos="0">
-                    <a:srgbClr val="FFFFFF"/>
-                  </a:gs>
-                  <a:gs pos="100000">
-                    <a:srgbClr val="FFFFFF"/>
-                  </a:gs>
-                </a:gsLst>
-                <a:lin ang="5400000" scaled="0"/>
-              </a:gradFill>
-              <a:ea typeface="Segoe UI" pitchFamily="34" charset="0"/>
-              <a:cs typeface="Segoe UI" pitchFamily="34" charset="0"/>
-            </a:endParaRPr>
-          </a:p>
-        </p:txBody>
-      </p:sp>
-      <p:sp>
-        <p:nvSpPr>
-          <p:cNvPr id="4" name="Title 3">
-            <a:extLst>
-              <a:ext uri="{FF2B5EF4-FFF2-40B4-BE49-F238E27FC236}">
-                <a16:creationId xmlns:a16="http://schemas.microsoft.com/office/drawing/2014/main" id="{8047349F-0B8F-4D12-A39C-718C1C57DDFF}"/>
-              </a:ext>
-            </a:extLst>
-          </p:cNvPr>
-          <p:cNvSpPr>
-            <a:spLocks noGrp="1"/>
-          </p:cNvSpPr>
-          <p:nvPr>
-            <p:ph type="title"/>
-          </p:nvPr>
-        </p:nvSpPr>
-        <p:spPr>
-          <a:xfrm>
-            <a:off x="465138" y="1843063"/>
-            <a:ext cx="11533187" cy="411162"/>
-          </a:xfrm>
-        </p:spPr>
-        <p:txBody>
-          <a:bodyPr/>
-          <a:lstStyle/>
-          <a:p>
-            <a:r>
-              <a:rPr lang="en-US" dirty="0"/>
-              <a:t>Summary</a:t>
-            </a:r>
-          </a:p>
-        </p:txBody>
-      </p:sp>
-      <p:sp>
-        <p:nvSpPr>
-          <p:cNvPr id="10" name="Text Placeholder 6">
-            <a:extLst>
-              <a:ext uri="{FF2B5EF4-FFF2-40B4-BE49-F238E27FC236}">
-                <a16:creationId xmlns:a16="http://schemas.microsoft.com/office/drawing/2014/main" id="{61D48218-75E0-4C6C-BFA7-A1010BADED35}"/>
-              </a:ext>
-            </a:extLst>
-          </p:cNvPr>
-          <p:cNvSpPr txBox="1">
-            <a:spLocks/>
-          </p:cNvSpPr>
-          <p:nvPr/>
-        </p:nvSpPr>
-        <p:spPr>
-          <a:xfrm>
-            <a:off x="465139" y="2621905"/>
-            <a:ext cx="4234184" cy="1126462"/>
-          </a:xfrm>
-          <a:prstGeom prst="rect">
-            <a:avLst/>
-          </a:prstGeom>
-        </p:spPr>
-        <p:txBody>
-          <a:bodyPr vert="horz" wrap="square" lIns="0" tIns="0" rIns="0" bIns="0" rtlCol="0">
-            <a:spAutoFit/>
-          </a:bodyPr>
-          <a:lstStyle>
-            <a:lvl1pPr marL="0" marR="0" indent="0" algn="l" defTabSz="932742" rtl="0" eaLnBrk="1" fontAlgn="auto" latinLnBrk="0" hangingPunct="1">
-              <a:lnSpc>
-                <a:spcPts val="1800"/>
-              </a:lnSpc>
-              <a:spcBef>
-                <a:spcPts val="0"/>
-              </a:spcBef>
-              <a:spcAft>
-                <a:spcPts val="0"/>
-              </a:spcAft>
-              <a:buClrTx/>
-              <a:buSzPct val="90000"/>
-              <a:buFont typeface="Wingdings" panose="05000000000000000000" pitchFamily="2" charset="2"/>
-              <a:buNone/>
-              <a:tabLst/>
-              <a:defRPr sz="1400" b="1" kern="1200" spc="0" baseline="0">
-                <a:solidFill>
-                  <a:schemeClr val="tx1"/>
-                </a:solidFill>
-                <a:latin typeface="+mn-lt"/>
-                <a:ea typeface="+mn-ea"/>
-                <a:cs typeface="+mn-cs"/>
-              </a:defRPr>
-            </a:lvl1pPr>
-            <a:lvl2pPr marL="0" marR="0" indent="0" algn="l" defTabSz="932742" rtl="0" eaLnBrk="1" fontAlgn="auto" latinLnBrk="0" hangingPunct="1">
-              <a:lnSpc>
-                <a:spcPts val="1800"/>
-              </a:lnSpc>
-              <a:spcBef>
-                <a:spcPts val="0"/>
-              </a:spcBef>
-              <a:spcAft>
-                <a:spcPts val="0"/>
-              </a:spcAft>
-              <a:buClrTx/>
-              <a:buSzPct val="90000"/>
-              <a:buFont typeface="Wingdings" panose="05000000000000000000" pitchFamily="2" charset="2"/>
-              <a:buNone/>
-              <a:tabLst/>
-              <a:defRPr sz="1400" kern="1200" spc="0" baseline="0">
-                <a:solidFill>
-                  <a:schemeClr val="tx1"/>
-                </a:solidFill>
-                <a:latin typeface="+mn-lt"/>
-                <a:ea typeface="+mn-ea"/>
-                <a:cs typeface="+mn-cs"/>
-              </a:defRPr>
-            </a:lvl2pPr>
-            <a:lvl3pPr marL="457200" marR="0" indent="0" algn="l" defTabSz="932742" rtl="0" eaLnBrk="1" fontAlgn="auto" latinLnBrk="0" hangingPunct="1">
-              <a:lnSpc>
-                <a:spcPct val="90000"/>
-              </a:lnSpc>
-              <a:spcBef>
-                <a:spcPct val="20000"/>
-              </a:spcBef>
-              <a:spcAft>
-                <a:spcPts val="0"/>
-              </a:spcAft>
-              <a:buClrTx/>
-              <a:buSzPct val="90000"/>
-              <a:buFont typeface="Wingdings" panose="05000000000000000000" pitchFamily="2" charset="2"/>
-              <a:buNone/>
-              <a:tabLst/>
-              <a:defRPr sz="2400" kern="1200" spc="0" baseline="0">
-                <a:gradFill>
-                  <a:gsLst>
-                    <a:gs pos="1250">
-                      <a:schemeClr val="tx1"/>
-                    </a:gs>
-                    <a:gs pos="100000">
-                      <a:schemeClr val="tx1"/>
-                    </a:gs>
-                  </a:gsLst>
-                  <a:lin ang="5400000" scaled="0"/>
-                </a:gradFill>
-                <a:latin typeface="+mn-lt"/>
-                <a:ea typeface="+mn-ea"/>
-                <a:cs typeface="+mn-cs"/>
-              </a:defRPr>
-            </a:lvl3pPr>
-            <a:lvl4pPr marL="685800" marR="0" indent="0" algn="l" defTabSz="932742" rtl="0" eaLnBrk="1" fontAlgn="auto" latinLnBrk="0" hangingPunct="1">
-              <a:lnSpc>
-                <a:spcPct val="90000"/>
-              </a:lnSpc>
-              <a:spcBef>
-                <a:spcPct val="20000"/>
-              </a:spcBef>
-              <a:spcAft>
-                <a:spcPts val="0"/>
-              </a:spcAft>
-              <a:buClrTx/>
-              <a:buSzPct val="90000"/>
-              <a:buFont typeface="Wingdings" panose="05000000000000000000" pitchFamily="2" charset="2"/>
-              <a:buNone/>
-              <a:tabLst/>
-              <a:defRPr sz="2200" kern="1200" spc="0" baseline="0">
-                <a:gradFill>
-                  <a:gsLst>
-                    <a:gs pos="1250">
-                      <a:schemeClr val="tx1"/>
-                    </a:gs>
-                    <a:gs pos="100000">
-                      <a:schemeClr val="tx1"/>
-                    </a:gs>
-                  </a:gsLst>
-                  <a:lin ang="5400000" scaled="0"/>
-                </a:gradFill>
-                <a:latin typeface="+mn-lt"/>
-                <a:ea typeface="+mn-ea"/>
-                <a:cs typeface="+mn-cs"/>
-              </a:defRPr>
-            </a:lvl4pPr>
-            <a:lvl5pPr marL="914400" marR="0" indent="0" algn="l" defTabSz="932742" rtl="0" eaLnBrk="1" fontAlgn="auto" latinLnBrk="0" hangingPunct="1">
-              <a:lnSpc>
-                <a:spcPct val="90000"/>
-              </a:lnSpc>
-              <a:spcBef>
-                <a:spcPct val="20000"/>
-              </a:spcBef>
-              <a:spcAft>
-                <a:spcPts val="0"/>
-              </a:spcAft>
-              <a:buClrTx/>
-              <a:buSzPct val="90000"/>
-              <a:buFont typeface="Wingdings" panose="05000000000000000000" pitchFamily="2" charset="2"/>
-              <a:buNone/>
-              <a:tabLst/>
-              <a:defRPr sz="2200" kern="1200" spc="0" baseline="0">
-                <a:gradFill>
-                  <a:gsLst>
-                    <a:gs pos="1250">
-                      <a:schemeClr val="tx1"/>
-                    </a:gs>
-                    <a:gs pos="100000">
-                      <a:schemeClr val="tx1"/>
-                    </a:gs>
-                  </a:gsLst>
-                  <a:lin ang="5400000" scaled="0"/>
-                </a:gradFill>
-                <a:latin typeface="+mn-lt"/>
-                <a:ea typeface="+mn-ea"/>
-                <a:cs typeface="+mn-cs"/>
-              </a:defRPr>
-            </a:lvl5pPr>
-            <a:lvl6pPr marL="2565040" indent="-233186" algn="l" defTabSz="932742" rtl="0" eaLnBrk="1" latinLnBrk="0" hangingPunct="1">
-              <a:spcBef>
-                <a:spcPct val="20000"/>
-              </a:spcBef>
-              <a:buFont typeface="Arial" pitchFamily="34" charset="0"/>
-              <a:buChar char="•"/>
-              <a:defRPr sz="2000" kern="1200">
-                <a:solidFill>
-                  <a:schemeClr val="tx1"/>
-                </a:solidFill>
-                <a:latin typeface="+mn-lt"/>
-                <a:ea typeface="+mn-ea"/>
-                <a:cs typeface="+mn-cs"/>
-              </a:defRPr>
-            </a:lvl6pPr>
-            <a:lvl7pPr marL="3031412" indent="-233186" algn="l" defTabSz="932742" rtl="0" eaLnBrk="1" latinLnBrk="0" hangingPunct="1">
-              <a:spcBef>
-                <a:spcPct val="20000"/>
-              </a:spcBef>
-              <a:buFont typeface="Arial" pitchFamily="34" charset="0"/>
-              <a:buChar char="•"/>
-              <a:defRPr sz="2000" kern="1200">
-                <a:solidFill>
-                  <a:schemeClr val="tx1"/>
-                </a:solidFill>
-                <a:latin typeface="+mn-lt"/>
-                <a:ea typeface="+mn-ea"/>
-                <a:cs typeface="+mn-cs"/>
-              </a:defRPr>
-            </a:lvl7pPr>
-            <a:lvl8pPr marL="3497783" indent="-233186" algn="l" defTabSz="932742" rtl="0" eaLnBrk="1" latinLnBrk="0" hangingPunct="1">
-              <a:spcBef>
-                <a:spcPct val="20000"/>
-              </a:spcBef>
-              <a:buFont typeface="Arial" pitchFamily="34" charset="0"/>
-              <a:buChar char="•"/>
-              <a:defRPr sz="2000" kern="1200">
-                <a:solidFill>
-                  <a:schemeClr val="tx1"/>
-                </a:solidFill>
-                <a:latin typeface="+mn-lt"/>
-                <a:ea typeface="+mn-ea"/>
-                <a:cs typeface="+mn-cs"/>
-              </a:defRPr>
-            </a:lvl8pPr>
-            <a:lvl9pPr marL="3964155" indent="-233186" algn="l" defTabSz="932742" rtl="0" eaLnBrk="1" latinLnBrk="0" hangingPunct="1">
-              <a:spcBef>
-                <a:spcPct val="20000"/>
-              </a:spcBef>
-              <a:buFont typeface="Arial" pitchFamily="34" charset="0"/>
-              <a:buChar char="•"/>
-              <a:defRPr sz="2000" kern="1200">
-                <a:solidFill>
-                  <a:schemeClr val="tx1"/>
-                </a:solidFill>
-                <a:latin typeface="+mn-lt"/>
-                <a:ea typeface="+mn-ea"/>
-                <a:cs typeface="+mn-cs"/>
-              </a:defRPr>
-            </a:lvl9pPr>
-          </a:lstStyle>
-          <a:p>
-            <a:pPr lvl="0">
-              <a:lnSpc>
-                <a:spcPct val="90000"/>
-              </a:lnSpc>
-              <a:spcBef>
-                <a:spcPts val="1800"/>
-              </a:spcBef>
-            </a:pPr>
-            <a:r>
-              <a:rPr lang="en-US" sz="1600" b="0" dirty="0">
-                <a:solidFill>
-                  <a:srgbClr val="2F2F2F"/>
-                </a:solidFill>
-                <a:latin typeface="Segoe UI Semibold"/>
-              </a:rPr>
-              <a:t>Overview</a:t>
-            </a:r>
-          </a:p>
-          <a:p>
-            <a:pPr lvl="0">
-              <a:lnSpc>
-                <a:spcPct val="90000"/>
-              </a:lnSpc>
-              <a:spcBef>
-                <a:spcPts val="1800"/>
-              </a:spcBef>
-            </a:pPr>
-            <a:r>
-              <a:rPr lang="en-US" sz="1600" b="0" dirty="0">
-                <a:solidFill>
-                  <a:srgbClr val="2F2F2F"/>
-                </a:solidFill>
-                <a:latin typeface="Segoe UI Semibold"/>
-              </a:rPr>
-              <a:t>Debugging &amp; Testing</a:t>
-            </a:r>
-          </a:p>
-          <a:p>
-            <a:pPr lvl="0">
-              <a:lnSpc>
-                <a:spcPct val="90000"/>
-              </a:lnSpc>
-              <a:spcBef>
-                <a:spcPts val="1800"/>
-              </a:spcBef>
-            </a:pPr>
-            <a:r>
-              <a:rPr lang="en-US" sz="1600" b="0" dirty="0">
-                <a:solidFill>
-                  <a:srgbClr val="2F2F2F"/>
-                </a:solidFill>
-                <a:latin typeface="Segoe UI Semibold"/>
-              </a:rPr>
-              <a:t>Deploying</a:t>
-            </a:r>
-          </a:p>
-        </p:txBody>
-      </p:sp>
     </p:spTree>
     <p:extLst>
       <p:ext uri="{BB962C8B-B14F-4D97-AF65-F5344CB8AC3E}">
-        <p14:creationId xmlns:p14="http://schemas.microsoft.com/office/powerpoint/2010/main" val="2897804118"/>
+        <p14:creationId xmlns:p14="http://schemas.microsoft.com/office/powerpoint/2010/main" val="3476474755"/>
       </p:ext>
     </p:extLst>
   </p:cSld>

--- a/03 commandset.pptx
+++ b/03 commandset.pptx
@@ -274,7 +274,7 @@
               <a:rPr lang="en-US" smtClean="0">
                 <a:latin typeface="Segoe UI" pitchFamily="34" charset="0"/>
               </a:rPr>
-              <a:t>4/30/2022 3:09 PM</a:t>
+              <a:t>11/18/2022 10:13 AM</a:t>
             </a:fld>
             <a:endParaRPr lang="en-US" dirty="0">
               <a:latin typeface="Segoe UI" pitchFamily="34" charset="0"/>
@@ -571,7 +571,7 @@
           <a:p>
             <a:fld id="{D18B56EA-E28F-4F92-9F16-7A6F2501B303}" type="datetime8">
               <a:rPr lang="en-US" smtClean="0"/>
-              <a:t>4/30/2022 3:09 PM</a:t>
+              <a:t>11/18/2022 10:13 AM</a:t>
             </a:fld>
             <a:endParaRPr lang="en-US" dirty="0"/>
           </a:p>
@@ -954,7 +954,7 @@
           <a:p>
             <a:fld id="{D18B56EA-E28F-4F92-9F16-7A6F2501B303}" type="datetime8">
               <a:rPr lang="en-US" smtClean="0"/>
-              <a:t>4/30/2022 3:09 PM</a:t>
+              <a:t>11/18/2022 10:13 AM</a:t>
             </a:fld>
             <a:endParaRPr lang="en-US" dirty="0"/>
           </a:p>
@@ -1135,7 +1135,7 @@
           <a:p>
             <a:fld id="{D18B56EA-E28F-4F92-9F16-7A6F2501B303}" type="datetime8">
               <a:rPr lang="en-US" smtClean="0"/>
-              <a:t>4/30/2022 3:09 PM</a:t>
+              <a:t>11/18/2022 10:13 AM</a:t>
             </a:fld>
             <a:endParaRPr lang="en-US" dirty="0"/>
           </a:p>
@@ -1316,7 +1316,7 @@
           <a:p>
             <a:fld id="{D18B56EA-E28F-4F92-9F16-7A6F2501B303}" type="datetime8">
               <a:rPr lang="en-US" smtClean="0"/>
-              <a:t>4/30/2022 3:09 PM</a:t>
+              <a:t>11/18/2022 10:13 AM</a:t>
             </a:fld>
             <a:endParaRPr lang="en-US" dirty="0"/>
           </a:p>
@@ -1497,7 +1497,7 @@
           <a:p>
             <a:fld id="{D18B56EA-E28F-4F92-9F16-7A6F2501B303}" type="datetime8">
               <a:rPr lang="en-US" smtClean="0"/>
-              <a:t>4/30/2022 3:09 PM</a:t>
+              <a:t>11/18/2022 10:13 AM</a:t>
             </a:fld>
             <a:endParaRPr lang="en-US" dirty="0"/>
           </a:p>
@@ -1678,7 +1678,7 @@
           <a:p>
             <a:fld id="{D18B56EA-E28F-4F92-9F16-7A6F2501B303}" type="datetime8">
               <a:rPr lang="en-US" smtClean="0"/>
-              <a:t>4/30/2022 3:09 PM</a:t>
+              <a:t>11/18/2022 10:13 AM</a:t>
             </a:fld>
             <a:endParaRPr lang="en-US" dirty="0"/>
           </a:p>
@@ -1865,7 +1865,7 @@
           <a:p>
             <a:fld id="{D18B56EA-E28F-4F92-9F16-7A6F2501B303}" type="datetime8">
               <a:rPr lang="en-US" smtClean="0"/>
-              <a:t>4/30/2022 3:09 PM</a:t>
+              <a:t>11/18/2022 10:13 AM</a:t>
             </a:fld>
             <a:endParaRPr lang="en-US" dirty="0"/>
           </a:p>
@@ -2106,7 +2106,7 @@
           <a:p>
             <a:fld id="{D18B56EA-E28F-4F92-9F16-7A6F2501B303}" type="datetime8">
               <a:rPr lang="en-US" smtClean="0"/>
-              <a:t>4/30/2022 3:09 PM</a:t>
+              <a:t>11/18/2022 10:13 AM</a:t>
             </a:fld>
             <a:endParaRPr lang="en-US" dirty="0"/>
           </a:p>
@@ -2315,7 +2315,7 @@
           <a:p>
             <a:fld id="{D18B56EA-E28F-4F92-9F16-7A6F2501B303}" type="datetime8">
               <a:rPr lang="en-US" smtClean="0"/>
-              <a:t>4/30/2022 3:09 PM</a:t>
+              <a:t>11/18/2022 10:13 AM</a:t>
             </a:fld>
             <a:endParaRPr lang="en-US" dirty="0"/>
           </a:p>
@@ -2615,7 +2615,7 @@
           <a:p>
             <a:fld id="{D18B56EA-E28F-4F92-9F16-7A6F2501B303}" type="datetime8">
               <a:rPr lang="en-US" smtClean="0"/>
-              <a:t>4/30/2022 3:09 PM</a:t>
+              <a:t>11/18/2022 10:13 AM</a:t>
             </a:fld>
             <a:endParaRPr lang="en-US" dirty="0"/>
           </a:p>
@@ -2884,7 +2884,7 @@
           <a:p>
             <a:fld id="{D18B56EA-E28F-4F92-9F16-7A6F2501B303}" type="datetime8">
               <a:rPr lang="en-US" smtClean="0"/>
-              <a:t>4/30/2022 3:09 PM</a:t>
+              <a:t>11/18/2022 10:13 AM</a:t>
             </a:fld>
             <a:endParaRPr lang="en-US" dirty="0"/>
           </a:p>
@@ -3089,7 +3089,7 @@
           <a:p>
             <a:fld id="{D18B56EA-E28F-4F92-9F16-7A6F2501B303}" type="datetime8">
               <a:rPr lang="en-US" smtClean="0"/>
-              <a:t>4/30/2022 3:09 PM</a:t>
+              <a:t>11/18/2022 10:13 AM</a:t>
             </a:fld>
             <a:endParaRPr lang="en-US" dirty="0"/>
           </a:p>
@@ -3285,7 +3285,7 @@
           <a:p>
             <a:fld id="{D18B56EA-E28F-4F92-9F16-7A6F2501B303}" type="datetime8">
               <a:rPr lang="en-US" smtClean="0"/>
-              <a:t>4/30/2022 3:09 PM</a:t>
+              <a:t>11/18/2022 10:13 AM</a:t>
             </a:fld>
             <a:endParaRPr lang="en-US" dirty="0"/>
           </a:p>
@@ -3481,7 +3481,7 @@
           <a:p>
             <a:fld id="{D18B56EA-E28F-4F92-9F16-7A6F2501B303}" type="datetime8">
               <a:rPr lang="en-US" smtClean="0"/>
-              <a:t>4/30/2022 3:09 PM</a:t>
+              <a:t>11/18/2022 10:13 AM</a:t>
             </a:fld>
             <a:endParaRPr lang="en-US" dirty="0"/>
           </a:p>
@@ -17009,7 +17009,7 @@
                 <a:latin typeface="+mj-lt"/>
                 <a:hlinkClick r:id="rId3"/>
               </a:rPr>
-              <a:t>https://docs.microsoft.com/sharepoint/dev/spfx/sharepoint-framework-overview</a:t>
+              <a:t>https://learn.microsoft.com/sharepoint/dev/spfx/sharepoint-framework-overview</a:t>
             </a:r>
             <a:endParaRPr lang="en-US" sz="1800" dirty="0">
               <a:latin typeface="+mj-lt"/>
@@ -17071,7 +17071,7 @@
                 <a:latin typeface="+mj-lt"/>
                 <a:hlinkClick r:id="rId4"/>
               </a:rPr>
-              <a:t>https://docs.microsoft.com/sharepoint/dev/spfx/extensions/overview-extensions</a:t>
+              <a:t>https://learn.microsoft.com/sharepoint/dev/spfx/extensions/overview-extensions</a:t>
             </a:r>
             <a:r>
               <a:rPr lang="en-US" sz="1800" dirty="0">
@@ -17141,7 +17141,7 @@
                 <a:latin typeface="+mj-lt"/>
                 <a:hlinkClick r:id="rId5"/>
               </a:rPr>
-              <a:t>https://docs.microsoft.com/en-us/sharepoint/dev/spfx/extensions/get-started/building-simple-cmdset-with-dialog-api</a:t>
+              <a:t>https://learn.microsoft.com/en-us/sharepoint/dev/spfx/extensions/get-started/building-simple-cmdset-with-dialog-api</a:t>
             </a:r>
             <a:r>
               <a:rPr lang="en-US" sz="1800" dirty="0">
